--- a/Onlab_bemutato.pptx
+++ b/Onlab_bemutato.pptx
@@ -2,18 +2,29 @@
 <file path=ppt/presentation.xml><?xml version="1.0" encoding="utf-8"?>
 <p:presentation xmlns:a="http://schemas.openxmlformats.org/drawingml/2006/main" xmlns:r="http://schemas.openxmlformats.org/officeDocument/2006/relationships" xmlns:p="http://schemas.openxmlformats.org/presentationml/2006/main" saveSubsetFonts="1">
   <p:sldMasterIdLst>
-    <p:sldMasterId id="2147483648" r:id="rId1"/>
+    <p:sldMasterId id="2147483711" r:id="rId1"/>
   </p:sldMasterIdLst>
   <p:sldIdLst>
     <p:sldId id="256" r:id="rId2"/>
+    <p:sldId id="258" r:id="rId3"/>
+    <p:sldId id="259" r:id="rId4"/>
+    <p:sldId id="260" r:id="rId5"/>
+    <p:sldId id="261" r:id="rId6"/>
+    <p:sldId id="262" r:id="rId7"/>
+    <p:sldId id="265" r:id="rId8"/>
+    <p:sldId id="263" r:id="rId9"/>
+    <p:sldId id="266" r:id="rId10"/>
+    <p:sldId id="264" r:id="rId11"/>
+    <p:sldId id="257" r:id="rId12"/>
+    <p:sldId id="267" r:id="rId13"/>
   </p:sldIdLst>
   <p:sldSz cx="12192000" cy="6858000"/>
   <p:notesSz cx="6858000" cy="9144000"/>
   <p:defaultTextStyle>
     <a:defPPr>
-      <a:defRPr lang="hu-HU"/>
+      <a:defRPr lang="en-US"/>
     </a:defPPr>
-    <a:lvl1pPr marL="0" algn="l" defTabSz="914400" rtl="0" eaLnBrk="1" latinLnBrk="0" hangingPunct="1">
+    <a:lvl1pPr marL="0" algn="l" defTabSz="457200" rtl="0" eaLnBrk="1" latinLnBrk="0" hangingPunct="1">
       <a:defRPr sz="1800" kern="1200">
         <a:solidFill>
           <a:schemeClr val="tx1"/>
@@ -23,7 +34,7 @@
         <a:cs typeface="+mn-cs"/>
       </a:defRPr>
     </a:lvl1pPr>
-    <a:lvl2pPr marL="457200" algn="l" defTabSz="914400" rtl="0" eaLnBrk="1" latinLnBrk="0" hangingPunct="1">
+    <a:lvl2pPr marL="457200" algn="l" defTabSz="457200" rtl="0" eaLnBrk="1" latinLnBrk="0" hangingPunct="1">
       <a:defRPr sz="1800" kern="1200">
         <a:solidFill>
           <a:schemeClr val="tx1"/>
@@ -33,7 +44,7 @@
         <a:cs typeface="+mn-cs"/>
       </a:defRPr>
     </a:lvl2pPr>
-    <a:lvl3pPr marL="914400" algn="l" defTabSz="914400" rtl="0" eaLnBrk="1" latinLnBrk="0" hangingPunct="1">
+    <a:lvl3pPr marL="914400" algn="l" defTabSz="457200" rtl="0" eaLnBrk="1" latinLnBrk="0" hangingPunct="1">
       <a:defRPr sz="1800" kern="1200">
         <a:solidFill>
           <a:schemeClr val="tx1"/>
@@ -43,7 +54,7 @@
         <a:cs typeface="+mn-cs"/>
       </a:defRPr>
     </a:lvl3pPr>
-    <a:lvl4pPr marL="1371600" algn="l" defTabSz="914400" rtl="0" eaLnBrk="1" latinLnBrk="0" hangingPunct="1">
+    <a:lvl4pPr marL="1371600" algn="l" defTabSz="457200" rtl="0" eaLnBrk="1" latinLnBrk="0" hangingPunct="1">
       <a:defRPr sz="1800" kern="1200">
         <a:solidFill>
           <a:schemeClr val="tx1"/>
@@ -53,7 +64,7 @@
         <a:cs typeface="+mn-cs"/>
       </a:defRPr>
     </a:lvl4pPr>
-    <a:lvl5pPr marL="1828800" algn="l" defTabSz="914400" rtl="0" eaLnBrk="1" latinLnBrk="0" hangingPunct="1">
+    <a:lvl5pPr marL="1828800" algn="l" defTabSz="457200" rtl="0" eaLnBrk="1" latinLnBrk="0" hangingPunct="1">
       <a:defRPr sz="1800" kern="1200">
         <a:solidFill>
           <a:schemeClr val="tx1"/>
@@ -63,7 +74,7 @@
         <a:cs typeface="+mn-cs"/>
       </a:defRPr>
     </a:lvl5pPr>
-    <a:lvl6pPr marL="2286000" algn="l" defTabSz="914400" rtl="0" eaLnBrk="1" latinLnBrk="0" hangingPunct="1">
+    <a:lvl6pPr marL="2286000" algn="l" defTabSz="457200" rtl="0" eaLnBrk="1" latinLnBrk="0" hangingPunct="1">
       <a:defRPr sz="1800" kern="1200">
         <a:solidFill>
           <a:schemeClr val="tx1"/>
@@ -73,7 +84,7 @@
         <a:cs typeface="+mn-cs"/>
       </a:defRPr>
     </a:lvl6pPr>
-    <a:lvl7pPr marL="2743200" algn="l" defTabSz="914400" rtl="0" eaLnBrk="1" latinLnBrk="0" hangingPunct="1">
+    <a:lvl7pPr marL="2743200" algn="l" defTabSz="457200" rtl="0" eaLnBrk="1" latinLnBrk="0" hangingPunct="1">
       <a:defRPr sz="1800" kern="1200">
         <a:solidFill>
           <a:schemeClr val="tx1"/>
@@ -83,7 +94,7 @@
         <a:cs typeface="+mn-cs"/>
       </a:defRPr>
     </a:lvl7pPr>
-    <a:lvl8pPr marL="3200400" algn="l" defTabSz="914400" rtl="0" eaLnBrk="1" latinLnBrk="0" hangingPunct="1">
+    <a:lvl8pPr marL="3200400" algn="l" defTabSz="457200" rtl="0" eaLnBrk="1" latinLnBrk="0" hangingPunct="1">
       <a:defRPr sz="1800" kern="1200">
         <a:solidFill>
           <a:schemeClr val="tx1"/>
@@ -93,7 +104,7 @@
         <a:cs typeface="+mn-cs"/>
       </a:defRPr>
     </a:lvl8pPr>
-    <a:lvl9pPr marL="3657600" algn="l" defTabSz="914400" rtl="0" eaLnBrk="1" latinLnBrk="0" hangingPunct="1">
+    <a:lvl9pPr marL="3657600" algn="l" defTabSz="457200" rtl="0" eaLnBrk="1" latinLnBrk="0" hangingPunct="1">
       <a:defRPr sz="1800" kern="1200">
         <a:solidFill>
           <a:schemeClr val="tx1"/>
@@ -104,11 +115,16 @@
       </a:defRPr>
     </a:lvl9pPr>
   </p:defaultTextStyle>
+  <p:extLst>
+    <p:ext uri="{EFAFB233-063F-42B5-8137-9DF3F51BA10A}">
+      <p15:sldGuideLst xmlns:p15="http://schemas.microsoft.com/office/powerpoint/2012/main"/>
+    </p:ext>
+  </p:extLst>
 </p:presentation>
 </file>
 
 <file path=ppt/slideLayouts/slideLayout1.xml><?xml version="1.0" encoding="utf-8"?>
-<p:sldLayout xmlns:a="http://schemas.openxmlformats.org/drawingml/2006/main" xmlns:r="http://schemas.openxmlformats.org/officeDocument/2006/relationships" xmlns:p="http://schemas.openxmlformats.org/presentationml/2006/main" type="title" preserve="1">
+<p:sldLayout xmlns:a="http://schemas.openxmlformats.org/drawingml/2006/main" xmlns:r="http://schemas.openxmlformats.org/officeDocument/2006/relationships" xmlns:p="http://schemas.openxmlformats.org/presentationml/2006/main" showMasterSp="0" type="title" preserve="1">
   <p:cSld name="Címdia">
     <p:spTree>
       <p:nvGrpSpPr>
@@ -124,15 +140,562 @@
           <a:chExt cx="0" cy="0"/>
         </a:xfrm>
       </p:grpSpPr>
-      <p:sp>
-        <p:nvSpPr>
-          <p:cNvPr id="2" name="Cím 1">
-            <a:extLst>
-              <a:ext uri="{FF2B5EF4-FFF2-40B4-BE49-F238E27FC236}">
-                <a16:creationId xmlns:a16="http://schemas.microsoft.com/office/drawing/2014/main" id="{3B994CAC-07DF-4139-82D6-73424C7A1E94}"/>
-              </a:ext>
-            </a:extLst>
-          </p:cNvPr>
+      <p:grpSp>
+        <p:nvGrpSpPr>
+          <p:cNvPr id="16" name="Group 15"/>
+          <p:cNvGrpSpPr/>
+          <p:nvPr/>
+        </p:nvGrpSpPr>
+        <p:grpSpPr>
+          <a:xfrm>
+            <a:off x="0" y="-8467"/>
+            <a:ext cx="12192000" cy="6866467"/>
+            <a:chOff x="0" y="-8467"/>
+            <a:chExt cx="12192000" cy="6866467"/>
+          </a:xfrm>
+        </p:grpSpPr>
+        <p:sp>
+          <p:nvSpPr>
+            <p:cNvPr id="15" name="Freeform 14"/>
+            <p:cNvSpPr/>
+            <p:nvPr/>
+          </p:nvSpPr>
+          <p:spPr>
+            <a:xfrm>
+              <a:off x="0" y="-7862"/>
+              <a:ext cx="863600" cy="5698067"/>
+            </a:xfrm>
+            <a:custGeom>
+              <a:avLst/>
+              <a:gdLst/>
+              <a:ahLst/>
+              <a:cxnLst/>
+              <a:rect l="l" t="t" r="r" b="b"/>
+              <a:pathLst>
+                <a:path w="863600" h="5698067">
+                  <a:moveTo>
+                    <a:pt x="0" y="8467"/>
+                  </a:moveTo>
+                  <a:lnTo>
+                    <a:pt x="863600" y="0"/>
+                  </a:lnTo>
+                  <a:lnTo>
+                    <a:pt x="863600" y="16934"/>
+                  </a:lnTo>
+                  <a:lnTo>
+                    <a:pt x="0" y="5698067"/>
+                  </a:lnTo>
+                  <a:lnTo>
+                    <a:pt x="0" y="8467"/>
+                  </a:lnTo>
+                  <a:close/>
+                </a:path>
+              </a:pathLst>
+            </a:custGeom>
+            <a:solidFill>
+              <a:schemeClr val="accent1">
+                <a:alpha val="70000"/>
+              </a:schemeClr>
+            </a:solidFill>
+            <a:ln>
+              <a:noFill/>
+            </a:ln>
+            <a:effectLst/>
+          </p:spPr>
+          <p:style>
+            <a:lnRef idx="1">
+              <a:schemeClr val="accent1"/>
+            </a:lnRef>
+            <a:fillRef idx="3">
+              <a:schemeClr val="accent1"/>
+            </a:fillRef>
+            <a:effectRef idx="2">
+              <a:schemeClr val="accent1"/>
+            </a:effectRef>
+            <a:fontRef idx="minor">
+              <a:schemeClr val="lt1"/>
+            </a:fontRef>
+          </p:style>
+        </p:sp>
+        <p:cxnSp>
+          <p:nvCxnSpPr>
+            <p:cNvPr id="19" name="Straight Connector 18"/>
+            <p:cNvCxnSpPr/>
+            <p:nvPr/>
+          </p:nvCxnSpPr>
+          <p:spPr>
+            <a:xfrm>
+              <a:off x="9371012" y="0"/>
+              <a:ext cx="1219200" cy="6858000"/>
+            </a:xfrm>
+            <a:prstGeom prst="line">
+              <a:avLst/>
+            </a:prstGeom>
+            <a:ln w="9525">
+              <a:solidFill>
+                <a:schemeClr val="accent1">
+                  <a:alpha val="70000"/>
+                </a:schemeClr>
+              </a:solidFill>
+            </a:ln>
+          </p:spPr>
+          <p:style>
+            <a:lnRef idx="2">
+              <a:schemeClr val="accent1"/>
+            </a:lnRef>
+            <a:fillRef idx="0">
+              <a:schemeClr val="accent1"/>
+            </a:fillRef>
+            <a:effectRef idx="1">
+              <a:schemeClr val="accent1"/>
+            </a:effectRef>
+            <a:fontRef idx="minor">
+              <a:schemeClr val="tx1"/>
+            </a:fontRef>
+          </p:style>
+        </p:cxnSp>
+        <p:cxnSp>
+          <p:nvCxnSpPr>
+            <p:cNvPr id="20" name="Straight Connector 19"/>
+            <p:cNvCxnSpPr/>
+            <p:nvPr/>
+          </p:nvCxnSpPr>
+          <p:spPr>
+            <a:xfrm flipH="1">
+              <a:off x="7425267" y="3681413"/>
+              <a:ext cx="4763558" cy="3176587"/>
+            </a:xfrm>
+            <a:prstGeom prst="line">
+              <a:avLst/>
+            </a:prstGeom>
+            <a:ln w="9525">
+              <a:solidFill>
+                <a:schemeClr val="accent1">
+                  <a:alpha val="70000"/>
+                </a:schemeClr>
+              </a:solidFill>
+            </a:ln>
+          </p:spPr>
+          <p:style>
+            <a:lnRef idx="2">
+              <a:schemeClr val="accent1"/>
+            </a:lnRef>
+            <a:fillRef idx="0">
+              <a:schemeClr val="accent1"/>
+            </a:fillRef>
+            <a:effectRef idx="1">
+              <a:schemeClr val="accent1"/>
+            </a:effectRef>
+            <a:fontRef idx="minor">
+              <a:schemeClr val="tx1"/>
+            </a:fontRef>
+          </p:style>
+        </p:cxnSp>
+        <p:sp>
+          <p:nvSpPr>
+            <p:cNvPr id="21" name="Rectangle 23"/>
+            <p:cNvSpPr/>
+            <p:nvPr/>
+          </p:nvSpPr>
+          <p:spPr>
+            <a:xfrm>
+              <a:off x="9181476" y="-8467"/>
+              <a:ext cx="3007349" cy="6866467"/>
+            </a:xfrm>
+            <a:custGeom>
+              <a:avLst/>
+              <a:gdLst/>
+              <a:ahLst/>
+              <a:cxnLst/>
+              <a:rect l="l" t="t" r="r" b="b"/>
+              <a:pathLst>
+                <a:path w="3007349" h="6866467">
+                  <a:moveTo>
+                    <a:pt x="2045532" y="0"/>
+                  </a:moveTo>
+                  <a:lnTo>
+                    <a:pt x="3007349" y="0"/>
+                  </a:lnTo>
+                  <a:lnTo>
+                    <a:pt x="3007349" y="6866467"/>
+                  </a:lnTo>
+                  <a:lnTo>
+                    <a:pt x="0" y="6866467"/>
+                  </a:lnTo>
+                  <a:lnTo>
+                    <a:pt x="2045532" y="0"/>
+                  </a:lnTo>
+                  <a:close/>
+                </a:path>
+              </a:pathLst>
+            </a:custGeom>
+            <a:solidFill>
+              <a:schemeClr val="accent1">
+                <a:alpha val="36000"/>
+              </a:schemeClr>
+            </a:solidFill>
+            <a:ln>
+              <a:noFill/>
+            </a:ln>
+            <a:effectLst/>
+          </p:spPr>
+          <p:style>
+            <a:lnRef idx="1">
+              <a:schemeClr val="accent1"/>
+            </a:lnRef>
+            <a:fillRef idx="3">
+              <a:schemeClr val="accent1"/>
+            </a:fillRef>
+            <a:effectRef idx="2">
+              <a:schemeClr val="accent1"/>
+            </a:effectRef>
+            <a:fontRef idx="minor">
+              <a:schemeClr val="lt1"/>
+            </a:fontRef>
+          </p:style>
+        </p:sp>
+        <p:sp>
+          <p:nvSpPr>
+            <p:cNvPr id="22" name="Rectangle 25"/>
+            <p:cNvSpPr/>
+            <p:nvPr/>
+          </p:nvSpPr>
+          <p:spPr>
+            <a:xfrm>
+              <a:off x="9603442" y="-8467"/>
+              <a:ext cx="2588558" cy="6866467"/>
+            </a:xfrm>
+            <a:custGeom>
+              <a:avLst/>
+              <a:gdLst/>
+              <a:ahLst/>
+              <a:cxnLst/>
+              <a:rect l="l" t="t" r="r" b="b"/>
+              <a:pathLst>
+                <a:path w="2573311" h="6866467">
+                  <a:moveTo>
+                    <a:pt x="0" y="0"/>
+                  </a:moveTo>
+                  <a:lnTo>
+                    <a:pt x="2573311" y="0"/>
+                  </a:lnTo>
+                  <a:lnTo>
+                    <a:pt x="2573311" y="6866467"/>
+                  </a:lnTo>
+                  <a:lnTo>
+                    <a:pt x="1202336" y="6866467"/>
+                  </a:lnTo>
+                  <a:lnTo>
+                    <a:pt x="0" y="0"/>
+                  </a:lnTo>
+                  <a:close/>
+                </a:path>
+              </a:pathLst>
+            </a:custGeom>
+            <a:solidFill>
+              <a:schemeClr val="accent1">
+                <a:alpha val="20000"/>
+              </a:schemeClr>
+            </a:solidFill>
+            <a:ln>
+              <a:noFill/>
+            </a:ln>
+            <a:effectLst/>
+          </p:spPr>
+          <p:style>
+            <a:lnRef idx="1">
+              <a:schemeClr val="accent1"/>
+            </a:lnRef>
+            <a:fillRef idx="3">
+              <a:schemeClr val="accent1"/>
+            </a:fillRef>
+            <a:effectRef idx="2">
+              <a:schemeClr val="accent1"/>
+            </a:effectRef>
+            <a:fontRef idx="minor">
+              <a:schemeClr val="lt1"/>
+            </a:fontRef>
+          </p:style>
+        </p:sp>
+        <p:sp>
+          <p:nvSpPr>
+            <p:cNvPr id="23" name="Isosceles Triangle 22"/>
+            <p:cNvSpPr/>
+            <p:nvPr/>
+          </p:nvSpPr>
+          <p:spPr>
+            <a:xfrm>
+              <a:off x="8932333" y="3048000"/>
+              <a:ext cx="3259667" cy="3810000"/>
+            </a:xfrm>
+            <a:prstGeom prst="triangle">
+              <a:avLst>
+                <a:gd name="adj" fmla="val 100000"/>
+              </a:avLst>
+            </a:prstGeom>
+            <a:solidFill>
+              <a:schemeClr val="accent1">
+                <a:lumMod val="75000"/>
+                <a:alpha val="66000"/>
+              </a:schemeClr>
+            </a:solidFill>
+            <a:ln>
+              <a:noFill/>
+            </a:ln>
+            <a:effectLst/>
+          </p:spPr>
+          <p:style>
+            <a:lnRef idx="1">
+              <a:schemeClr val="accent1"/>
+            </a:lnRef>
+            <a:fillRef idx="3">
+              <a:schemeClr val="accent1"/>
+            </a:fillRef>
+            <a:effectRef idx="2">
+              <a:schemeClr val="accent1"/>
+            </a:effectRef>
+            <a:fontRef idx="minor">
+              <a:schemeClr val="lt1"/>
+            </a:fontRef>
+          </p:style>
+        </p:sp>
+        <p:sp>
+          <p:nvSpPr>
+            <p:cNvPr id="24" name="Rectangle 27"/>
+            <p:cNvSpPr/>
+            <p:nvPr/>
+          </p:nvSpPr>
+          <p:spPr>
+            <a:xfrm>
+              <a:off x="9334500" y="-8467"/>
+              <a:ext cx="2854326" cy="6866467"/>
+            </a:xfrm>
+            <a:custGeom>
+              <a:avLst/>
+              <a:gdLst/>
+              <a:ahLst/>
+              <a:cxnLst/>
+              <a:rect l="l" t="t" r="r" b="b"/>
+              <a:pathLst>
+                <a:path w="2858013" h="6866467">
+                  <a:moveTo>
+                    <a:pt x="0" y="0"/>
+                  </a:moveTo>
+                  <a:lnTo>
+                    <a:pt x="2858013" y="0"/>
+                  </a:lnTo>
+                  <a:lnTo>
+                    <a:pt x="2858013" y="6866467"/>
+                  </a:lnTo>
+                  <a:lnTo>
+                    <a:pt x="2473942" y="6866467"/>
+                  </a:lnTo>
+                  <a:lnTo>
+                    <a:pt x="0" y="0"/>
+                  </a:lnTo>
+                  <a:close/>
+                </a:path>
+              </a:pathLst>
+            </a:custGeom>
+            <a:solidFill>
+              <a:schemeClr val="accent1">
+                <a:lumMod val="75000"/>
+                <a:alpha val="50000"/>
+              </a:schemeClr>
+            </a:solidFill>
+            <a:ln>
+              <a:noFill/>
+            </a:ln>
+            <a:effectLst/>
+          </p:spPr>
+          <p:style>
+            <a:lnRef idx="1">
+              <a:schemeClr val="accent1"/>
+            </a:lnRef>
+            <a:fillRef idx="3">
+              <a:schemeClr val="accent1"/>
+            </a:fillRef>
+            <a:effectRef idx="2">
+              <a:schemeClr val="accent1"/>
+            </a:effectRef>
+            <a:fontRef idx="minor">
+              <a:schemeClr val="lt1"/>
+            </a:fontRef>
+          </p:style>
+        </p:sp>
+        <p:sp>
+          <p:nvSpPr>
+            <p:cNvPr id="25" name="Rectangle 28"/>
+            <p:cNvSpPr/>
+            <p:nvPr/>
+          </p:nvSpPr>
+          <p:spPr>
+            <a:xfrm>
+              <a:off x="10898730" y="-8467"/>
+              <a:ext cx="1290094" cy="6866467"/>
+            </a:xfrm>
+            <a:custGeom>
+              <a:avLst/>
+              <a:gdLst/>
+              <a:ahLst/>
+              <a:cxnLst/>
+              <a:rect l="l" t="t" r="r" b="b"/>
+              <a:pathLst>
+                <a:path w="1290094" h="6858000">
+                  <a:moveTo>
+                    <a:pt x="1019735" y="0"/>
+                  </a:moveTo>
+                  <a:lnTo>
+                    <a:pt x="1290094" y="0"/>
+                  </a:lnTo>
+                  <a:lnTo>
+                    <a:pt x="1290094" y="6858000"/>
+                  </a:lnTo>
+                  <a:lnTo>
+                    <a:pt x="0" y="6858000"/>
+                  </a:lnTo>
+                  <a:lnTo>
+                    <a:pt x="1019735" y="0"/>
+                  </a:lnTo>
+                  <a:close/>
+                </a:path>
+              </a:pathLst>
+            </a:custGeom>
+            <a:solidFill>
+              <a:schemeClr val="accent2">
+                <a:alpha val="70000"/>
+              </a:schemeClr>
+            </a:solidFill>
+            <a:ln>
+              <a:noFill/>
+            </a:ln>
+            <a:effectLst/>
+          </p:spPr>
+          <p:style>
+            <a:lnRef idx="1">
+              <a:schemeClr val="accent1"/>
+            </a:lnRef>
+            <a:fillRef idx="3">
+              <a:schemeClr val="accent1"/>
+            </a:fillRef>
+            <a:effectRef idx="2">
+              <a:schemeClr val="accent1"/>
+            </a:effectRef>
+            <a:fontRef idx="minor">
+              <a:schemeClr val="lt1"/>
+            </a:fontRef>
+          </p:style>
+        </p:sp>
+        <p:sp>
+          <p:nvSpPr>
+            <p:cNvPr id="26" name="Rectangle 29"/>
+            <p:cNvSpPr/>
+            <p:nvPr/>
+          </p:nvSpPr>
+          <p:spPr>
+            <a:xfrm>
+              <a:off x="10938999" y="-8467"/>
+              <a:ext cx="1249825" cy="6866467"/>
+            </a:xfrm>
+            <a:custGeom>
+              <a:avLst/>
+              <a:gdLst/>
+              <a:ahLst/>
+              <a:cxnLst/>
+              <a:rect l="l" t="t" r="r" b="b"/>
+              <a:pathLst>
+                <a:path w="1249825" h="6858000">
+                  <a:moveTo>
+                    <a:pt x="0" y="0"/>
+                  </a:moveTo>
+                  <a:lnTo>
+                    <a:pt x="1249825" y="0"/>
+                  </a:lnTo>
+                  <a:lnTo>
+                    <a:pt x="1249825" y="6858000"/>
+                  </a:lnTo>
+                  <a:lnTo>
+                    <a:pt x="1109382" y="6858000"/>
+                  </a:lnTo>
+                  <a:lnTo>
+                    <a:pt x="0" y="0"/>
+                  </a:lnTo>
+                  <a:close/>
+                </a:path>
+              </a:pathLst>
+            </a:custGeom>
+            <a:solidFill>
+              <a:schemeClr val="accent2">
+                <a:lumMod val="75000"/>
+                <a:alpha val="80000"/>
+              </a:schemeClr>
+            </a:solidFill>
+            <a:ln>
+              <a:noFill/>
+            </a:ln>
+            <a:effectLst/>
+          </p:spPr>
+          <p:style>
+            <a:lnRef idx="1">
+              <a:schemeClr val="accent1"/>
+            </a:lnRef>
+            <a:fillRef idx="3">
+              <a:schemeClr val="accent1"/>
+            </a:fillRef>
+            <a:effectRef idx="2">
+              <a:schemeClr val="accent1"/>
+            </a:effectRef>
+            <a:fontRef idx="minor">
+              <a:schemeClr val="lt1"/>
+            </a:fontRef>
+          </p:style>
+        </p:sp>
+        <p:sp>
+          <p:nvSpPr>
+            <p:cNvPr id="27" name="Isosceles Triangle 26"/>
+            <p:cNvSpPr/>
+            <p:nvPr/>
+          </p:nvSpPr>
+          <p:spPr>
+            <a:xfrm>
+              <a:off x="10371666" y="3589867"/>
+              <a:ext cx="1817159" cy="3268133"/>
+            </a:xfrm>
+            <a:prstGeom prst="triangle">
+              <a:avLst>
+                <a:gd name="adj" fmla="val 100000"/>
+              </a:avLst>
+            </a:prstGeom>
+            <a:solidFill>
+              <a:schemeClr val="accent1">
+                <a:lumMod val="75000"/>
+                <a:alpha val="66000"/>
+              </a:schemeClr>
+            </a:solidFill>
+            <a:ln>
+              <a:noFill/>
+            </a:ln>
+            <a:effectLst/>
+          </p:spPr>
+          <p:style>
+            <a:lnRef idx="1">
+              <a:schemeClr val="accent1"/>
+            </a:lnRef>
+            <a:fillRef idx="3">
+              <a:schemeClr val="accent1"/>
+            </a:fillRef>
+            <a:effectRef idx="2">
+              <a:schemeClr val="accent1"/>
+            </a:effectRef>
+            <a:fontRef idx="minor">
+              <a:schemeClr val="lt1"/>
+            </a:fontRef>
+          </p:style>
+        </p:sp>
+      </p:grpSp>
+      <p:sp>
+        <p:nvSpPr>
+          <p:cNvPr id="2" name="Title 1"/>
           <p:cNvSpPr>
             <a:spLocks noGrp="1"/>
           </p:cNvSpPr>
@@ -142,15 +705,21 @@
         </p:nvSpPr>
         <p:spPr>
           <a:xfrm>
-            <a:off x="1524000" y="1122363"/>
-            <a:ext cx="9144000" cy="2387600"/>
+            <a:off x="1507067" y="2404534"/>
+            <a:ext cx="7766936" cy="1646302"/>
           </a:xfrm>
         </p:spPr>
         <p:txBody>
-          <a:bodyPr anchor="b"/>
+          <a:bodyPr anchor="b">
+            <a:noAutofit/>
+          </a:bodyPr>
           <a:lstStyle>
-            <a:lvl1pPr algn="ctr">
-              <a:defRPr sz="6000"/>
+            <a:lvl1pPr algn="r">
+              <a:defRPr sz="5400">
+                <a:solidFill>
+                  <a:schemeClr val="accent1"/>
+                </a:solidFill>
+              </a:defRPr>
             </a:lvl1pPr>
           </a:lstStyle>
           <a:p>
@@ -158,18 +727,13 @@
               <a:rPr lang="hu-HU"/>
               <a:t>Mintacím szerkesztése</a:t>
             </a:r>
-          </a:p>
-        </p:txBody>
-      </p:sp>
-      <p:sp>
-        <p:nvSpPr>
-          <p:cNvPr id="3" name="Alcím 2">
-            <a:extLst>
-              <a:ext uri="{FF2B5EF4-FFF2-40B4-BE49-F238E27FC236}">
-                <a16:creationId xmlns:a16="http://schemas.microsoft.com/office/drawing/2014/main" id="{A9342799-B9BE-43B7-9316-8D9696F10006}"/>
-              </a:ext>
-            </a:extLst>
-          </p:cNvPr>
+            <a:endParaRPr lang="en-US" dirty="0"/>
+          </a:p>
+        </p:txBody>
+      </p:sp>
+      <p:sp>
+        <p:nvSpPr>
+          <p:cNvPr id="3" name="Subtitle 2"/>
           <p:cNvSpPr>
             <a:spLocks noGrp="1"/>
           </p:cNvSpPr>
@@ -179,48 +743,103 @@
         </p:nvSpPr>
         <p:spPr>
           <a:xfrm>
-            <a:off x="1524000" y="3602038"/>
-            <a:ext cx="9144000" cy="1655762"/>
+            <a:off x="1507067" y="4050833"/>
+            <a:ext cx="7766936" cy="1096899"/>
           </a:xfrm>
         </p:spPr>
         <p:txBody>
-          <a:bodyPr/>
+          <a:bodyPr anchor="t"/>
           <a:lstStyle>
-            <a:lvl1pPr marL="0" indent="0" algn="ctr">
-              <a:buNone/>
-              <a:defRPr sz="2400"/>
+            <a:lvl1pPr marL="0" indent="0" algn="r">
+              <a:buNone/>
+              <a:defRPr>
+                <a:solidFill>
+                  <a:schemeClr val="tx1">
+                    <a:lumMod val="50000"/>
+                    <a:lumOff val="50000"/>
+                  </a:schemeClr>
+                </a:solidFill>
+              </a:defRPr>
             </a:lvl1pPr>
             <a:lvl2pPr marL="457200" indent="0" algn="ctr">
               <a:buNone/>
-              <a:defRPr sz="2000"/>
+              <a:defRPr>
+                <a:solidFill>
+                  <a:schemeClr val="tx1">
+                    <a:tint val="75000"/>
+                  </a:schemeClr>
+                </a:solidFill>
+              </a:defRPr>
             </a:lvl2pPr>
             <a:lvl3pPr marL="914400" indent="0" algn="ctr">
               <a:buNone/>
-              <a:defRPr sz="1800"/>
+              <a:defRPr>
+                <a:solidFill>
+                  <a:schemeClr val="tx1">
+                    <a:tint val="75000"/>
+                  </a:schemeClr>
+                </a:solidFill>
+              </a:defRPr>
             </a:lvl3pPr>
             <a:lvl4pPr marL="1371600" indent="0" algn="ctr">
               <a:buNone/>
-              <a:defRPr sz="1600"/>
+              <a:defRPr>
+                <a:solidFill>
+                  <a:schemeClr val="tx1">
+                    <a:tint val="75000"/>
+                  </a:schemeClr>
+                </a:solidFill>
+              </a:defRPr>
             </a:lvl4pPr>
             <a:lvl5pPr marL="1828800" indent="0" algn="ctr">
               <a:buNone/>
-              <a:defRPr sz="1600"/>
+              <a:defRPr>
+                <a:solidFill>
+                  <a:schemeClr val="tx1">
+                    <a:tint val="75000"/>
+                  </a:schemeClr>
+                </a:solidFill>
+              </a:defRPr>
             </a:lvl5pPr>
             <a:lvl6pPr marL="2286000" indent="0" algn="ctr">
               <a:buNone/>
-              <a:defRPr sz="1600"/>
+              <a:defRPr>
+                <a:solidFill>
+                  <a:schemeClr val="tx1">
+                    <a:tint val="75000"/>
+                  </a:schemeClr>
+                </a:solidFill>
+              </a:defRPr>
             </a:lvl6pPr>
             <a:lvl7pPr marL="2743200" indent="0" algn="ctr">
               <a:buNone/>
-              <a:defRPr sz="1600"/>
+              <a:defRPr>
+                <a:solidFill>
+                  <a:schemeClr val="tx1">
+                    <a:tint val="75000"/>
+                  </a:schemeClr>
+                </a:solidFill>
+              </a:defRPr>
             </a:lvl7pPr>
             <a:lvl8pPr marL="3200400" indent="0" algn="ctr">
               <a:buNone/>
-              <a:defRPr sz="1600"/>
+              <a:defRPr>
+                <a:solidFill>
+                  <a:schemeClr val="tx1">
+                    <a:tint val="75000"/>
+                  </a:schemeClr>
+                </a:solidFill>
+              </a:defRPr>
             </a:lvl8pPr>
             <a:lvl9pPr marL="3657600" indent="0" algn="ctr">
               <a:buNone/>
-              <a:defRPr sz="1600"/>
+              <a:defRPr>
+                <a:solidFill>
+                  <a:schemeClr val="tx1">
+                    <a:tint val="75000"/>
+                  </a:schemeClr>
+                </a:solidFill>
+              </a:defRPr>
             </a:lvl9pPr>
           </a:lstStyle>
           <a:p>
@@ -228,18 +847,13 @@
               <a:rPr lang="hu-HU"/>
               <a:t>Kattintson ide az alcím mintájának szerkesztéséhez</a:t>
             </a:r>
-          </a:p>
-        </p:txBody>
-      </p:sp>
-      <p:sp>
-        <p:nvSpPr>
-          <p:cNvPr id="4" name="Dátum helye 3">
-            <a:extLst>
-              <a:ext uri="{FF2B5EF4-FFF2-40B4-BE49-F238E27FC236}">
-                <a16:creationId xmlns:a16="http://schemas.microsoft.com/office/drawing/2014/main" id="{6B1445E6-3895-4183-82AC-25F4D8485DF7}"/>
-              </a:ext>
-            </a:extLst>
-          </p:cNvPr>
+            <a:endParaRPr lang="en-US" dirty="0"/>
+          </a:p>
+        </p:txBody>
+      </p:sp>
+      <p:sp>
+        <p:nvSpPr>
+          <p:cNvPr id="4" name="Date Placeholder 3"/>
           <p:cNvSpPr>
             <a:spLocks noGrp="1"/>
           </p:cNvSpPr>
@@ -262,13 +876,7 @@
       </p:sp>
       <p:sp>
         <p:nvSpPr>
-          <p:cNvPr id="5" name="Élőláb helye 4">
-            <a:extLst>
-              <a:ext uri="{FF2B5EF4-FFF2-40B4-BE49-F238E27FC236}">
-                <a16:creationId xmlns:a16="http://schemas.microsoft.com/office/drawing/2014/main" id="{C8FFB880-6CDC-4B69-9485-799AFEA4CED1}"/>
-              </a:ext>
-            </a:extLst>
-          </p:cNvPr>
+          <p:cNvPr id="5" name="Footer Placeholder 4"/>
           <p:cNvSpPr>
             <a:spLocks noGrp="1"/>
           </p:cNvSpPr>
@@ -287,13 +895,7 @@
       </p:sp>
       <p:sp>
         <p:nvSpPr>
-          <p:cNvPr id="6" name="Dia számának helye 5">
-            <a:extLst>
-              <a:ext uri="{FF2B5EF4-FFF2-40B4-BE49-F238E27FC236}">
-                <a16:creationId xmlns:a16="http://schemas.microsoft.com/office/drawing/2014/main" id="{549282B2-1268-441F-BA9E-C962695746E7}"/>
-              </a:ext>
-            </a:extLst>
-          </p:cNvPr>
+          <p:cNvPr id="6" name="Slide Number Placeholder 5"/>
           <p:cNvSpPr>
             <a:spLocks noGrp="1"/>
           </p:cNvSpPr>
@@ -317,7 +919,7 @@
     </p:spTree>
     <p:extLst>
       <p:ext uri="{BB962C8B-B14F-4D97-AF65-F5344CB8AC3E}">
-        <p14:creationId xmlns:p14="http://schemas.microsoft.com/office/powerpoint/2010/main" val="963783062"/>
+        <p14:creationId xmlns:p14="http://schemas.microsoft.com/office/powerpoint/2010/main" val="3972918476"/>
       </p:ext>
     </p:extLst>
   </p:cSld>
@@ -328,6 +930,1611 @@
 </file>
 
 <file path=ppt/slideLayouts/slideLayout10.xml><?xml version="1.0" encoding="utf-8"?>
+<p:sldLayout xmlns:a="http://schemas.openxmlformats.org/drawingml/2006/main" xmlns:r="http://schemas.openxmlformats.org/officeDocument/2006/relationships" xmlns:p="http://schemas.openxmlformats.org/presentationml/2006/main" preserve="1">
+  <p:cSld name="Cím és képaláírás">
+    <p:spTree>
+      <p:nvGrpSpPr>
+        <p:cNvPr id="1" name=""/>
+        <p:cNvGrpSpPr/>
+        <p:nvPr/>
+      </p:nvGrpSpPr>
+      <p:grpSpPr>
+        <a:xfrm>
+          <a:off x="0" y="0"/>
+          <a:ext cx="0" cy="0"/>
+          <a:chOff x="0" y="0"/>
+          <a:chExt cx="0" cy="0"/>
+        </a:xfrm>
+      </p:grpSpPr>
+      <p:sp>
+        <p:nvSpPr>
+          <p:cNvPr id="2" name="Title 1"/>
+          <p:cNvSpPr>
+            <a:spLocks noGrp="1"/>
+          </p:cNvSpPr>
+          <p:nvPr>
+            <p:ph type="title"/>
+          </p:nvPr>
+        </p:nvSpPr>
+        <p:spPr>
+          <a:xfrm>
+            <a:off x="677335" y="609600"/>
+            <a:ext cx="8596668" cy="3403600"/>
+          </a:xfrm>
+        </p:spPr>
+        <p:txBody>
+          <a:bodyPr anchor="ctr">
+            <a:normAutofit/>
+          </a:bodyPr>
+          <a:lstStyle>
+            <a:lvl1pPr algn="l">
+              <a:defRPr sz="4400" b="0" cap="none"/>
+            </a:lvl1pPr>
+          </a:lstStyle>
+          <a:p>
+            <a:r>
+              <a:rPr lang="hu-HU"/>
+              <a:t>Mintacím szerkesztése</a:t>
+            </a:r>
+            <a:endParaRPr lang="en-US" dirty="0"/>
+          </a:p>
+        </p:txBody>
+      </p:sp>
+      <p:sp>
+        <p:nvSpPr>
+          <p:cNvPr id="3" name="Text Placeholder 2"/>
+          <p:cNvSpPr>
+            <a:spLocks noGrp="1"/>
+          </p:cNvSpPr>
+          <p:nvPr>
+            <p:ph type="body" idx="1"/>
+          </p:nvPr>
+        </p:nvSpPr>
+        <p:spPr>
+          <a:xfrm>
+            <a:off x="677335" y="4470400"/>
+            <a:ext cx="8596668" cy="1570962"/>
+          </a:xfrm>
+        </p:spPr>
+        <p:txBody>
+          <a:bodyPr anchor="ctr">
+            <a:normAutofit/>
+          </a:bodyPr>
+          <a:lstStyle>
+            <a:lvl1pPr marL="0" indent="0" algn="l">
+              <a:buNone/>
+              <a:defRPr sz="1800">
+                <a:solidFill>
+                  <a:schemeClr val="tx1">
+                    <a:lumMod val="75000"/>
+                    <a:lumOff val="25000"/>
+                  </a:schemeClr>
+                </a:solidFill>
+              </a:defRPr>
+            </a:lvl1pPr>
+            <a:lvl2pPr marL="457200" indent="0">
+              <a:buNone/>
+              <a:defRPr sz="1800">
+                <a:solidFill>
+                  <a:schemeClr val="tx1">
+                    <a:tint val="75000"/>
+                  </a:schemeClr>
+                </a:solidFill>
+              </a:defRPr>
+            </a:lvl2pPr>
+            <a:lvl3pPr marL="914400" indent="0">
+              <a:buNone/>
+              <a:defRPr sz="1600">
+                <a:solidFill>
+                  <a:schemeClr val="tx1">
+                    <a:tint val="75000"/>
+                  </a:schemeClr>
+                </a:solidFill>
+              </a:defRPr>
+            </a:lvl3pPr>
+            <a:lvl4pPr marL="1371600" indent="0">
+              <a:buNone/>
+              <a:defRPr sz="1400">
+                <a:solidFill>
+                  <a:schemeClr val="tx1">
+                    <a:tint val="75000"/>
+                  </a:schemeClr>
+                </a:solidFill>
+              </a:defRPr>
+            </a:lvl4pPr>
+            <a:lvl5pPr marL="1828800" indent="0">
+              <a:buNone/>
+              <a:defRPr sz="1400">
+                <a:solidFill>
+                  <a:schemeClr val="tx1">
+                    <a:tint val="75000"/>
+                  </a:schemeClr>
+                </a:solidFill>
+              </a:defRPr>
+            </a:lvl5pPr>
+            <a:lvl6pPr marL="2286000" indent="0">
+              <a:buNone/>
+              <a:defRPr sz="1400">
+                <a:solidFill>
+                  <a:schemeClr val="tx1">
+                    <a:tint val="75000"/>
+                  </a:schemeClr>
+                </a:solidFill>
+              </a:defRPr>
+            </a:lvl6pPr>
+            <a:lvl7pPr marL="2743200" indent="0">
+              <a:buNone/>
+              <a:defRPr sz="1400">
+                <a:solidFill>
+                  <a:schemeClr val="tx1">
+                    <a:tint val="75000"/>
+                  </a:schemeClr>
+                </a:solidFill>
+              </a:defRPr>
+            </a:lvl7pPr>
+            <a:lvl8pPr marL="3200400" indent="0">
+              <a:buNone/>
+              <a:defRPr sz="1400">
+                <a:solidFill>
+                  <a:schemeClr val="tx1">
+                    <a:tint val="75000"/>
+                  </a:schemeClr>
+                </a:solidFill>
+              </a:defRPr>
+            </a:lvl8pPr>
+            <a:lvl9pPr marL="3657600" indent="0">
+              <a:buNone/>
+              <a:defRPr sz="1400">
+                <a:solidFill>
+                  <a:schemeClr val="tx1">
+                    <a:tint val="75000"/>
+                  </a:schemeClr>
+                </a:solidFill>
+              </a:defRPr>
+            </a:lvl9pPr>
+          </a:lstStyle>
+          <a:p>
+            <a:pPr lvl="0"/>
+            <a:r>
+              <a:rPr lang="hu-HU"/>
+              <a:t>Mintaszöveg szerkesztése</a:t>
+            </a:r>
+          </a:p>
+        </p:txBody>
+      </p:sp>
+      <p:sp>
+        <p:nvSpPr>
+          <p:cNvPr id="4" name="Date Placeholder 3"/>
+          <p:cNvSpPr>
+            <a:spLocks noGrp="1"/>
+          </p:cNvSpPr>
+          <p:nvPr>
+            <p:ph type="dt" sz="half" idx="10"/>
+          </p:nvPr>
+        </p:nvSpPr>
+        <p:spPr/>
+        <p:txBody>
+          <a:bodyPr/>
+          <a:lstStyle/>
+          <a:p>
+            <a:fld id="{EB35802D-FF38-4DD3-90C4-88AA359E6301}" type="datetimeFigureOut">
+              <a:rPr lang="hu-HU" smtClean="0"/>
+              <a:t>2022. 05. 17.</a:t>
+            </a:fld>
+            <a:endParaRPr lang="hu-HU"/>
+          </a:p>
+        </p:txBody>
+      </p:sp>
+      <p:sp>
+        <p:nvSpPr>
+          <p:cNvPr id="5" name="Footer Placeholder 4"/>
+          <p:cNvSpPr>
+            <a:spLocks noGrp="1"/>
+          </p:cNvSpPr>
+          <p:nvPr>
+            <p:ph type="ftr" sz="quarter" idx="11"/>
+          </p:nvPr>
+        </p:nvSpPr>
+        <p:spPr/>
+        <p:txBody>
+          <a:bodyPr/>
+          <a:lstStyle/>
+          <a:p>
+            <a:endParaRPr lang="hu-HU"/>
+          </a:p>
+        </p:txBody>
+      </p:sp>
+      <p:sp>
+        <p:nvSpPr>
+          <p:cNvPr id="6" name="Slide Number Placeholder 5"/>
+          <p:cNvSpPr>
+            <a:spLocks noGrp="1"/>
+          </p:cNvSpPr>
+          <p:nvPr>
+            <p:ph type="sldNum" sz="quarter" idx="12"/>
+          </p:nvPr>
+        </p:nvSpPr>
+        <p:spPr/>
+        <p:txBody>
+          <a:bodyPr/>
+          <a:lstStyle/>
+          <a:p>
+            <a:fld id="{E4E5DBAC-207E-4CEC-B5F4-1A1479CD7BF1}" type="slidenum">
+              <a:rPr lang="hu-HU" smtClean="0"/>
+              <a:t>‹#›</a:t>
+            </a:fld>
+            <a:endParaRPr lang="hu-HU"/>
+          </a:p>
+        </p:txBody>
+      </p:sp>
+    </p:spTree>
+    <p:extLst>
+      <p:ext uri="{BB962C8B-B14F-4D97-AF65-F5344CB8AC3E}">
+        <p14:creationId xmlns:p14="http://schemas.microsoft.com/office/powerpoint/2010/main" val="3814745461"/>
+      </p:ext>
+    </p:extLst>
+  </p:cSld>
+  <p:clrMapOvr>
+    <a:masterClrMapping/>
+  </p:clrMapOvr>
+</p:sldLayout>
+</file>
+
+<file path=ppt/slideLayouts/slideLayout11.xml><?xml version="1.0" encoding="utf-8"?>
+<p:sldLayout xmlns:a="http://schemas.openxmlformats.org/drawingml/2006/main" xmlns:r="http://schemas.openxmlformats.org/officeDocument/2006/relationships" xmlns:p="http://schemas.openxmlformats.org/presentationml/2006/main" preserve="1">
+  <p:cSld name="Idézet képaláírással">
+    <p:spTree>
+      <p:nvGrpSpPr>
+        <p:cNvPr id="1" name=""/>
+        <p:cNvGrpSpPr/>
+        <p:nvPr/>
+      </p:nvGrpSpPr>
+      <p:grpSpPr>
+        <a:xfrm>
+          <a:off x="0" y="0"/>
+          <a:ext cx="0" cy="0"/>
+          <a:chOff x="0" y="0"/>
+          <a:chExt cx="0" cy="0"/>
+        </a:xfrm>
+      </p:grpSpPr>
+      <p:sp>
+        <p:nvSpPr>
+          <p:cNvPr id="2" name="Title 1"/>
+          <p:cNvSpPr>
+            <a:spLocks noGrp="1"/>
+          </p:cNvSpPr>
+          <p:nvPr>
+            <p:ph type="title"/>
+          </p:nvPr>
+        </p:nvSpPr>
+        <p:spPr>
+          <a:xfrm>
+            <a:off x="931334" y="609600"/>
+            <a:ext cx="8094134" cy="3022600"/>
+          </a:xfrm>
+        </p:spPr>
+        <p:txBody>
+          <a:bodyPr anchor="ctr">
+            <a:normAutofit/>
+          </a:bodyPr>
+          <a:lstStyle>
+            <a:lvl1pPr algn="l">
+              <a:defRPr sz="4400" b="0" cap="none"/>
+            </a:lvl1pPr>
+          </a:lstStyle>
+          <a:p>
+            <a:r>
+              <a:rPr lang="hu-HU"/>
+              <a:t>Mintacím szerkesztése</a:t>
+            </a:r>
+            <a:endParaRPr lang="en-US" dirty="0"/>
+          </a:p>
+        </p:txBody>
+      </p:sp>
+      <p:sp>
+        <p:nvSpPr>
+          <p:cNvPr id="23" name="Text Placeholder 9"/>
+          <p:cNvSpPr>
+            <a:spLocks noGrp="1"/>
+          </p:cNvSpPr>
+          <p:nvPr>
+            <p:ph type="body" sz="quarter" idx="13"/>
+          </p:nvPr>
+        </p:nvSpPr>
+        <p:spPr>
+          <a:xfrm>
+            <a:off x="1366139" y="3632200"/>
+            <a:ext cx="7224524" cy="381000"/>
+          </a:xfrm>
+        </p:spPr>
+        <p:txBody>
+          <a:bodyPr anchor="ctr">
+            <a:noAutofit/>
+          </a:bodyPr>
+          <a:lstStyle>
+            <a:lvl1pPr marL="0" indent="0">
+              <a:buFontTx/>
+              <a:buNone/>
+              <a:defRPr sz="1600">
+                <a:solidFill>
+                  <a:schemeClr val="tx1">
+                    <a:lumMod val="50000"/>
+                    <a:lumOff val="50000"/>
+                  </a:schemeClr>
+                </a:solidFill>
+              </a:defRPr>
+            </a:lvl1pPr>
+            <a:lvl2pPr marL="457200" indent="0">
+              <a:buFontTx/>
+              <a:buNone/>
+              <a:defRPr/>
+            </a:lvl2pPr>
+            <a:lvl3pPr marL="914400" indent="0">
+              <a:buFontTx/>
+              <a:buNone/>
+              <a:defRPr/>
+            </a:lvl3pPr>
+            <a:lvl4pPr marL="1371600" indent="0">
+              <a:buFontTx/>
+              <a:buNone/>
+              <a:defRPr/>
+            </a:lvl4pPr>
+            <a:lvl5pPr marL="1828800" indent="0">
+              <a:buFontTx/>
+              <a:buNone/>
+              <a:defRPr/>
+            </a:lvl5pPr>
+          </a:lstStyle>
+          <a:p>
+            <a:pPr lvl="0"/>
+            <a:r>
+              <a:rPr lang="hu-HU"/>
+              <a:t>Mintaszöveg szerkesztése</a:t>
+            </a:r>
+          </a:p>
+        </p:txBody>
+      </p:sp>
+      <p:sp>
+        <p:nvSpPr>
+          <p:cNvPr id="3" name="Text Placeholder 2"/>
+          <p:cNvSpPr>
+            <a:spLocks noGrp="1"/>
+          </p:cNvSpPr>
+          <p:nvPr>
+            <p:ph type="body" idx="1"/>
+          </p:nvPr>
+        </p:nvSpPr>
+        <p:spPr>
+          <a:xfrm>
+            <a:off x="677335" y="4470400"/>
+            <a:ext cx="8596668" cy="1570962"/>
+          </a:xfrm>
+        </p:spPr>
+        <p:txBody>
+          <a:bodyPr anchor="ctr">
+            <a:normAutofit/>
+          </a:bodyPr>
+          <a:lstStyle>
+            <a:lvl1pPr marL="0" indent="0" algn="l">
+              <a:buNone/>
+              <a:defRPr sz="1800">
+                <a:solidFill>
+                  <a:schemeClr val="tx1">
+                    <a:lumMod val="75000"/>
+                    <a:lumOff val="25000"/>
+                  </a:schemeClr>
+                </a:solidFill>
+              </a:defRPr>
+            </a:lvl1pPr>
+            <a:lvl2pPr marL="457200" indent="0">
+              <a:buNone/>
+              <a:defRPr sz="1800">
+                <a:solidFill>
+                  <a:schemeClr val="tx1">
+                    <a:tint val="75000"/>
+                  </a:schemeClr>
+                </a:solidFill>
+              </a:defRPr>
+            </a:lvl2pPr>
+            <a:lvl3pPr marL="914400" indent="0">
+              <a:buNone/>
+              <a:defRPr sz="1600">
+                <a:solidFill>
+                  <a:schemeClr val="tx1">
+                    <a:tint val="75000"/>
+                  </a:schemeClr>
+                </a:solidFill>
+              </a:defRPr>
+            </a:lvl3pPr>
+            <a:lvl4pPr marL="1371600" indent="0">
+              <a:buNone/>
+              <a:defRPr sz="1400">
+                <a:solidFill>
+                  <a:schemeClr val="tx1">
+                    <a:tint val="75000"/>
+                  </a:schemeClr>
+                </a:solidFill>
+              </a:defRPr>
+            </a:lvl4pPr>
+            <a:lvl5pPr marL="1828800" indent="0">
+              <a:buNone/>
+              <a:defRPr sz="1400">
+                <a:solidFill>
+                  <a:schemeClr val="tx1">
+                    <a:tint val="75000"/>
+                  </a:schemeClr>
+                </a:solidFill>
+              </a:defRPr>
+            </a:lvl5pPr>
+            <a:lvl6pPr marL="2286000" indent="0">
+              <a:buNone/>
+              <a:defRPr sz="1400">
+                <a:solidFill>
+                  <a:schemeClr val="tx1">
+                    <a:tint val="75000"/>
+                  </a:schemeClr>
+                </a:solidFill>
+              </a:defRPr>
+            </a:lvl6pPr>
+            <a:lvl7pPr marL="2743200" indent="0">
+              <a:buNone/>
+              <a:defRPr sz="1400">
+                <a:solidFill>
+                  <a:schemeClr val="tx1">
+                    <a:tint val="75000"/>
+                  </a:schemeClr>
+                </a:solidFill>
+              </a:defRPr>
+            </a:lvl7pPr>
+            <a:lvl8pPr marL="3200400" indent="0">
+              <a:buNone/>
+              <a:defRPr sz="1400">
+                <a:solidFill>
+                  <a:schemeClr val="tx1">
+                    <a:tint val="75000"/>
+                  </a:schemeClr>
+                </a:solidFill>
+              </a:defRPr>
+            </a:lvl8pPr>
+            <a:lvl9pPr marL="3657600" indent="0">
+              <a:buNone/>
+              <a:defRPr sz="1400">
+                <a:solidFill>
+                  <a:schemeClr val="tx1">
+                    <a:tint val="75000"/>
+                  </a:schemeClr>
+                </a:solidFill>
+              </a:defRPr>
+            </a:lvl9pPr>
+          </a:lstStyle>
+          <a:p>
+            <a:pPr lvl="0"/>
+            <a:r>
+              <a:rPr lang="hu-HU"/>
+              <a:t>Mintaszöveg szerkesztése</a:t>
+            </a:r>
+          </a:p>
+        </p:txBody>
+      </p:sp>
+      <p:sp>
+        <p:nvSpPr>
+          <p:cNvPr id="4" name="Date Placeholder 3"/>
+          <p:cNvSpPr>
+            <a:spLocks noGrp="1"/>
+          </p:cNvSpPr>
+          <p:nvPr>
+            <p:ph type="dt" sz="half" idx="10"/>
+          </p:nvPr>
+        </p:nvSpPr>
+        <p:spPr/>
+        <p:txBody>
+          <a:bodyPr/>
+          <a:lstStyle/>
+          <a:p>
+            <a:fld id="{EB35802D-FF38-4DD3-90C4-88AA359E6301}" type="datetimeFigureOut">
+              <a:rPr lang="hu-HU" smtClean="0"/>
+              <a:t>2022. 05. 17.</a:t>
+            </a:fld>
+            <a:endParaRPr lang="hu-HU"/>
+          </a:p>
+        </p:txBody>
+      </p:sp>
+      <p:sp>
+        <p:nvSpPr>
+          <p:cNvPr id="5" name="Footer Placeholder 4"/>
+          <p:cNvSpPr>
+            <a:spLocks noGrp="1"/>
+          </p:cNvSpPr>
+          <p:nvPr>
+            <p:ph type="ftr" sz="quarter" idx="11"/>
+          </p:nvPr>
+        </p:nvSpPr>
+        <p:spPr/>
+        <p:txBody>
+          <a:bodyPr/>
+          <a:lstStyle/>
+          <a:p>
+            <a:endParaRPr lang="hu-HU"/>
+          </a:p>
+        </p:txBody>
+      </p:sp>
+      <p:sp>
+        <p:nvSpPr>
+          <p:cNvPr id="6" name="Slide Number Placeholder 5"/>
+          <p:cNvSpPr>
+            <a:spLocks noGrp="1"/>
+          </p:cNvSpPr>
+          <p:nvPr>
+            <p:ph type="sldNum" sz="quarter" idx="12"/>
+          </p:nvPr>
+        </p:nvSpPr>
+        <p:spPr/>
+        <p:txBody>
+          <a:bodyPr/>
+          <a:lstStyle/>
+          <a:p>
+            <a:fld id="{E4E5DBAC-207E-4CEC-B5F4-1A1479CD7BF1}" type="slidenum">
+              <a:rPr lang="hu-HU" smtClean="0"/>
+              <a:t>‹#›</a:t>
+            </a:fld>
+            <a:endParaRPr lang="hu-HU"/>
+          </a:p>
+        </p:txBody>
+      </p:sp>
+      <p:sp>
+        <p:nvSpPr>
+          <p:cNvPr id="24" name="TextBox 23"/>
+          <p:cNvSpPr txBox="1"/>
+          <p:nvPr/>
+        </p:nvSpPr>
+        <p:spPr>
+          <a:xfrm>
+            <a:off x="541870" y="790378"/>
+            <a:ext cx="609600" cy="584776"/>
+          </a:xfrm>
+          <a:prstGeom prst="rect">
+            <a:avLst/>
+          </a:prstGeom>
+        </p:spPr>
+        <p:txBody>
+          <a:bodyPr vert="horz" lIns="91440" tIns="45720" rIns="91440" bIns="45720" rtlCol="0" anchor="ctr">
+            <a:noAutofit/>
+          </a:bodyPr>
+          <a:lstStyle/>
+          <a:p>
+            <a:pPr lvl="0"/>
+            <a:r>
+              <a:rPr lang="en-US" sz="8000" baseline="0" dirty="0">
+                <a:ln w="3175" cmpd="sng">
+                  <a:noFill/>
+                </a:ln>
+                <a:solidFill>
+                  <a:schemeClr val="accent1">
+                    <a:lumMod val="60000"/>
+                    <a:lumOff val="40000"/>
+                  </a:schemeClr>
+                </a:solidFill>
+                <a:effectLst/>
+                <a:latin typeface="Arial"/>
+              </a:rPr>
+              <a:t>“</a:t>
+            </a:r>
+          </a:p>
+        </p:txBody>
+      </p:sp>
+      <p:sp>
+        <p:nvSpPr>
+          <p:cNvPr id="25" name="TextBox 24"/>
+          <p:cNvSpPr txBox="1"/>
+          <p:nvPr/>
+        </p:nvSpPr>
+        <p:spPr>
+          <a:xfrm>
+            <a:off x="8893011" y="2886556"/>
+            <a:ext cx="609600" cy="584776"/>
+          </a:xfrm>
+          <a:prstGeom prst="rect">
+            <a:avLst/>
+          </a:prstGeom>
+        </p:spPr>
+        <p:txBody>
+          <a:bodyPr vert="horz" lIns="91440" tIns="45720" rIns="91440" bIns="45720" rtlCol="0" anchor="ctr">
+            <a:noAutofit/>
+          </a:bodyPr>
+          <a:lstStyle/>
+          <a:p>
+            <a:pPr lvl="0"/>
+            <a:r>
+              <a:rPr lang="en-US" sz="8000" baseline="0" dirty="0">
+                <a:ln w="3175" cmpd="sng">
+                  <a:noFill/>
+                </a:ln>
+                <a:solidFill>
+                  <a:schemeClr val="accent1">
+                    <a:lumMod val="60000"/>
+                    <a:lumOff val="40000"/>
+                  </a:schemeClr>
+                </a:solidFill>
+                <a:effectLst/>
+                <a:latin typeface="Arial"/>
+              </a:rPr>
+              <a:t>”</a:t>
+            </a:r>
+          </a:p>
+        </p:txBody>
+      </p:sp>
+    </p:spTree>
+    <p:extLst>
+      <p:ext uri="{BB962C8B-B14F-4D97-AF65-F5344CB8AC3E}">
+        <p14:creationId xmlns:p14="http://schemas.microsoft.com/office/powerpoint/2010/main" val="1920143279"/>
+      </p:ext>
+    </p:extLst>
+  </p:cSld>
+  <p:clrMapOvr>
+    <a:masterClrMapping/>
+  </p:clrMapOvr>
+</p:sldLayout>
+</file>
+
+<file path=ppt/slideLayouts/slideLayout12.xml><?xml version="1.0" encoding="utf-8"?>
+<p:sldLayout xmlns:a="http://schemas.openxmlformats.org/drawingml/2006/main" xmlns:r="http://schemas.openxmlformats.org/officeDocument/2006/relationships" xmlns:p="http://schemas.openxmlformats.org/presentationml/2006/main" preserve="1">
+  <p:cSld name="Névkártya">
+    <p:spTree>
+      <p:nvGrpSpPr>
+        <p:cNvPr id="1" name=""/>
+        <p:cNvGrpSpPr/>
+        <p:nvPr/>
+      </p:nvGrpSpPr>
+      <p:grpSpPr>
+        <a:xfrm>
+          <a:off x="0" y="0"/>
+          <a:ext cx="0" cy="0"/>
+          <a:chOff x="0" y="0"/>
+          <a:chExt cx="0" cy="0"/>
+        </a:xfrm>
+      </p:grpSpPr>
+      <p:sp>
+        <p:nvSpPr>
+          <p:cNvPr id="2" name="Title 1"/>
+          <p:cNvSpPr>
+            <a:spLocks noGrp="1"/>
+          </p:cNvSpPr>
+          <p:nvPr>
+            <p:ph type="title"/>
+          </p:nvPr>
+        </p:nvSpPr>
+        <p:spPr>
+          <a:xfrm>
+            <a:off x="677335" y="1931988"/>
+            <a:ext cx="8596668" cy="2595460"/>
+          </a:xfrm>
+        </p:spPr>
+        <p:txBody>
+          <a:bodyPr anchor="b">
+            <a:normAutofit/>
+          </a:bodyPr>
+          <a:lstStyle>
+            <a:lvl1pPr algn="l">
+              <a:defRPr sz="4400" b="0" cap="none"/>
+            </a:lvl1pPr>
+          </a:lstStyle>
+          <a:p>
+            <a:r>
+              <a:rPr lang="hu-HU"/>
+              <a:t>Mintacím szerkesztése</a:t>
+            </a:r>
+            <a:endParaRPr lang="en-US" dirty="0"/>
+          </a:p>
+        </p:txBody>
+      </p:sp>
+      <p:sp>
+        <p:nvSpPr>
+          <p:cNvPr id="3" name="Text Placeholder 2"/>
+          <p:cNvSpPr>
+            <a:spLocks noGrp="1"/>
+          </p:cNvSpPr>
+          <p:nvPr>
+            <p:ph type="body" idx="1"/>
+          </p:nvPr>
+        </p:nvSpPr>
+        <p:spPr>
+          <a:xfrm>
+            <a:off x="677335" y="4527448"/>
+            <a:ext cx="8596668" cy="1513914"/>
+          </a:xfrm>
+        </p:spPr>
+        <p:txBody>
+          <a:bodyPr anchor="t">
+            <a:normAutofit/>
+          </a:bodyPr>
+          <a:lstStyle>
+            <a:lvl1pPr marL="0" indent="0" algn="l">
+              <a:buNone/>
+              <a:defRPr sz="1800">
+                <a:solidFill>
+                  <a:schemeClr val="tx1">
+                    <a:lumMod val="75000"/>
+                    <a:lumOff val="25000"/>
+                  </a:schemeClr>
+                </a:solidFill>
+              </a:defRPr>
+            </a:lvl1pPr>
+            <a:lvl2pPr marL="457200" indent="0">
+              <a:buNone/>
+              <a:defRPr sz="1800">
+                <a:solidFill>
+                  <a:schemeClr val="tx1">
+                    <a:tint val="75000"/>
+                  </a:schemeClr>
+                </a:solidFill>
+              </a:defRPr>
+            </a:lvl2pPr>
+            <a:lvl3pPr marL="914400" indent="0">
+              <a:buNone/>
+              <a:defRPr sz="1600">
+                <a:solidFill>
+                  <a:schemeClr val="tx1">
+                    <a:tint val="75000"/>
+                  </a:schemeClr>
+                </a:solidFill>
+              </a:defRPr>
+            </a:lvl3pPr>
+            <a:lvl4pPr marL="1371600" indent="0">
+              <a:buNone/>
+              <a:defRPr sz="1400">
+                <a:solidFill>
+                  <a:schemeClr val="tx1">
+                    <a:tint val="75000"/>
+                  </a:schemeClr>
+                </a:solidFill>
+              </a:defRPr>
+            </a:lvl4pPr>
+            <a:lvl5pPr marL="1828800" indent="0">
+              <a:buNone/>
+              <a:defRPr sz="1400">
+                <a:solidFill>
+                  <a:schemeClr val="tx1">
+                    <a:tint val="75000"/>
+                  </a:schemeClr>
+                </a:solidFill>
+              </a:defRPr>
+            </a:lvl5pPr>
+            <a:lvl6pPr marL="2286000" indent="0">
+              <a:buNone/>
+              <a:defRPr sz="1400">
+                <a:solidFill>
+                  <a:schemeClr val="tx1">
+                    <a:tint val="75000"/>
+                  </a:schemeClr>
+                </a:solidFill>
+              </a:defRPr>
+            </a:lvl6pPr>
+            <a:lvl7pPr marL="2743200" indent="0">
+              <a:buNone/>
+              <a:defRPr sz="1400">
+                <a:solidFill>
+                  <a:schemeClr val="tx1">
+                    <a:tint val="75000"/>
+                  </a:schemeClr>
+                </a:solidFill>
+              </a:defRPr>
+            </a:lvl7pPr>
+            <a:lvl8pPr marL="3200400" indent="0">
+              <a:buNone/>
+              <a:defRPr sz="1400">
+                <a:solidFill>
+                  <a:schemeClr val="tx1">
+                    <a:tint val="75000"/>
+                  </a:schemeClr>
+                </a:solidFill>
+              </a:defRPr>
+            </a:lvl8pPr>
+            <a:lvl9pPr marL="3657600" indent="0">
+              <a:buNone/>
+              <a:defRPr sz="1400">
+                <a:solidFill>
+                  <a:schemeClr val="tx1">
+                    <a:tint val="75000"/>
+                  </a:schemeClr>
+                </a:solidFill>
+              </a:defRPr>
+            </a:lvl9pPr>
+          </a:lstStyle>
+          <a:p>
+            <a:pPr lvl="0"/>
+            <a:r>
+              <a:rPr lang="hu-HU"/>
+              <a:t>Mintaszöveg szerkesztése</a:t>
+            </a:r>
+          </a:p>
+        </p:txBody>
+      </p:sp>
+      <p:sp>
+        <p:nvSpPr>
+          <p:cNvPr id="4" name="Date Placeholder 3"/>
+          <p:cNvSpPr>
+            <a:spLocks noGrp="1"/>
+          </p:cNvSpPr>
+          <p:nvPr>
+            <p:ph type="dt" sz="half" idx="10"/>
+          </p:nvPr>
+        </p:nvSpPr>
+        <p:spPr/>
+        <p:txBody>
+          <a:bodyPr/>
+          <a:lstStyle/>
+          <a:p>
+            <a:fld id="{EB35802D-FF38-4DD3-90C4-88AA359E6301}" type="datetimeFigureOut">
+              <a:rPr lang="hu-HU" smtClean="0"/>
+              <a:t>2022. 05. 17.</a:t>
+            </a:fld>
+            <a:endParaRPr lang="hu-HU"/>
+          </a:p>
+        </p:txBody>
+      </p:sp>
+      <p:sp>
+        <p:nvSpPr>
+          <p:cNvPr id="5" name="Footer Placeholder 4"/>
+          <p:cNvSpPr>
+            <a:spLocks noGrp="1"/>
+          </p:cNvSpPr>
+          <p:nvPr>
+            <p:ph type="ftr" sz="quarter" idx="11"/>
+          </p:nvPr>
+        </p:nvSpPr>
+        <p:spPr/>
+        <p:txBody>
+          <a:bodyPr/>
+          <a:lstStyle/>
+          <a:p>
+            <a:endParaRPr lang="hu-HU"/>
+          </a:p>
+        </p:txBody>
+      </p:sp>
+      <p:sp>
+        <p:nvSpPr>
+          <p:cNvPr id="6" name="Slide Number Placeholder 5"/>
+          <p:cNvSpPr>
+            <a:spLocks noGrp="1"/>
+          </p:cNvSpPr>
+          <p:nvPr>
+            <p:ph type="sldNum" sz="quarter" idx="12"/>
+          </p:nvPr>
+        </p:nvSpPr>
+        <p:spPr/>
+        <p:txBody>
+          <a:bodyPr/>
+          <a:lstStyle/>
+          <a:p>
+            <a:fld id="{E4E5DBAC-207E-4CEC-B5F4-1A1479CD7BF1}" type="slidenum">
+              <a:rPr lang="hu-HU" smtClean="0"/>
+              <a:t>‹#›</a:t>
+            </a:fld>
+            <a:endParaRPr lang="hu-HU"/>
+          </a:p>
+        </p:txBody>
+      </p:sp>
+    </p:spTree>
+    <p:extLst>
+      <p:ext uri="{BB962C8B-B14F-4D97-AF65-F5344CB8AC3E}">
+        <p14:creationId xmlns:p14="http://schemas.microsoft.com/office/powerpoint/2010/main" val="3083986906"/>
+      </p:ext>
+    </p:extLst>
+  </p:cSld>
+  <p:clrMapOvr>
+    <a:masterClrMapping/>
+  </p:clrMapOvr>
+</p:sldLayout>
+</file>
+
+<file path=ppt/slideLayouts/slideLayout13.xml><?xml version="1.0" encoding="utf-8"?>
+<p:sldLayout xmlns:a="http://schemas.openxmlformats.org/drawingml/2006/main" xmlns:r="http://schemas.openxmlformats.org/officeDocument/2006/relationships" xmlns:p="http://schemas.openxmlformats.org/presentationml/2006/main" preserve="1">
+  <p:cSld name="Névkártya idézettel">
+    <p:spTree>
+      <p:nvGrpSpPr>
+        <p:cNvPr id="1" name=""/>
+        <p:cNvGrpSpPr/>
+        <p:nvPr/>
+      </p:nvGrpSpPr>
+      <p:grpSpPr>
+        <a:xfrm>
+          <a:off x="0" y="0"/>
+          <a:ext cx="0" cy="0"/>
+          <a:chOff x="0" y="0"/>
+          <a:chExt cx="0" cy="0"/>
+        </a:xfrm>
+      </p:grpSpPr>
+      <p:sp>
+        <p:nvSpPr>
+          <p:cNvPr id="2" name="Title 1"/>
+          <p:cNvSpPr>
+            <a:spLocks noGrp="1"/>
+          </p:cNvSpPr>
+          <p:nvPr>
+            <p:ph type="title"/>
+          </p:nvPr>
+        </p:nvSpPr>
+        <p:spPr>
+          <a:xfrm>
+            <a:off x="931334" y="609600"/>
+            <a:ext cx="8094134" cy="3022600"/>
+          </a:xfrm>
+        </p:spPr>
+        <p:txBody>
+          <a:bodyPr anchor="ctr">
+            <a:normAutofit/>
+          </a:bodyPr>
+          <a:lstStyle>
+            <a:lvl1pPr algn="l">
+              <a:defRPr sz="4400" b="0" cap="none"/>
+            </a:lvl1pPr>
+          </a:lstStyle>
+          <a:p>
+            <a:r>
+              <a:rPr lang="hu-HU"/>
+              <a:t>Mintacím szerkesztése</a:t>
+            </a:r>
+            <a:endParaRPr lang="en-US" dirty="0"/>
+          </a:p>
+        </p:txBody>
+      </p:sp>
+      <p:sp>
+        <p:nvSpPr>
+          <p:cNvPr id="23" name="Text Placeholder 9"/>
+          <p:cNvSpPr>
+            <a:spLocks noGrp="1"/>
+          </p:cNvSpPr>
+          <p:nvPr>
+            <p:ph type="body" sz="quarter" idx="13"/>
+          </p:nvPr>
+        </p:nvSpPr>
+        <p:spPr>
+          <a:xfrm>
+            <a:off x="677332" y="4013200"/>
+            <a:ext cx="8596669" cy="514248"/>
+          </a:xfrm>
+        </p:spPr>
+        <p:txBody>
+          <a:bodyPr anchor="b">
+            <a:noAutofit/>
+          </a:bodyPr>
+          <a:lstStyle>
+            <a:lvl1pPr marL="0" indent="0">
+              <a:buFontTx/>
+              <a:buNone/>
+              <a:defRPr sz="2400">
+                <a:solidFill>
+                  <a:schemeClr val="tx1">
+                    <a:lumMod val="75000"/>
+                    <a:lumOff val="25000"/>
+                  </a:schemeClr>
+                </a:solidFill>
+              </a:defRPr>
+            </a:lvl1pPr>
+            <a:lvl2pPr marL="457200" indent="0">
+              <a:buFontTx/>
+              <a:buNone/>
+              <a:defRPr/>
+            </a:lvl2pPr>
+            <a:lvl3pPr marL="914400" indent="0">
+              <a:buFontTx/>
+              <a:buNone/>
+              <a:defRPr/>
+            </a:lvl3pPr>
+            <a:lvl4pPr marL="1371600" indent="0">
+              <a:buFontTx/>
+              <a:buNone/>
+              <a:defRPr/>
+            </a:lvl4pPr>
+            <a:lvl5pPr marL="1828800" indent="0">
+              <a:buFontTx/>
+              <a:buNone/>
+              <a:defRPr/>
+            </a:lvl5pPr>
+          </a:lstStyle>
+          <a:p>
+            <a:pPr lvl="0"/>
+            <a:r>
+              <a:rPr lang="hu-HU"/>
+              <a:t>Mintaszöveg szerkesztése</a:t>
+            </a:r>
+          </a:p>
+        </p:txBody>
+      </p:sp>
+      <p:sp>
+        <p:nvSpPr>
+          <p:cNvPr id="3" name="Text Placeholder 2"/>
+          <p:cNvSpPr>
+            <a:spLocks noGrp="1"/>
+          </p:cNvSpPr>
+          <p:nvPr>
+            <p:ph type="body" idx="1"/>
+          </p:nvPr>
+        </p:nvSpPr>
+        <p:spPr>
+          <a:xfrm>
+            <a:off x="677335" y="4527448"/>
+            <a:ext cx="8596668" cy="1513914"/>
+          </a:xfrm>
+        </p:spPr>
+        <p:txBody>
+          <a:bodyPr anchor="t">
+            <a:normAutofit/>
+          </a:bodyPr>
+          <a:lstStyle>
+            <a:lvl1pPr marL="0" indent="0" algn="l">
+              <a:buNone/>
+              <a:defRPr sz="1800">
+                <a:solidFill>
+                  <a:schemeClr val="tx1">
+                    <a:lumMod val="50000"/>
+                    <a:lumOff val="50000"/>
+                  </a:schemeClr>
+                </a:solidFill>
+              </a:defRPr>
+            </a:lvl1pPr>
+            <a:lvl2pPr marL="457200" indent="0">
+              <a:buNone/>
+              <a:defRPr sz="1800">
+                <a:solidFill>
+                  <a:schemeClr val="tx1">
+                    <a:tint val="75000"/>
+                  </a:schemeClr>
+                </a:solidFill>
+              </a:defRPr>
+            </a:lvl2pPr>
+            <a:lvl3pPr marL="914400" indent="0">
+              <a:buNone/>
+              <a:defRPr sz="1600">
+                <a:solidFill>
+                  <a:schemeClr val="tx1">
+                    <a:tint val="75000"/>
+                  </a:schemeClr>
+                </a:solidFill>
+              </a:defRPr>
+            </a:lvl3pPr>
+            <a:lvl4pPr marL="1371600" indent="0">
+              <a:buNone/>
+              <a:defRPr sz="1400">
+                <a:solidFill>
+                  <a:schemeClr val="tx1">
+                    <a:tint val="75000"/>
+                  </a:schemeClr>
+                </a:solidFill>
+              </a:defRPr>
+            </a:lvl4pPr>
+            <a:lvl5pPr marL="1828800" indent="0">
+              <a:buNone/>
+              <a:defRPr sz="1400">
+                <a:solidFill>
+                  <a:schemeClr val="tx1">
+                    <a:tint val="75000"/>
+                  </a:schemeClr>
+                </a:solidFill>
+              </a:defRPr>
+            </a:lvl5pPr>
+            <a:lvl6pPr marL="2286000" indent="0">
+              <a:buNone/>
+              <a:defRPr sz="1400">
+                <a:solidFill>
+                  <a:schemeClr val="tx1">
+                    <a:tint val="75000"/>
+                  </a:schemeClr>
+                </a:solidFill>
+              </a:defRPr>
+            </a:lvl6pPr>
+            <a:lvl7pPr marL="2743200" indent="0">
+              <a:buNone/>
+              <a:defRPr sz="1400">
+                <a:solidFill>
+                  <a:schemeClr val="tx1">
+                    <a:tint val="75000"/>
+                  </a:schemeClr>
+                </a:solidFill>
+              </a:defRPr>
+            </a:lvl7pPr>
+            <a:lvl8pPr marL="3200400" indent="0">
+              <a:buNone/>
+              <a:defRPr sz="1400">
+                <a:solidFill>
+                  <a:schemeClr val="tx1">
+                    <a:tint val="75000"/>
+                  </a:schemeClr>
+                </a:solidFill>
+              </a:defRPr>
+            </a:lvl8pPr>
+            <a:lvl9pPr marL="3657600" indent="0">
+              <a:buNone/>
+              <a:defRPr sz="1400">
+                <a:solidFill>
+                  <a:schemeClr val="tx1">
+                    <a:tint val="75000"/>
+                  </a:schemeClr>
+                </a:solidFill>
+              </a:defRPr>
+            </a:lvl9pPr>
+          </a:lstStyle>
+          <a:p>
+            <a:pPr lvl="0"/>
+            <a:r>
+              <a:rPr lang="hu-HU"/>
+              <a:t>Mintaszöveg szerkesztése</a:t>
+            </a:r>
+          </a:p>
+        </p:txBody>
+      </p:sp>
+      <p:sp>
+        <p:nvSpPr>
+          <p:cNvPr id="4" name="Date Placeholder 3"/>
+          <p:cNvSpPr>
+            <a:spLocks noGrp="1"/>
+          </p:cNvSpPr>
+          <p:nvPr>
+            <p:ph type="dt" sz="half" idx="10"/>
+          </p:nvPr>
+        </p:nvSpPr>
+        <p:spPr/>
+        <p:txBody>
+          <a:bodyPr/>
+          <a:lstStyle/>
+          <a:p>
+            <a:fld id="{EB35802D-FF38-4DD3-90C4-88AA359E6301}" type="datetimeFigureOut">
+              <a:rPr lang="hu-HU" smtClean="0"/>
+              <a:t>2022. 05. 17.</a:t>
+            </a:fld>
+            <a:endParaRPr lang="hu-HU"/>
+          </a:p>
+        </p:txBody>
+      </p:sp>
+      <p:sp>
+        <p:nvSpPr>
+          <p:cNvPr id="5" name="Footer Placeholder 4"/>
+          <p:cNvSpPr>
+            <a:spLocks noGrp="1"/>
+          </p:cNvSpPr>
+          <p:nvPr>
+            <p:ph type="ftr" sz="quarter" idx="11"/>
+          </p:nvPr>
+        </p:nvSpPr>
+        <p:spPr/>
+        <p:txBody>
+          <a:bodyPr/>
+          <a:lstStyle/>
+          <a:p>
+            <a:endParaRPr lang="hu-HU"/>
+          </a:p>
+        </p:txBody>
+      </p:sp>
+      <p:sp>
+        <p:nvSpPr>
+          <p:cNvPr id="6" name="Slide Number Placeholder 5"/>
+          <p:cNvSpPr>
+            <a:spLocks noGrp="1"/>
+          </p:cNvSpPr>
+          <p:nvPr>
+            <p:ph type="sldNum" sz="quarter" idx="12"/>
+          </p:nvPr>
+        </p:nvSpPr>
+        <p:spPr/>
+        <p:txBody>
+          <a:bodyPr/>
+          <a:lstStyle/>
+          <a:p>
+            <a:fld id="{E4E5DBAC-207E-4CEC-B5F4-1A1479CD7BF1}" type="slidenum">
+              <a:rPr lang="hu-HU" smtClean="0"/>
+              <a:t>‹#›</a:t>
+            </a:fld>
+            <a:endParaRPr lang="hu-HU"/>
+          </a:p>
+        </p:txBody>
+      </p:sp>
+      <p:sp>
+        <p:nvSpPr>
+          <p:cNvPr id="24" name="TextBox 23"/>
+          <p:cNvSpPr txBox="1"/>
+          <p:nvPr/>
+        </p:nvSpPr>
+        <p:spPr>
+          <a:xfrm>
+            <a:off x="541870" y="790378"/>
+            <a:ext cx="609600" cy="584776"/>
+          </a:xfrm>
+          <a:prstGeom prst="rect">
+            <a:avLst/>
+          </a:prstGeom>
+        </p:spPr>
+        <p:txBody>
+          <a:bodyPr vert="horz" lIns="91440" tIns="45720" rIns="91440" bIns="45720" rtlCol="0" anchor="ctr">
+            <a:noAutofit/>
+          </a:bodyPr>
+          <a:lstStyle/>
+          <a:p>
+            <a:pPr lvl="0"/>
+            <a:r>
+              <a:rPr lang="en-US" sz="8000" baseline="0" dirty="0">
+                <a:ln w="3175" cmpd="sng">
+                  <a:noFill/>
+                </a:ln>
+                <a:solidFill>
+                  <a:schemeClr val="accent1">
+                    <a:lumMod val="60000"/>
+                    <a:lumOff val="40000"/>
+                  </a:schemeClr>
+                </a:solidFill>
+                <a:effectLst/>
+                <a:latin typeface="Arial"/>
+              </a:rPr>
+              <a:t>“</a:t>
+            </a:r>
+          </a:p>
+        </p:txBody>
+      </p:sp>
+      <p:sp>
+        <p:nvSpPr>
+          <p:cNvPr id="25" name="TextBox 24"/>
+          <p:cNvSpPr txBox="1"/>
+          <p:nvPr/>
+        </p:nvSpPr>
+        <p:spPr>
+          <a:xfrm>
+            <a:off x="8893011" y="2886556"/>
+            <a:ext cx="609600" cy="584776"/>
+          </a:xfrm>
+          <a:prstGeom prst="rect">
+            <a:avLst/>
+          </a:prstGeom>
+        </p:spPr>
+        <p:txBody>
+          <a:bodyPr vert="horz" lIns="91440" tIns="45720" rIns="91440" bIns="45720" rtlCol="0" anchor="ctr">
+            <a:noAutofit/>
+          </a:bodyPr>
+          <a:lstStyle/>
+          <a:p>
+            <a:pPr lvl="0"/>
+            <a:r>
+              <a:rPr lang="en-US" sz="8000" baseline="0" dirty="0">
+                <a:ln w="3175" cmpd="sng">
+                  <a:noFill/>
+                </a:ln>
+                <a:solidFill>
+                  <a:schemeClr val="accent1">
+                    <a:lumMod val="60000"/>
+                    <a:lumOff val="40000"/>
+                  </a:schemeClr>
+                </a:solidFill>
+                <a:effectLst/>
+                <a:latin typeface="Arial"/>
+              </a:rPr>
+              <a:t>”</a:t>
+            </a:r>
+          </a:p>
+        </p:txBody>
+      </p:sp>
+    </p:spTree>
+    <p:extLst>
+      <p:ext uri="{BB962C8B-B14F-4D97-AF65-F5344CB8AC3E}">
+        <p14:creationId xmlns:p14="http://schemas.microsoft.com/office/powerpoint/2010/main" val="4275956156"/>
+      </p:ext>
+    </p:extLst>
+  </p:cSld>
+  <p:clrMapOvr>
+    <a:masterClrMapping/>
+  </p:clrMapOvr>
+</p:sldLayout>
+</file>
+
+<file path=ppt/slideLayouts/slideLayout14.xml><?xml version="1.0" encoding="utf-8"?>
+<p:sldLayout xmlns:a="http://schemas.openxmlformats.org/drawingml/2006/main" xmlns:r="http://schemas.openxmlformats.org/officeDocument/2006/relationships" xmlns:p="http://schemas.openxmlformats.org/presentationml/2006/main" preserve="1">
+  <p:cSld name="Igaz vagy hamis">
+    <p:spTree>
+      <p:nvGrpSpPr>
+        <p:cNvPr id="1" name=""/>
+        <p:cNvGrpSpPr/>
+        <p:nvPr/>
+      </p:nvGrpSpPr>
+      <p:grpSpPr>
+        <a:xfrm>
+          <a:off x="0" y="0"/>
+          <a:ext cx="0" cy="0"/>
+          <a:chOff x="0" y="0"/>
+          <a:chExt cx="0" cy="0"/>
+        </a:xfrm>
+      </p:grpSpPr>
+      <p:sp>
+        <p:nvSpPr>
+          <p:cNvPr id="2" name="Title 1"/>
+          <p:cNvSpPr>
+            <a:spLocks noGrp="1"/>
+          </p:cNvSpPr>
+          <p:nvPr>
+            <p:ph type="title"/>
+          </p:nvPr>
+        </p:nvSpPr>
+        <p:spPr>
+          <a:xfrm>
+            <a:off x="685799" y="609600"/>
+            <a:ext cx="8588203" cy="3022600"/>
+          </a:xfrm>
+        </p:spPr>
+        <p:txBody>
+          <a:bodyPr anchor="ctr">
+            <a:normAutofit/>
+          </a:bodyPr>
+          <a:lstStyle>
+            <a:lvl1pPr algn="l">
+              <a:defRPr sz="4400" b="0" cap="none"/>
+            </a:lvl1pPr>
+          </a:lstStyle>
+          <a:p>
+            <a:r>
+              <a:rPr lang="hu-HU"/>
+              <a:t>Mintacím szerkesztése</a:t>
+            </a:r>
+            <a:endParaRPr lang="en-US" dirty="0"/>
+          </a:p>
+        </p:txBody>
+      </p:sp>
+      <p:sp>
+        <p:nvSpPr>
+          <p:cNvPr id="23" name="Text Placeholder 9"/>
+          <p:cNvSpPr>
+            <a:spLocks noGrp="1"/>
+          </p:cNvSpPr>
+          <p:nvPr>
+            <p:ph type="body" sz="quarter" idx="13"/>
+          </p:nvPr>
+        </p:nvSpPr>
+        <p:spPr>
+          <a:xfrm>
+            <a:off x="677332" y="4013200"/>
+            <a:ext cx="8596669" cy="514248"/>
+          </a:xfrm>
+        </p:spPr>
+        <p:txBody>
+          <a:bodyPr anchor="b">
+            <a:noAutofit/>
+          </a:bodyPr>
+          <a:lstStyle>
+            <a:lvl1pPr marL="0" indent="0">
+              <a:buFontTx/>
+              <a:buNone/>
+              <a:defRPr sz="2400">
+                <a:solidFill>
+                  <a:schemeClr val="accent1"/>
+                </a:solidFill>
+              </a:defRPr>
+            </a:lvl1pPr>
+            <a:lvl2pPr marL="457200" indent="0">
+              <a:buFontTx/>
+              <a:buNone/>
+              <a:defRPr/>
+            </a:lvl2pPr>
+            <a:lvl3pPr marL="914400" indent="0">
+              <a:buFontTx/>
+              <a:buNone/>
+              <a:defRPr/>
+            </a:lvl3pPr>
+            <a:lvl4pPr marL="1371600" indent="0">
+              <a:buFontTx/>
+              <a:buNone/>
+              <a:defRPr/>
+            </a:lvl4pPr>
+            <a:lvl5pPr marL="1828800" indent="0">
+              <a:buFontTx/>
+              <a:buNone/>
+              <a:defRPr/>
+            </a:lvl5pPr>
+          </a:lstStyle>
+          <a:p>
+            <a:pPr lvl="0"/>
+            <a:r>
+              <a:rPr lang="hu-HU"/>
+              <a:t>Mintaszöveg szerkesztése</a:t>
+            </a:r>
+          </a:p>
+        </p:txBody>
+      </p:sp>
+      <p:sp>
+        <p:nvSpPr>
+          <p:cNvPr id="3" name="Text Placeholder 2"/>
+          <p:cNvSpPr>
+            <a:spLocks noGrp="1"/>
+          </p:cNvSpPr>
+          <p:nvPr>
+            <p:ph type="body" idx="1"/>
+          </p:nvPr>
+        </p:nvSpPr>
+        <p:spPr>
+          <a:xfrm>
+            <a:off x="677335" y="4527448"/>
+            <a:ext cx="8596668" cy="1513914"/>
+          </a:xfrm>
+        </p:spPr>
+        <p:txBody>
+          <a:bodyPr anchor="t">
+            <a:normAutofit/>
+          </a:bodyPr>
+          <a:lstStyle>
+            <a:lvl1pPr marL="0" indent="0" algn="l">
+              <a:buNone/>
+              <a:defRPr sz="1800">
+                <a:solidFill>
+                  <a:schemeClr val="tx1">
+                    <a:lumMod val="50000"/>
+                    <a:lumOff val="50000"/>
+                  </a:schemeClr>
+                </a:solidFill>
+              </a:defRPr>
+            </a:lvl1pPr>
+            <a:lvl2pPr marL="457200" indent="0">
+              <a:buNone/>
+              <a:defRPr sz="1800">
+                <a:solidFill>
+                  <a:schemeClr val="tx1">
+                    <a:tint val="75000"/>
+                  </a:schemeClr>
+                </a:solidFill>
+              </a:defRPr>
+            </a:lvl2pPr>
+            <a:lvl3pPr marL="914400" indent="0">
+              <a:buNone/>
+              <a:defRPr sz="1600">
+                <a:solidFill>
+                  <a:schemeClr val="tx1">
+                    <a:tint val="75000"/>
+                  </a:schemeClr>
+                </a:solidFill>
+              </a:defRPr>
+            </a:lvl3pPr>
+            <a:lvl4pPr marL="1371600" indent="0">
+              <a:buNone/>
+              <a:defRPr sz="1400">
+                <a:solidFill>
+                  <a:schemeClr val="tx1">
+                    <a:tint val="75000"/>
+                  </a:schemeClr>
+                </a:solidFill>
+              </a:defRPr>
+            </a:lvl4pPr>
+            <a:lvl5pPr marL="1828800" indent="0">
+              <a:buNone/>
+              <a:defRPr sz="1400">
+                <a:solidFill>
+                  <a:schemeClr val="tx1">
+                    <a:tint val="75000"/>
+                  </a:schemeClr>
+                </a:solidFill>
+              </a:defRPr>
+            </a:lvl5pPr>
+            <a:lvl6pPr marL="2286000" indent="0">
+              <a:buNone/>
+              <a:defRPr sz="1400">
+                <a:solidFill>
+                  <a:schemeClr val="tx1">
+                    <a:tint val="75000"/>
+                  </a:schemeClr>
+                </a:solidFill>
+              </a:defRPr>
+            </a:lvl6pPr>
+            <a:lvl7pPr marL="2743200" indent="0">
+              <a:buNone/>
+              <a:defRPr sz="1400">
+                <a:solidFill>
+                  <a:schemeClr val="tx1">
+                    <a:tint val="75000"/>
+                  </a:schemeClr>
+                </a:solidFill>
+              </a:defRPr>
+            </a:lvl7pPr>
+            <a:lvl8pPr marL="3200400" indent="0">
+              <a:buNone/>
+              <a:defRPr sz="1400">
+                <a:solidFill>
+                  <a:schemeClr val="tx1">
+                    <a:tint val="75000"/>
+                  </a:schemeClr>
+                </a:solidFill>
+              </a:defRPr>
+            </a:lvl8pPr>
+            <a:lvl9pPr marL="3657600" indent="0">
+              <a:buNone/>
+              <a:defRPr sz="1400">
+                <a:solidFill>
+                  <a:schemeClr val="tx1">
+                    <a:tint val="75000"/>
+                  </a:schemeClr>
+                </a:solidFill>
+              </a:defRPr>
+            </a:lvl9pPr>
+          </a:lstStyle>
+          <a:p>
+            <a:pPr lvl="0"/>
+            <a:r>
+              <a:rPr lang="hu-HU"/>
+              <a:t>Mintaszöveg szerkesztése</a:t>
+            </a:r>
+          </a:p>
+        </p:txBody>
+      </p:sp>
+      <p:sp>
+        <p:nvSpPr>
+          <p:cNvPr id="4" name="Date Placeholder 3"/>
+          <p:cNvSpPr>
+            <a:spLocks noGrp="1"/>
+          </p:cNvSpPr>
+          <p:nvPr>
+            <p:ph type="dt" sz="half" idx="10"/>
+          </p:nvPr>
+        </p:nvSpPr>
+        <p:spPr/>
+        <p:txBody>
+          <a:bodyPr/>
+          <a:lstStyle/>
+          <a:p>
+            <a:fld id="{EB35802D-FF38-4DD3-90C4-88AA359E6301}" type="datetimeFigureOut">
+              <a:rPr lang="hu-HU" smtClean="0"/>
+              <a:t>2022. 05. 17.</a:t>
+            </a:fld>
+            <a:endParaRPr lang="hu-HU"/>
+          </a:p>
+        </p:txBody>
+      </p:sp>
+      <p:sp>
+        <p:nvSpPr>
+          <p:cNvPr id="5" name="Footer Placeholder 4"/>
+          <p:cNvSpPr>
+            <a:spLocks noGrp="1"/>
+          </p:cNvSpPr>
+          <p:nvPr>
+            <p:ph type="ftr" sz="quarter" idx="11"/>
+          </p:nvPr>
+        </p:nvSpPr>
+        <p:spPr/>
+        <p:txBody>
+          <a:bodyPr/>
+          <a:lstStyle/>
+          <a:p>
+            <a:endParaRPr lang="hu-HU"/>
+          </a:p>
+        </p:txBody>
+      </p:sp>
+      <p:sp>
+        <p:nvSpPr>
+          <p:cNvPr id="6" name="Slide Number Placeholder 5"/>
+          <p:cNvSpPr>
+            <a:spLocks noGrp="1"/>
+          </p:cNvSpPr>
+          <p:nvPr>
+            <p:ph type="sldNum" sz="quarter" idx="12"/>
+          </p:nvPr>
+        </p:nvSpPr>
+        <p:spPr/>
+        <p:txBody>
+          <a:bodyPr/>
+          <a:lstStyle/>
+          <a:p>
+            <a:fld id="{E4E5DBAC-207E-4CEC-B5F4-1A1479CD7BF1}" type="slidenum">
+              <a:rPr lang="hu-HU" smtClean="0"/>
+              <a:t>‹#›</a:t>
+            </a:fld>
+            <a:endParaRPr lang="hu-HU"/>
+          </a:p>
+        </p:txBody>
+      </p:sp>
+    </p:spTree>
+    <p:extLst>
+      <p:ext uri="{BB962C8B-B14F-4D97-AF65-F5344CB8AC3E}">
+        <p14:creationId xmlns:p14="http://schemas.microsoft.com/office/powerpoint/2010/main" val="2047811822"/>
+      </p:ext>
+    </p:extLst>
+  </p:cSld>
+  <p:clrMapOvr>
+    <a:masterClrMapping/>
+  </p:clrMapOvr>
+</p:sldLayout>
+</file>
+
+<file path=ppt/slideLayouts/slideLayout15.xml><?xml version="1.0" encoding="utf-8"?>
 <p:sldLayout xmlns:a="http://schemas.openxmlformats.org/drawingml/2006/main" xmlns:r="http://schemas.openxmlformats.org/officeDocument/2006/relationships" xmlns:p="http://schemas.openxmlformats.org/presentationml/2006/main" type="vertTx" preserve="1">
   <p:cSld name="Cím és függőleges szöveg">
     <p:spTree>
@@ -346,13 +2553,7 @@
       </p:grpSpPr>
       <p:sp>
         <p:nvSpPr>
-          <p:cNvPr id="2" name="Cím 1">
-            <a:extLst>
-              <a:ext uri="{FF2B5EF4-FFF2-40B4-BE49-F238E27FC236}">
-                <a16:creationId xmlns:a16="http://schemas.microsoft.com/office/drawing/2014/main" id="{C4B1FA4A-D632-426B-9894-E755C40007F8}"/>
-              </a:ext>
-            </a:extLst>
-          </p:cNvPr>
+          <p:cNvPr id="2" name="Title 1"/>
           <p:cNvSpPr>
             <a:spLocks noGrp="1"/>
           </p:cNvSpPr>
@@ -369,18 +2570,13 @@
               <a:rPr lang="hu-HU"/>
               <a:t>Mintacím szerkesztése</a:t>
             </a:r>
-          </a:p>
-        </p:txBody>
-      </p:sp>
-      <p:sp>
-        <p:nvSpPr>
-          <p:cNvPr id="3" name="Függőleges szöveg helye 2">
-            <a:extLst>
-              <a:ext uri="{FF2B5EF4-FFF2-40B4-BE49-F238E27FC236}">
-                <a16:creationId xmlns:a16="http://schemas.microsoft.com/office/drawing/2014/main" id="{C6505AA9-A991-4AF1-B2B6-00380FDE5B29}"/>
-              </a:ext>
-            </a:extLst>
-          </p:cNvPr>
+            <a:endParaRPr lang="en-US" dirty="0"/>
+          </a:p>
+        </p:txBody>
+      </p:sp>
+      <p:sp>
+        <p:nvSpPr>
+          <p:cNvPr id="3" name="Vertical Text Placeholder 2"/>
           <p:cNvSpPr>
             <a:spLocks noGrp="1"/>
           </p:cNvSpPr>
@@ -426,18 +2622,13 @@
               <a:rPr lang="hu-HU"/>
               <a:t>Ötödik szint</a:t>
             </a:r>
-          </a:p>
-        </p:txBody>
-      </p:sp>
-      <p:sp>
-        <p:nvSpPr>
-          <p:cNvPr id="4" name="Dátum helye 3">
-            <a:extLst>
-              <a:ext uri="{FF2B5EF4-FFF2-40B4-BE49-F238E27FC236}">
-                <a16:creationId xmlns:a16="http://schemas.microsoft.com/office/drawing/2014/main" id="{0B8A873E-90B7-4B6E-B2A1-04A9DDC07673}"/>
-              </a:ext>
-            </a:extLst>
-          </p:cNvPr>
+            <a:endParaRPr lang="en-US" dirty="0"/>
+          </a:p>
+        </p:txBody>
+      </p:sp>
+      <p:sp>
+        <p:nvSpPr>
+          <p:cNvPr id="4" name="Date Placeholder 3"/>
           <p:cNvSpPr>
             <a:spLocks noGrp="1"/>
           </p:cNvSpPr>
@@ -460,13 +2651,7 @@
       </p:sp>
       <p:sp>
         <p:nvSpPr>
-          <p:cNvPr id="5" name="Élőláb helye 4">
-            <a:extLst>
-              <a:ext uri="{FF2B5EF4-FFF2-40B4-BE49-F238E27FC236}">
-                <a16:creationId xmlns:a16="http://schemas.microsoft.com/office/drawing/2014/main" id="{C839AE00-9BE9-4A12-998B-F65BAC06151A}"/>
-              </a:ext>
-            </a:extLst>
-          </p:cNvPr>
+          <p:cNvPr id="5" name="Footer Placeholder 4"/>
           <p:cNvSpPr>
             <a:spLocks noGrp="1"/>
           </p:cNvSpPr>
@@ -485,13 +2670,7 @@
       </p:sp>
       <p:sp>
         <p:nvSpPr>
-          <p:cNvPr id="6" name="Dia számának helye 5">
-            <a:extLst>
-              <a:ext uri="{FF2B5EF4-FFF2-40B4-BE49-F238E27FC236}">
-                <a16:creationId xmlns:a16="http://schemas.microsoft.com/office/drawing/2014/main" id="{4B662D92-0DF1-4D89-AC5B-E45A602A67A2}"/>
-              </a:ext>
-            </a:extLst>
-          </p:cNvPr>
+          <p:cNvPr id="6" name="Slide Number Placeholder 5"/>
           <p:cNvSpPr>
             <a:spLocks noGrp="1"/>
           </p:cNvSpPr>
@@ -515,7 +2694,7 @@
     </p:spTree>
     <p:extLst>
       <p:ext uri="{BB962C8B-B14F-4D97-AF65-F5344CB8AC3E}">
-        <p14:creationId xmlns:p14="http://schemas.microsoft.com/office/powerpoint/2010/main" val="2321384564"/>
+        <p14:creationId xmlns:p14="http://schemas.microsoft.com/office/powerpoint/2010/main" val="3779389279"/>
       </p:ext>
     </p:extLst>
   </p:cSld>
@@ -525,7 +2704,7 @@
 </p:sldLayout>
 </file>
 
-<file path=ppt/slideLayouts/slideLayout11.xml><?xml version="1.0" encoding="utf-8"?>
+<file path=ppt/slideLayouts/slideLayout16.xml><?xml version="1.0" encoding="utf-8"?>
 <p:sldLayout xmlns:a="http://schemas.openxmlformats.org/drawingml/2006/main" xmlns:r="http://schemas.openxmlformats.org/officeDocument/2006/relationships" xmlns:p="http://schemas.openxmlformats.org/presentationml/2006/main" type="vertTitleAndTx" preserve="1">
   <p:cSld name="Függőleges cím és szöveg">
     <p:spTree>
@@ -544,13 +2723,7 @@
       </p:grpSpPr>
       <p:sp>
         <p:nvSpPr>
-          <p:cNvPr id="2" name="Függőleges cím 1">
-            <a:extLst>
-              <a:ext uri="{FF2B5EF4-FFF2-40B4-BE49-F238E27FC236}">
-                <a16:creationId xmlns:a16="http://schemas.microsoft.com/office/drawing/2014/main" id="{D7846CE3-A763-4CEB-9C32-CB29D1B159CB}"/>
-              </a:ext>
-            </a:extLst>
-          </p:cNvPr>
+          <p:cNvPr id="2" name="Vertical Title 1"/>
           <p:cNvSpPr>
             <a:spLocks noGrp="1"/>
           </p:cNvSpPr>
@@ -560,30 +2733,25 @@
         </p:nvSpPr>
         <p:spPr>
           <a:xfrm>
-            <a:off x="8724900" y="365125"/>
-            <a:ext cx="2628900" cy="5811838"/>
+            <a:off x="7967673" y="609599"/>
+            <a:ext cx="1304743" cy="5251451"/>
           </a:xfrm>
         </p:spPr>
         <p:txBody>
-          <a:bodyPr vert="eaVert"/>
+          <a:bodyPr vert="eaVert" anchor="ctr"/>
           <a:lstStyle/>
           <a:p>
             <a:r>
               <a:rPr lang="hu-HU"/>
               <a:t>Mintacím szerkesztése</a:t>
             </a:r>
-          </a:p>
-        </p:txBody>
-      </p:sp>
-      <p:sp>
-        <p:nvSpPr>
-          <p:cNvPr id="3" name="Függőleges szöveg helye 2">
-            <a:extLst>
-              <a:ext uri="{FF2B5EF4-FFF2-40B4-BE49-F238E27FC236}">
-                <a16:creationId xmlns:a16="http://schemas.microsoft.com/office/drawing/2014/main" id="{24FBBB3B-C1C9-423B-B56A-36EE938D0B90}"/>
-              </a:ext>
-            </a:extLst>
-          </p:cNvPr>
+            <a:endParaRPr lang="en-US" dirty="0"/>
+          </a:p>
+        </p:txBody>
+      </p:sp>
+      <p:sp>
+        <p:nvSpPr>
+          <p:cNvPr id="3" name="Vertical Text Placeholder 2"/>
           <p:cNvSpPr>
             <a:spLocks noGrp="1"/>
           </p:cNvSpPr>
@@ -593,8 +2761,8 @@
         </p:nvSpPr>
         <p:spPr>
           <a:xfrm>
-            <a:off x="838200" y="365125"/>
-            <a:ext cx="7734300" cy="5811838"/>
+            <a:off x="677335" y="609600"/>
+            <a:ext cx="7060150" cy="5251450"/>
           </a:xfrm>
         </p:spPr>
         <p:txBody>
@@ -634,18 +2802,13 @@
               <a:rPr lang="hu-HU"/>
               <a:t>Ötödik szint</a:t>
             </a:r>
-          </a:p>
-        </p:txBody>
-      </p:sp>
-      <p:sp>
-        <p:nvSpPr>
-          <p:cNvPr id="4" name="Dátum helye 3">
-            <a:extLst>
-              <a:ext uri="{FF2B5EF4-FFF2-40B4-BE49-F238E27FC236}">
-                <a16:creationId xmlns:a16="http://schemas.microsoft.com/office/drawing/2014/main" id="{79CAAF92-1E48-48DF-B8F1-8B6824D7ED12}"/>
-              </a:ext>
-            </a:extLst>
-          </p:cNvPr>
+            <a:endParaRPr lang="en-US" dirty="0"/>
+          </a:p>
+        </p:txBody>
+      </p:sp>
+      <p:sp>
+        <p:nvSpPr>
+          <p:cNvPr id="4" name="Date Placeholder 3"/>
           <p:cNvSpPr>
             <a:spLocks noGrp="1"/>
           </p:cNvSpPr>
@@ -668,13 +2831,7 @@
       </p:sp>
       <p:sp>
         <p:nvSpPr>
-          <p:cNvPr id="5" name="Élőláb helye 4">
-            <a:extLst>
-              <a:ext uri="{FF2B5EF4-FFF2-40B4-BE49-F238E27FC236}">
-                <a16:creationId xmlns:a16="http://schemas.microsoft.com/office/drawing/2014/main" id="{190644FA-B310-427C-8715-C6847DD35AEB}"/>
-              </a:ext>
-            </a:extLst>
-          </p:cNvPr>
+          <p:cNvPr id="5" name="Footer Placeholder 4"/>
           <p:cNvSpPr>
             <a:spLocks noGrp="1"/>
           </p:cNvSpPr>
@@ -693,13 +2850,7 @@
       </p:sp>
       <p:sp>
         <p:nvSpPr>
-          <p:cNvPr id="6" name="Dia számának helye 5">
-            <a:extLst>
-              <a:ext uri="{FF2B5EF4-FFF2-40B4-BE49-F238E27FC236}">
-                <a16:creationId xmlns:a16="http://schemas.microsoft.com/office/drawing/2014/main" id="{A9457AEC-388C-4DB0-9C31-8E2967940E6E}"/>
-              </a:ext>
-            </a:extLst>
-          </p:cNvPr>
+          <p:cNvPr id="6" name="Slide Number Placeholder 5"/>
           <p:cNvSpPr>
             <a:spLocks noGrp="1"/>
           </p:cNvSpPr>
@@ -723,7 +2874,7 @@
     </p:spTree>
     <p:extLst>
       <p:ext uri="{BB962C8B-B14F-4D97-AF65-F5344CB8AC3E}">
-        <p14:creationId xmlns:p14="http://schemas.microsoft.com/office/powerpoint/2010/main" val="1291325856"/>
+        <p14:creationId xmlns:p14="http://schemas.microsoft.com/office/powerpoint/2010/main" val="456845853"/>
       </p:ext>
     </p:extLst>
   </p:cSld>
@@ -752,13 +2903,7 @@
       </p:grpSpPr>
       <p:sp>
         <p:nvSpPr>
-          <p:cNvPr id="2" name="Cím 1">
-            <a:extLst>
-              <a:ext uri="{FF2B5EF4-FFF2-40B4-BE49-F238E27FC236}">
-                <a16:creationId xmlns:a16="http://schemas.microsoft.com/office/drawing/2014/main" id="{AD46B3D3-468B-4549-8082-A3CB995590C2}"/>
-              </a:ext>
-            </a:extLst>
-          </p:cNvPr>
+          <p:cNvPr id="2" name="Title 1"/>
           <p:cNvSpPr>
             <a:spLocks noGrp="1"/>
           </p:cNvSpPr>
@@ -775,18 +2920,13 @@
               <a:rPr lang="hu-HU"/>
               <a:t>Mintacím szerkesztése</a:t>
             </a:r>
-          </a:p>
-        </p:txBody>
-      </p:sp>
-      <p:sp>
-        <p:nvSpPr>
-          <p:cNvPr id="3" name="Tartalom helye 2">
-            <a:extLst>
-              <a:ext uri="{FF2B5EF4-FFF2-40B4-BE49-F238E27FC236}">
-                <a16:creationId xmlns:a16="http://schemas.microsoft.com/office/drawing/2014/main" id="{A2DCA0CA-F74E-4623-B3AF-656D3443C3AA}"/>
-              </a:ext>
-            </a:extLst>
-          </p:cNvPr>
+            <a:endParaRPr lang="en-US" dirty="0"/>
+          </a:p>
+        </p:txBody>
+      </p:sp>
+      <p:sp>
+        <p:nvSpPr>
+          <p:cNvPr id="3" name="Content Placeholder 2"/>
           <p:cNvSpPr>
             <a:spLocks noGrp="1"/>
           </p:cNvSpPr>
@@ -832,18 +2972,13 @@
               <a:rPr lang="hu-HU"/>
               <a:t>Ötödik szint</a:t>
             </a:r>
-          </a:p>
-        </p:txBody>
-      </p:sp>
-      <p:sp>
-        <p:nvSpPr>
-          <p:cNvPr id="4" name="Dátum helye 3">
-            <a:extLst>
-              <a:ext uri="{FF2B5EF4-FFF2-40B4-BE49-F238E27FC236}">
-                <a16:creationId xmlns:a16="http://schemas.microsoft.com/office/drawing/2014/main" id="{BAA2BA2A-AFEC-4F73-A566-17E3010AE1B9}"/>
-              </a:ext>
-            </a:extLst>
-          </p:cNvPr>
+            <a:endParaRPr lang="en-US" dirty="0"/>
+          </a:p>
+        </p:txBody>
+      </p:sp>
+      <p:sp>
+        <p:nvSpPr>
+          <p:cNvPr id="4" name="Date Placeholder 3"/>
           <p:cNvSpPr>
             <a:spLocks noGrp="1"/>
           </p:cNvSpPr>
@@ -866,13 +3001,7 @@
       </p:sp>
       <p:sp>
         <p:nvSpPr>
-          <p:cNvPr id="5" name="Élőláb helye 4">
-            <a:extLst>
-              <a:ext uri="{FF2B5EF4-FFF2-40B4-BE49-F238E27FC236}">
-                <a16:creationId xmlns:a16="http://schemas.microsoft.com/office/drawing/2014/main" id="{9D09E7C4-7199-4A4C-ADF4-D5DD50FD473D}"/>
-              </a:ext>
-            </a:extLst>
-          </p:cNvPr>
+          <p:cNvPr id="5" name="Footer Placeholder 4"/>
           <p:cNvSpPr>
             <a:spLocks noGrp="1"/>
           </p:cNvSpPr>
@@ -891,13 +3020,7 @@
       </p:sp>
       <p:sp>
         <p:nvSpPr>
-          <p:cNvPr id="6" name="Dia számának helye 5">
-            <a:extLst>
-              <a:ext uri="{FF2B5EF4-FFF2-40B4-BE49-F238E27FC236}">
-                <a16:creationId xmlns:a16="http://schemas.microsoft.com/office/drawing/2014/main" id="{3FA6A1FF-7A49-4601-97B2-C95811B93C0E}"/>
-              </a:ext>
-            </a:extLst>
-          </p:cNvPr>
+          <p:cNvPr id="6" name="Slide Number Placeholder 5"/>
           <p:cNvSpPr>
             <a:spLocks noGrp="1"/>
           </p:cNvSpPr>
@@ -921,7 +3044,7 @@
     </p:spTree>
     <p:extLst>
       <p:ext uri="{BB962C8B-B14F-4D97-AF65-F5344CB8AC3E}">
-        <p14:creationId xmlns:p14="http://schemas.microsoft.com/office/powerpoint/2010/main" val="75040799"/>
+        <p14:creationId xmlns:p14="http://schemas.microsoft.com/office/powerpoint/2010/main" val="2318550439"/>
       </p:ext>
     </p:extLst>
   </p:cSld>
@@ -950,13 +3073,7 @@
       </p:grpSpPr>
       <p:sp>
         <p:nvSpPr>
-          <p:cNvPr id="2" name="Cím 1">
-            <a:extLst>
-              <a:ext uri="{FF2B5EF4-FFF2-40B4-BE49-F238E27FC236}">
-                <a16:creationId xmlns:a16="http://schemas.microsoft.com/office/drawing/2014/main" id="{253261F5-EEF1-4928-8380-9E8BEC8C2901}"/>
-              </a:ext>
-            </a:extLst>
-          </p:cNvPr>
+          <p:cNvPr id="2" name="Title 1"/>
           <p:cNvSpPr>
             <a:spLocks noGrp="1"/>
           </p:cNvSpPr>
@@ -966,15 +3083,15 @@
         </p:nvSpPr>
         <p:spPr>
           <a:xfrm>
-            <a:off x="831850" y="1709738"/>
-            <a:ext cx="10515600" cy="2852737"/>
+            <a:off x="677335" y="2700867"/>
+            <a:ext cx="8596668" cy="1826581"/>
           </a:xfrm>
         </p:spPr>
         <p:txBody>
           <a:bodyPr anchor="b"/>
           <a:lstStyle>
-            <a:lvl1pPr>
-              <a:defRPr sz="6000"/>
+            <a:lvl1pPr algn="l">
+              <a:defRPr sz="4000" b="0" cap="none"/>
             </a:lvl1pPr>
           </a:lstStyle>
           <a:p>
@@ -982,18 +3099,13 @@
               <a:rPr lang="hu-HU"/>
               <a:t>Mintacím szerkesztése</a:t>
             </a:r>
-          </a:p>
-        </p:txBody>
-      </p:sp>
-      <p:sp>
-        <p:nvSpPr>
-          <p:cNvPr id="3" name="Szöveg helye 2">
-            <a:extLst>
-              <a:ext uri="{FF2B5EF4-FFF2-40B4-BE49-F238E27FC236}">
-                <a16:creationId xmlns:a16="http://schemas.microsoft.com/office/drawing/2014/main" id="{3B022D40-E630-4C3D-A9EE-83118BD0529F}"/>
-              </a:ext>
-            </a:extLst>
-          </p:cNvPr>
+            <a:endParaRPr lang="en-US" dirty="0"/>
+          </a:p>
+        </p:txBody>
+      </p:sp>
+      <p:sp>
+        <p:nvSpPr>
+          <p:cNvPr id="3" name="Text Placeholder 2"/>
           <p:cNvSpPr>
             <a:spLocks noGrp="1"/>
           </p:cNvSpPr>
@@ -1003,102 +3115,103 @@
         </p:nvSpPr>
         <p:spPr>
           <a:xfrm>
-            <a:off x="831850" y="4589463"/>
-            <a:ext cx="10515600" cy="1500187"/>
+            <a:off x="677335" y="4527448"/>
+            <a:ext cx="8596668" cy="860400"/>
           </a:xfrm>
         </p:spPr>
         <p:txBody>
-          <a:bodyPr/>
+          <a:bodyPr anchor="t"/>
           <a:lstStyle>
-            <a:lvl1pPr marL="0" indent="0">
-              <a:buNone/>
-              <a:defRPr sz="2400">
+            <a:lvl1pPr marL="0" indent="0" algn="l">
+              <a:buNone/>
+              <a:defRPr sz="2000">
+                <a:solidFill>
+                  <a:schemeClr val="tx1">
+                    <a:lumMod val="50000"/>
+                    <a:lumOff val="50000"/>
+                  </a:schemeClr>
+                </a:solidFill>
+              </a:defRPr>
+            </a:lvl1pPr>
+            <a:lvl2pPr marL="457200" indent="0">
+              <a:buNone/>
+              <a:defRPr sz="1800">
                 <a:solidFill>
                   <a:schemeClr val="tx1">
                     <a:tint val="75000"/>
                   </a:schemeClr>
                 </a:solidFill>
               </a:defRPr>
-            </a:lvl1pPr>
-            <a:lvl2pPr marL="457200" indent="0">
-              <a:buNone/>
-              <a:defRPr sz="2000">
+            </a:lvl2pPr>
+            <a:lvl3pPr marL="914400" indent="0">
+              <a:buNone/>
+              <a:defRPr sz="1600">
                 <a:solidFill>
                   <a:schemeClr val="tx1">
                     <a:tint val="75000"/>
                   </a:schemeClr>
                 </a:solidFill>
               </a:defRPr>
-            </a:lvl2pPr>
-            <a:lvl3pPr marL="914400" indent="0">
-              <a:buNone/>
-              <a:defRPr sz="1800">
+            </a:lvl3pPr>
+            <a:lvl4pPr marL="1371600" indent="0">
+              <a:buNone/>
+              <a:defRPr sz="1400">
                 <a:solidFill>
                   <a:schemeClr val="tx1">
                     <a:tint val="75000"/>
                   </a:schemeClr>
                 </a:solidFill>
               </a:defRPr>
-            </a:lvl3pPr>
-            <a:lvl4pPr marL="1371600" indent="0">
-              <a:buNone/>
-              <a:defRPr sz="1600">
+            </a:lvl4pPr>
+            <a:lvl5pPr marL="1828800" indent="0">
+              <a:buNone/>
+              <a:defRPr sz="1400">
                 <a:solidFill>
                   <a:schemeClr val="tx1">
                     <a:tint val="75000"/>
                   </a:schemeClr>
                 </a:solidFill>
               </a:defRPr>
-            </a:lvl4pPr>
-            <a:lvl5pPr marL="1828800" indent="0">
-              <a:buNone/>
-              <a:defRPr sz="1600">
+            </a:lvl5pPr>
+            <a:lvl6pPr marL="2286000" indent="0">
+              <a:buNone/>
+              <a:defRPr sz="1400">
                 <a:solidFill>
                   <a:schemeClr val="tx1">
                     <a:tint val="75000"/>
                   </a:schemeClr>
                 </a:solidFill>
               </a:defRPr>
-            </a:lvl5pPr>
-            <a:lvl6pPr marL="2286000" indent="0">
-              <a:buNone/>
-              <a:defRPr sz="1600">
+            </a:lvl6pPr>
+            <a:lvl7pPr marL="2743200" indent="0">
+              <a:buNone/>
+              <a:defRPr sz="1400">
                 <a:solidFill>
                   <a:schemeClr val="tx1">
                     <a:tint val="75000"/>
                   </a:schemeClr>
                 </a:solidFill>
               </a:defRPr>
-            </a:lvl6pPr>
-            <a:lvl7pPr marL="2743200" indent="0">
-              <a:buNone/>
-              <a:defRPr sz="1600">
+            </a:lvl7pPr>
+            <a:lvl8pPr marL="3200400" indent="0">
+              <a:buNone/>
+              <a:defRPr sz="1400">
                 <a:solidFill>
                   <a:schemeClr val="tx1">
                     <a:tint val="75000"/>
                   </a:schemeClr>
                 </a:solidFill>
               </a:defRPr>
-            </a:lvl7pPr>
-            <a:lvl8pPr marL="3200400" indent="0">
-              <a:buNone/>
-              <a:defRPr sz="1600">
+            </a:lvl8pPr>
+            <a:lvl9pPr marL="3657600" indent="0">
+              <a:buNone/>
+              <a:defRPr sz="1400">
                 <a:solidFill>
                   <a:schemeClr val="tx1">
                     <a:tint val="75000"/>
                   </a:schemeClr>
                 </a:solidFill>
               </a:defRPr>
-            </a:lvl8pPr>
-            <a:lvl9pPr marL="3657600" indent="0">
-              <a:buNone/>
-              <a:defRPr sz="1600">
-                <a:solidFill>
-                  <a:schemeClr val="tx1">
-                    <a:tint val="75000"/>
-                  </a:schemeClr>
-                </a:solidFill>
-              </a:defRPr>
             </a:lvl9pPr>
           </a:lstStyle>
           <a:p>
@@ -1112,13 +3225,7 @@
       </p:sp>
       <p:sp>
         <p:nvSpPr>
-          <p:cNvPr id="4" name="Dátum helye 3">
-            <a:extLst>
-              <a:ext uri="{FF2B5EF4-FFF2-40B4-BE49-F238E27FC236}">
-                <a16:creationId xmlns:a16="http://schemas.microsoft.com/office/drawing/2014/main" id="{AF01D345-6B6A-4434-975F-9B99BA55DF13}"/>
-              </a:ext>
-            </a:extLst>
-          </p:cNvPr>
+          <p:cNvPr id="4" name="Date Placeholder 3"/>
           <p:cNvSpPr>
             <a:spLocks noGrp="1"/>
           </p:cNvSpPr>
@@ -1141,13 +3248,7 @@
       </p:sp>
       <p:sp>
         <p:nvSpPr>
-          <p:cNvPr id="5" name="Élőláb helye 4">
-            <a:extLst>
-              <a:ext uri="{FF2B5EF4-FFF2-40B4-BE49-F238E27FC236}">
-                <a16:creationId xmlns:a16="http://schemas.microsoft.com/office/drawing/2014/main" id="{E3D6857F-0215-465C-913B-5167D1D7069A}"/>
-              </a:ext>
-            </a:extLst>
-          </p:cNvPr>
+          <p:cNvPr id="5" name="Footer Placeholder 4"/>
           <p:cNvSpPr>
             <a:spLocks noGrp="1"/>
           </p:cNvSpPr>
@@ -1166,13 +3267,7 @@
       </p:sp>
       <p:sp>
         <p:nvSpPr>
-          <p:cNvPr id="6" name="Dia számának helye 5">
-            <a:extLst>
-              <a:ext uri="{FF2B5EF4-FFF2-40B4-BE49-F238E27FC236}">
-                <a16:creationId xmlns:a16="http://schemas.microsoft.com/office/drawing/2014/main" id="{A10193DC-65C1-446B-8205-610DB72FECB7}"/>
-              </a:ext>
-            </a:extLst>
-          </p:cNvPr>
+          <p:cNvPr id="6" name="Slide Number Placeholder 5"/>
           <p:cNvSpPr>
             <a:spLocks noGrp="1"/>
           </p:cNvSpPr>
@@ -1196,7 +3291,7 @@
     </p:spTree>
     <p:extLst>
       <p:ext uri="{BB962C8B-B14F-4D97-AF65-F5344CB8AC3E}">
-        <p14:creationId xmlns:p14="http://schemas.microsoft.com/office/powerpoint/2010/main" val="4196942049"/>
+        <p14:creationId xmlns:p14="http://schemas.microsoft.com/office/powerpoint/2010/main" val="4265419478"/>
       </p:ext>
     </p:extLst>
   </p:cSld>
@@ -1225,13 +3320,7 @@
       </p:grpSpPr>
       <p:sp>
         <p:nvSpPr>
-          <p:cNvPr id="2" name="Cím 1">
-            <a:extLst>
-              <a:ext uri="{FF2B5EF4-FFF2-40B4-BE49-F238E27FC236}">
-                <a16:creationId xmlns:a16="http://schemas.microsoft.com/office/drawing/2014/main" id="{4F90E99E-D334-436F-B4B0-E84F25C1D618}"/>
-              </a:ext>
-            </a:extLst>
-          </p:cNvPr>
+          <p:cNvPr id="2" name="Title 1"/>
           <p:cNvSpPr>
             <a:spLocks noGrp="1"/>
           </p:cNvSpPr>
@@ -1248,18 +3337,13 @@
               <a:rPr lang="hu-HU"/>
               <a:t>Mintacím szerkesztése</a:t>
             </a:r>
-          </a:p>
-        </p:txBody>
-      </p:sp>
-      <p:sp>
-        <p:nvSpPr>
-          <p:cNvPr id="3" name="Tartalom helye 2">
-            <a:extLst>
-              <a:ext uri="{FF2B5EF4-FFF2-40B4-BE49-F238E27FC236}">
-                <a16:creationId xmlns:a16="http://schemas.microsoft.com/office/drawing/2014/main" id="{7130D4C8-B459-4D9C-A0C2-AFF7E86E95A8}"/>
-              </a:ext>
-            </a:extLst>
-          </p:cNvPr>
+            <a:endParaRPr lang="en-US" dirty="0"/>
+          </a:p>
+        </p:txBody>
+      </p:sp>
+      <p:sp>
+        <p:nvSpPr>
+          <p:cNvPr id="3" name="Content Placeholder 2"/>
           <p:cNvSpPr>
             <a:spLocks noGrp="1"/>
           </p:cNvSpPr>
@@ -1269,8 +3353,8 @@
         </p:nvSpPr>
         <p:spPr>
           <a:xfrm>
-            <a:off x="838200" y="1825625"/>
-            <a:ext cx="5181600" cy="4351338"/>
+            <a:off x="677334" y="2160589"/>
+            <a:ext cx="4184035" cy="3880772"/>
           </a:xfrm>
         </p:spPr>
         <p:txBody>
@@ -1310,18 +3394,13 @@
               <a:rPr lang="hu-HU"/>
               <a:t>Ötödik szint</a:t>
             </a:r>
-          </a:p>
-        </p:txBody>
-      </p:sp>
-      <p:sp>
-        <p:nvSpPr>
-          <p:cNvPr id="4" name="Tartalom helye 3">
-            <a:extLst>
-              <a:ext uri="{FF2B5EF4-FFF2-40B4-BE49-F238E27FC236}">
-                <a16:creationId xmlns:a16="http://schemas.microsoft.com/office/drawing/2014/main" id="{EF73C12B-74B4-4FD6-9AC6-8DA7085FDF9F}"/>
-              </a:ext>
-            </a:extLst>
-          </p:cNvPr>
+            <a:endParaRPr lang="en-US" dirty="0"/>
+          </a:p>
+        </p:txBody>
+      </p:sp>
+      <p:sp>
+        <p:nvSpPr>
+          <p:cNvPr id="4" name="Content Placeholder 3"/>
           <p:cNvSpPr>
             <a:spLocks noGrp="1"/>
           </p:cNvSpPr>
@@ -1331,8 +3410,8 @@
         </p:nvSpPr>
         <p:spPr>
           <a:xfrm>
-            <a:off x="6172200" y="1825625"/>
-            <a:ext cx="5181600" cy="4351338"/>
+            <a:off x="5089970" y="2160589"/>
+            <a:ext cx="4184034" cy="3880773"/>
           </a:xfrm>
         </p:spPr>
         <p:txBody>
@@ -1372,18 +3451,13 @@
               <a:rPr lang="hu-HU"/>
               <a:t>Ötödik szint</a:t>
             </a:r>
-          </a:p>
-        </p:txBody>
-      </p:sp>
-      <p:sp>
-        <p:nvSpPr>
-          <p:cNvPr id="5" name="Dátum helye 4">
-            <a:extLst>
-              <a:ext uri="{FF2B5EF4-FFF2-40B4-BE49-F238E27FC236}">
-                <a16:creationId xmlns:a16="http://schemas.microsoft.com/office/drawing/2014/main" id="{CDB7D6CC-7611-46DF-A0FE-F0CF7772E9A9}"/>
-              </a:ext>
-            </a:extLst>
-          </p:cNvPr>
+            <a:endParaRPr lang="en-US" dirty="0"/>
+          </a:p>
+        </p:txBody>
+      </p:sp>
+      <p:sp>
+        <p:nvSpPr>
+          <p:cNvPr id="5" name="Date Placeholder 4"/>
           <p:cNvSpPr>
             <a:spLocks noGrp="1"/>
           </p:cNvSpPr>
@@ -1406,13 +3480,7 @@
       </p:sp>
       <p:sp>
         <p:nvSpPr>
-          <p:cNvPr id="6" name="Élőláb helye 5">
-            <a:extLst>
-              <a:ext uri="{FF2B5EF4-FFF2-40B4-BE49-F238E27FC236}">
-                <a16:creationId xmlns:a16="http://schemas.microsoft.com/office/drawing/2014/main" id="{8CAB52C2-7B16-46F6-A8AD-FAB5F67A49FE}"/>
-              </a:ext>
-            </a:extLst>
-          </p:cNvPr>
+          <p:cNvPr id="6" name="Footer Placeholder 5"/>
           <p:cNvSpPr>
             <a:spLocks noGrp="1"/>
           </p:cNvSpPr>
@@ -1431,13 +3499,7 @@
       </p:sp>
       <p:sp>
         <p:nvSpPr>
-          <p:cNvPr id="7" name="Dia számának helye 6">
-            <a:extLst>
-              <a:ext uri="{FF2B5EF4-FFF2-40B4-BE49-F238E27FC236}">
-                <a16:creationId xmlns:a16="http://schemas.microsoft.com/office/drawing/2014/main" id="{480D8E6C-FB34-4EA3-9131-1EA96C022C6F}"/>
-              </a:ext>
-            </a:extLst>
-          </p:cNvPr>
+          <p:cNvPr id="7" name="Slide Number Placeholder 6"/>
           <p:cNvSpPr>
             <a:spLocks noGrp="1"/>
           </p:cNvSpPr>
@@ -1461,7 +3523,7 @@
     </p:spTree>
     <p:extLst>
       <p:ext uri="{BB962C8B-B14F-4D97-AF65-F5344CB8AC3E}">
-        <p14:creationId xmlns:p14="http://schemas.microsoft.com/office/powerpoint/2010/main" val="3752655465"/>
+        <p14:creationId xmlns:p14="http://schemas.microsoft.com/office/powerpoint/2010/main" val="1387759246"/>
       </p:ext>
     </p:extLst>
   </p:cSld>
@@ -1490,65 +3552,55 @@
       </p:grpSpPr>
       <p:sp>
         <p:nvSpPr>
-          <p:cNvPr id="2" name="Cím 1">
-            <a:extLst>
-              <a:ext uri="{FF2B5EF4-FFF2-40B4-BE49-F238E27FC236}">
-                <a16:creationId xmlns:a16="http://schemas.microsoft.com/office/drawing/2014/main" id="{55A497D1-4666-4B74-8207-910042802500}"/>
-              </a:ext>
-            </a:extLst>
-          </p:cNvPr>
+          <p:cNvPr id="2" name="Title 1"/>
           <p:cNvSpPr>
             <a:spLocks noGrp="1"/>
           </p:cNvSpPr>
           <p:nvPr>
             <p:ph type="title"/>
+          </p:nvPr>
+        </p:nvSpPr>
+        <p:spPr/>
+        <p:txBody>
+          <a:bodyPr/>
+          <a:lstStyle>
+            <a:lvl1pPr>
+              <a:defRPr/>
+            </a:lvl1pPr>
+          </a:lstStyle>
+          <a:p>
+            <a:r>
+              <a:rPr lang="hu-HU"/>
+              <a:t>Mintacím szerkesztése</a:t>
+            </a:r>
+            <a:endParaRPr lang="en-US" dirty="0"/>
+          </a:p>
+        </p:txBody>
+      </p:sp>
+      <p:sp>
+        <p:nvSpPr>
+          <p:cNvPr id="3" name="Text Placeholder 2"/>
+          <p:cNvSpPr>
+            <a:spLocks noGrp="1"/>
+          </p:cNvSpPr>
+          <p:nvPr>
+            <p:ph type="body" idx="1"/>
           </p:nvPr>
         </p:nvSpPr>
         <p:spPr>
           <a:xfrm>
-            <a:off x="839788" y="365125"/>
-            <a:ext cx="10515600" cy="1325563"/>
+            <a:off x="675745" y="2160983"/>
+            <a:ext cx="4185623" cy="576262"/>
           </a:xfrm>
         </p:spPr>
         <p:txBody>
-          <a:bodyPr/>
-          <a:lstStyle/>
-          <a:p>
-            <a:r>
-              <a:rPr lang="hu-HU"/>
-              <a:t>Mintacím szerkesztése</a:t>
-            </a:r>
-          </a:p>
-        </p:txBody>
-      </p:sp>
-      <p:sp>
-        <p:nvSpPr>
-          <p:cNvPr id="3" name="Szöveg helye 2">
-            <a:extLst>
-              <a:ext uri="{FF2B5EF4-FFF2-40B4-BE49-F238E27FC236}">
-                <a16:creationId xmlns:a16="http://schemas.microsoft.com/office/drawing/2014/main" id="{01DB8A34-588A-41BC-8255-F3E1F5C2CC9B}"/>
-              </a:ext>
-            </a:extLst>
-          </p:cNvPr>
-          <p:cNvSpPr>
-            <a:spLocks noGrp="1"/>
-          </p:cNvSpPr>
-          <p:nvPr>
-            <p:ph type="body" idx="1"/>
-          </p:nvPr>
-        </p:nvSpPr>
-        <p:spPr>
-          <a:xfrm>
-            <a:off x="839788" y="1681163"/>
-            <a:ext cx="5157787" cy="823912"/>
-          </a:xfrm>
-        </p:spPr>
-        <p:txBody>
-          <a:bodyPr anchor="b"/>
+          <a:bodyPr anchor="b">
+            <a:noAutofit/>
+          </a:bodyPr>
           <a:lstStyle>
             <a:lvl1pPr marL="0" indent="0">
               <a:buNone/>
-              <a:defRPr sz="2400" b="1"/>
+              <a:defRPr sz="2400" b="0"/>
             </a:lvl1pPr>
             <a:lvl2pPr marL="457200" indent="0">
               <a:buNone/>
@@ -1594,13 +3646,7 @@
       </p:sp>
       <p:sp>
         <p:nvSpPr>
-          <p:cNvPr id="4" name="Tartalom helye 3">
-            <a:extLst>
-              <a:ext uri="{FF2B5EF4-FFF2-40B4-BE49-F238E27FC236}">
-                <a16:creationId xmlns:a16="http://schemas.microsoft.com/office/drawing/2014/main" id="{496949F2-4C5A-46D1-A502-A765153F1D03}"/>
-              </a:ext>
-            </a:extLst>
-          </p:cNvPr>
+          <p:cNvPr id="4" name="Content Placeholder 3"/>
           <p:cNvSpPr>
             <a:spLocks noGrp="1"/>
           </p:cNvSpPr>
@@ -1610,12 +3656,14 @@
         </p:nvSpPr>
         <p:spPr>
           <a:xfrm>
-            <a:off x="839788" y="2505075"/>
-            <a:ext cx="5157787" cy="3684588"/>
+            <a:off x="675745" y="2737245"/>
+            <a:ext cx="4185623" cy="3304117"/>
           </a:xfrm>
         </p:spPr>
         <p:txBody>
-          <a:bodyPr/>
+          <a:bodyPr>
+            <a:normAutofit/>
+          </a:bodyPr>
           <a:lstStyle/>
           <a:p>
             <a:pPr lvl="0"/>
@@ -1651,18 +3699,13 @@
               <a:rPr lang="hu-HU"/>
               <a:t>Ötödik szint</a:t>
             </a:r>
-          </a:p>
-        </p:txBody>
-      </p:sp>
-      <p:sp>
-        <p:nvSpPr>
-          <p:cNvPr id="5" name="Szöveg helye 4">
-            <a:extLst>
-              <a:ext uri="{FF2B5EF4-FFF2-40B4-BE49-F238E27FC236}">
-                <a16:creationId xmlns:a16="http://schemas.microsoft.com/office/drawing/2014/main" id="{2335E20A-C417-46BC-8306-9946E6E5A548}"/>
-              </a:ext>
-            </a:extLst>
-          </p:cNvPr>
+            <a:endParaRPr lang="en-US" dirty="0"/>
+          </a:p>
+        </p:txBody>
+      </p:sp>
+      <p:sp>
+        <p:nvSpPr>
+          <p:cNvPr id="5" name="Text Placeholder 4"/>
           <p:cNvSpPr>
             <a:spLocks noGrp="1"/>
           </p:cNvSpPr>
@@ -1672,16 +3715,18 @@
         </p:nvSpPr>
         <p:spPr>
           <a:xfrm>
-            <a:off x="6172200" y="1681163"/>
-            <a:ext cx="5183188" cy="823912"/>
+            <a:off x="5088383" y="2160983"/>
+            <a:ext cx="4185618" cy="576262"/>
           </a:xfrm>
         </p:spPr>
         <p:txBody>
-          <a:bodyPr anchor="b"/>
+          <a:bodyPr anchor="b">
+            <a:noAutofit/>
+          </a:bodyPr>
           <a:lstStyle>
             <a:lvl1pPr marL="0" indent="0">
               <a:buNone/>
-              <a:defRPr sz="2400" b="1"/>
+              <a:defRPr sz="2400" b="0"/>
             </a:lvl1pPr>
             <a:lvl2pPr marL="457200" indent="0">
               <a:buNone/>
@@ -1727,13 +3772,7 @@
       </p:sp>
       <p:sp>
         <p:nvSpPr>
-          <p:cNvPr id="6" name="Tartalom helye 5">
-            <a:extLst>
-              <a:ext uri="{FF2B5EF4-FFF2-40B4-BE49-F238E27FC236}">
-                <a16:creationId xmlns:a16="http://schemas.microsoft.com/office/drawing/2014/main" id="{4BD34D16-6D2D-4A1D-93D5-71937FD80005}"/>
-              </a:ext>
-            </a:extLst>
-          </p:cNvPr>
+          <p:cNvPr id="6" name="Content Placeholder 5"/>
           <p:cNvSpPr>
             <a:spLocks noGrp="1"/>
           </p:cNvSpPr>
@@ -1743,12 +3782,14 @@
         </p:nvSpPr>
         <p:spPr>
           <a:xfrm>
-            <a:off x="6172200" y="2505075"/>
-            <a:ext cx="5183188" cy="3684588"/>
+            <a:off x="5088384" y="2737245"/>
+            <a:ext cx="4185617" cy="3304117"/>
           </a:xfrm>
         </p:spPr>
         <p:txBody>
-          <a:bodyPr/>
+          <a:bodyPr>
+            <a:normAutofit/>
+          </a:bodyPr>
           <a:lstStyle/>
           <a:p>
             <a:pPr lvl="0"/>
@@ -1784,18 +3825,13 @@
               <a:rPr lang="hu-HU"/>
               <a:t>Ötödik szint</a:t>
             </a:r>
-          </a:p>
-        </p:txBody>
-      </p:sp>
-      <p:sp>
-        <p:nvSpPr>
-          <p:cNvPr id="7" name="Dátum helye 6">
-            <a:extLst>
-              <a:ext uri="{FF2B5EF4-FFF2-40B4-BE49-F238E27FC236}">
-                <a16:creationId xmlns:a16="http://schemas.microsoft.com/office/drawing/2014/main" id="{FADEC2E4-C7C1-436A-A334-422F658AAA61}"/>
-              </a:ext>
-            </a:extLst>
-          </p:cNvPr>
+            <a:endParaRPr lang="en-US" dirty="0"/>
+          </a:p>
+        </p:txBody>
+      </p:sp>
+      <p:sp>
+        <p:nvSpPr>
+          <p:cNvPr id="7" name="Date Placeholder 6"/>
           <p:cNvSpPr>
             <a:spLocks noGrp="1"/>
           </p:cNvSpPr>
@@ -1818,13 +3854,7 @@
       </p:sp>
       <p:sp>
         <p:nvSpPr>
-          <p:cNvPr id="8" name="Élőláb helye 7">
-            <a:extLst>
-              <a:ext uri="{FF2B5EF4-FFF2-40B4-BE49-F238E27FC236}">
-                <a16:creationId xmlns:a16="http://schemas.microsoft.com/office/drawing/2014/main" id="{99D18061-B65A-4C24-AD3F-1D64420C334A}"/>
-              </a:ext>
-            </a:extLst>
-          </p:cNvPr>
+          <p:cNvPr id="8" name="Footer Placeholder 7"/>
           <p:cNvSpPr>
             <a:spLocks noGrp="1"/>
           </p:cNvSpPr>
@@ -1843,13 +3873,7 @@
       </p:sp>
       <p:sp>
         <p:nvSpPr>
-          <p:cNvPr id="9" name="Dia számának helye 8">
-            <a:extLst>
-              <a:ext uri="{FF2B5EF4-FFF2-40B4-BE49-F238E27FC236}">
-                <a16:creationId xmlns:a16="http://schemas.microsoft.com/office/drawing/2014/main" id="{6E7F08CA-2DDF-4CD3-8CB8-B3DC694CD372}"/>
-              </a:ext>
-            </a:extLst>
-          </p:cNvPr>
+          <p:cNvPr id="9" name="Slide Number Placeholder 8"/>
           <p:cNvSpPr>
             <a:spLocks noGrp="1"/>
           </p:cNvSpPr>
@@ -1873,7 +3897,7 @@
     </p:spTree>
     <p:extLst>
       <p:ext uri="{BB962C8B-B14F-4D97-AF65-F5344CB8AC3E}">
-        <p14:creationId xmlns:p14="http://schemas.microsoft.com/office/powerpoint/2010/main" val="3515935878"/>
+        <p14:creationId xmlns:p14="http://schemas.microsoft.com/office/powerpoint/2010/main" val="450076243"/>
       </p:ext>
     </p:extLst>
   </p:cSld>
@@ -1902,13 +3926,7 @@
       </p:grpSpPr>
       <p:sp>
         <p:nvSpPr>
-          <p:cNvPr id="2" name="Cím 1">
-            <a:extLst>
-              <a:ext uri="{FF2B5EF4-FFF2-40B4-BE49-F238E27FC236}">
-                <a16:creationId xmlns:a16="http://schemas.microsoft.com/office/drawing/2014/main" id="{C366AA09-B9BD-4687-B738-49F2CB961185}"/>
-              </a:ext>
-            </a:extLst>
-          </p:cNvPr>
+          <p:cNvPr id="2" name="Title 1"/>
           <p:cNvSpPr>
             <a:spLocks noGrp="1"/>
           </p:cNvSpPr>
@@ -1916,7 +3934,12 @@
             <p:ph type="title"/>
           </p:nvPr>
         </p:nvSpPr>
-        <p:spPr/>
+        <p:spPr>
+          <a:xfrm>
+            <a:off x="677334" y="609600"/>
+            <a:ext cx="8596668" cy="1320800"/>
+          </a:xfrm>
+        </p:spPr>
         <p:txBody>
           <a:bodyPr/>
           <a:lstStyle/>
@@ -1925,18 +3948,13 @@
               <a:rPr lang="hu-HU"/>
               <a:t>Mintacím szerkesztése</a:t>
             </a:r>
-          </a:p>
-        </p:txBody>
-      </p:sp>
-      <p:sp>
-        <p:nvSpPr>
-          <p:cNvPr id="3" name="Dátum helye 2">
-            <a:extLst>
-              <a:ext uri="{FF2B5EF4-FFF2-40B4-BE49-F238E27FC236}">
-                <a16:creationId xmlns:a16="http://schemas.microsoft.com/office/drawing/2014/main" id="{2F4D1907-D562-4FE3-AFD0-60EFF1477496}"/>
-              </a:ext>
-            </a:extLst>
-          </p:cNvPr>
+            <a:endParaRPr lang="en-US" dirty="0"/>
+          </a:p>
+        </p:txBody>
+      </p:sp>
+      <p:sp>
+        <p:nvSpPr>
+          <p:cNvPr id="3" name="Date Placeholder 2"/>
           <p:cNvSpPr>
             <a:spLocks noGrp="1"/>
           </p:cNvSpPr>
@@ -1959,13 +3977,7 @@
       </p:sp>
       <p:sp>
         <p:nvSpPr>
-          <p:cNvPr id="4" name="Élőláb helye 3">
-            <a:extLst>
-              <a:ext uri="{FF2B5EF4-FFF2-40B4-BE49-F238E27FC236}">
-                <a16:creationId xmlns:a16="http://schemas.microsoft.com/office/drawing/2014/main" id="{B3B4AA82-4274-4DF3-9BE0-3774B90DD641}"/>
-              </a:ext>
-            </a:extLst>
-          </p:cNvPr>
+          <p:cNvPr id="4" name="Footer Placeholder 3"/>
           <p:cNvSpPr>
             <a:spLocks noGrp="1"/>
           </p:cNvSpPr>
@@ -1984,13 +3996,7 @@
       </p:sp>
       <p:sp>
         <p:nvSpPr>
-          <p:cNvPr id="5" name="Dia számának helye 4">
-            <a:extLst>
-              <a:ext uri="{FF2B5EF4-FFF2-40B4-BE49-F238E27FC236}">
-                <a16:creationId xmlns:a16="http://schemas.microsoft.com/office/drawing/2014/main" id="{89846994-F3D3-4461-9651-31D7A028D7BD}"/>
-              </a:ext>
-            </a:extLst>
-          </p:cNvPr>
+          <p:cNvPr id="5" name="Slide Number Placeholder 4"/>
           <p:cNvSpPr>
             <a:spLocks noGrp="1"/>
           </p:cNvSpPr>
@@ -2014,7 +4020,7 @@
     </p:spTree>
     <p:extLst>
       <p:ext uri="{BB962C8B-B14F-4D97-AF65-F5344CB8AC3E}">
-        <p14:creationId xmlns:p14="http://schemas.microsoft.com/office/powerpoint/2010/main" val="4113501315"/>
+        <p14:creationId xmlns:p14="http://schemas.microsoft.com/office/powerpoint/2010/main" val="4268242397"/>
       </p:ext>
     </p:extLst>
   </p:cSld>
@@ -2043,13 +4049,7 @@
       </p:grpSpPr>
       <p:sp>
         <p:nvSpPr>
-          <p:cNvPr id="2" name="Dátum helye 1">
-            <a:extLst>
-              <a:ext uri="{FF2B5EF4-FFF2-40B4-BE49-F238E27FC236}">
-                <a16:creationId xmlns:a16="http://schemas.microsoft.com/office/drawing/2014/main" id="{572ED7BA-196A-45E8-AE0B-4284898A107C}"/>
-              </a:ext>
-            </a:extLst>
-          </p:cNvPr>
+          <p:cNvPr id="2" name="Date Placeholder 1"/>
           <p:cNvSpPr>
             <a:spLocks noGrp="1"/>
           </p:cNvSpPr>
@@ -2072,13 +4072,7 @@
       </p:sp>
       <p:sp>
         <p:nvSpPr>
-          <p:cNvPr id="3" name="Élőláb helye 2">
-            <a:extLst>
-              <a:ext uri="{FF2B5EF4-FFF2-40B4-BE49-F238E27FC236}">
-                <a16:creationId xmlns:a16="http://schemas.microsoft.com/office/drawing/2014/main" id="{322D514D-0639-48C9-B375-7CDEE532C751}"/>
-              </a:ext>
-            </a:extLst>
-          </p:cNvPr>
+          <p:cNvPr id="3" name="Footer Placeholder 2"/>
           <p:cNvSpPr>
             <a:spLocks noGrp="1"/>
           </p:cNvSpPr>
@@ -2097,13 +4091,7 @@
       </p:sp>
       <p:sp>
         <p:nvSpPr>
-          <p:cNvPr id="4" name="Dia számának helye 3">
-            <a:extLst>
-              <a:ext uri="{FF2B5EF4-FFF2-40B4-BE49-F238E27FC236}">
-                <a16:creationId xmlns:a16="http://schemas.microsoft.com/office/drawing/2014/main" id="{4367F5EB-2251-4F2A-9152-E3B46A1AE411}"/>
-              </a:ext>
-            </a:extLst>
-          </p:cNvPr>
+          <p:cNvPr id="4" name="Slide Number Placeholder 3"/>
           <p:cNvSpPr>
             <a:spLocks noGrp="1"/>
           </p:cNvSpPr>
@@ -2127,7 +4115,7 @@
     </p:spTree>
     <p:extLst>
       <p:ext uri="{BB962C8B-B14F-4D97-AF65-F5344CB8AC3E}">
-        <p14:creationId xmlns:p14="http://schemas.microsoft.com/office/powerpoint/2010/main" val="576840129"/>
+        <p14:creationId xmlns:p14="http://schemas.microsoft.com/office/powerpoint/2010/main" val="3655491342"/>
       </p:ext>
     </p:extLst>
   </p:cSld>
@@ -2156,13 +4144,7 @@
       </p:grpSpPr>
       <p:sp>
         <p:nvSpPr>
-          <p:cNvPr id="2" name="Cím 1">
-            <a:extLst>
-              <a:ext uri="{FF2B5EF4-FFF2-40B4-BE49-F238E27FC236}">
-                <a16:creationId xmlns:a16="http://schemas.microsoft.com/office/drawing/2014/main" id="{ADA954C1-57DF-4B8C-B12F-77C66B678FCA}"/>
-              </a:ext>
-            </a:extLst>
-          </p:cNvPr>
+          <p:cNvPr id="2" name="Title 1"/>
           <p:cNvSpPr>
             <a:spLocks noGrp="1"/>
           </p:cNvSpPr>
@@ -2172,15 +4154,17 @@
         </p:nvSpPr>
         <p:spPr>
           <a:xfrm>
-            <a:off x="839788" y="457200"/>
-            <a:ext cx="3932237" cy="1600200"/>
+            <a:off x="677334" y="1498604"/>
+            <a:ext cx="3854528" cy="1278466"/>
           </a:xfrm>
         </p:spPr>
         <p:txBody>
-          <a:bodyPr anchor="b"/>
+          <a:bodyPr anchor="b">
+            <a:normAutofit/>
+          </a:bodyPr>
           <a:lstStyle>
             <a:lvl1pPr>
-              <a:defRPr sz="3200"/>
+              <a:defRPr sz="2000"/>
             </a:lvl1pPr>
           </a:lstStyle>
           <a:p>
@@ -2188,18 +4172,13 @@
               <a:rPr lang="hu-HU"/>
               <a:t>Mintacím szerkesztése</a:t>
             </a:r>
-          </a:p>
-        </p:txBody>
-      </p:sp>
-      <p:sp>
-        <p:nvSpPr>
-          <p:cNvPr id="3" name="Tartalom helye 2">
-            <a:extLst>
-              <a:ext uri="{FF2B5EF4-FFF2-40B4-BE49-F238E27FC236}">
-                <a16:creationId xmlns:a16="http://schemas.microsoft.com/office/drawing/2014/main" id="{2B6A3217-0A09-41D8-B574-9D8095DB35BC}"/>
-              </a:ext>
-            </a:extLst>
-          </p:cNvPr>
+            <a:endParaRPr lang="en-US" dirty="0"/>
+          </a:p>
+        </p:txBody>
+      </p:sp>
+      <p:sp>
+        <p:nvSpPr>
+          <p:cNvPr id="3" name="Content Placeholder 2"/>
           <p:cNvSpPr>
             <a:spLocks noGrp="1"/>
           </p:cNvSpPr>
@@ -2209,41 +4188,15 @@
         </p:nvSpPr>
         <p:spPr>
           <a:xfrm>
-            <a:off x="5183188" y="987425"/>
-            <a:ext cx="6172200" cy="4873625"/>
+            <a:off x="4760461" y="514924"/>
+            <a:ext cx="4513541" cy="5526437"/>
           </a:xfrm>
         </p:spPr>
         <p:txBody>
-          <a:bodyPr/>
-          <a:lstStyle>
-            <a:lvl1pPr>
-              <a:defRPr sz="3200"/>
-            </a:lvl1pPr>
-            <a:lvl2pPr>
-              <a:defRPr sz="2800"/>
-            </a:lvl2pPr>
-            <a:lvl3pPr>
-              <a:defRPr sz="2400"/>
-            </a:lvl3pPr>
-            <a:lvl4pPr>
-              <a:defRPr sz="2000"/>
-            </a:lvl4pPr>
-            <a:lvl5pPr>
-              <a:defRPr sz="2000"/>
-            </a:lvl5pPr>
-            <a:lvl6pPr>
-              <a:defRPr sz="2000"/>
-            </a:lvl6pPr>
-            <a:lvl7pPr>
-              <a:defRPr sz="2000"/>
-            </a:lvl7pPr>
-            <a:lvl8pPr>
-              <a:defRPr sz="2000"/>
-            </a:lvl8pPr>
-            <a:lvl9pPr>
-              <a:defRPr sz="2000"/>
-            </a:lvl9pPr>
-          </a:lstStyle>
+          <a:bodyPr>
+            <a:normAutofit/>
+          </a:bodyPr>
+          <a:lstStyle/>
           <a:p>
             <a:pPr lvl="0"/>
             <a:r>
@@ -2278,18 +4231,13 @@
               <a:rPr lang="hu-HU"/>
               <a:t>Ötödik szint</a:t>
             </a:r>
-          </a:p>
-        </p:txBody>
-      </p:sp>
-      <p:sp>
-        <p:nvSpPr>
-          <p:cNvPr id="4" name="Szöveg helye 3">
-            <a:extLst>
-              <a:ext uri="{FF2B5EF4-FFF2-40B4-BE49-F238E27FC236}">
-                <a16:creationId xmlns:a16="http://schemas.microsoft.com/office/drawing/2014/main" id="{99598312-35AD-478B-8F21-3EF74C22B3E8}"/>
-              </a:ext>
-            </a:extLst>
-          </p:cNvPr>
+            <a:endParaRPr lang="en-US" dirty="0"/>
+          </a:p>
+        </p:txBody>
+      </p:sp>
+      <p:sp>
+        <p:nvSpPr>
+          <p:cNvPr id="4" name="Text Placeholder 3"/>
           <p:cNvSpPr>
             <a:spLocks noGrp="1"/>
           </p:cNvSpPr>
@@ -2299,46 +4247,48 @@
         </p:nvSpPr>
         <p:spPr>
           <a:xfrm>
-            <a:off x="839788" y="2057400"/>
-            <a:ext cx="3932237" cy="3811588"/>
+            <a:off x="677334" y="2777069"/>
+            <a:ext cx="3854528" cy="2584449"/>
           </a:xfrm>
         </p:spPr>
         <p:txBody>
-          <a:bodyPr/>
+          <a:bodyPr>
+            <a:normAutofit/>
+          </a:bodyPr>
           <a:lstStyle>
             <a:lvl1pPr marL="0" indent="0">
               <a:buNone/>
-              <a:defRPr sz="1600"/>
+              <a:defRPr sz="1400"/>
             </a:lvl1pPr>
-            <a:lvl2pPr marL="457200" indent="0">
+            <a:lvl2pPr marL="457063" indent="0">
               <a:buNone/>
               <a:defRPr sz="1400"/>
             </a:lvl2pPr>
-            <a:lvl3pPr marL="914400" indent="0">
+            <a:lvl3pPr marL="914126" indent="0">
               <a:buNone/>
               <a:defRPr sz="1200"/>
             </a:lvl3pPr>
-            <a:lvl4pPr marL="1371600" indent="0">
+            <a:lvl4pPr marL="1371189" indent="0">
               <a:buNone/>
               <a:defRPr sz="1000"/>
             </a:lvl4pPr>
-            <a:lvl5pPr marL="1828800" indent="0">
+            <a:lvl5pPr marL="1828251" indent="0">
               <a:buNone/>
               <a:defRPr sz="1000"/>
             </a:lvl5pPr>
-            <a:lvl6pPr marL="2286000" indent="0">
+            <a:lvl6pPr marL="2285314" indent="0">
               <a:buNone/>
               <a:defRPr sz="1000"/>
             </a:lvl6pPr>
-            <a:lvl7pPr marL="2743200" indent="0">
+            <a:lvl7pPr marL="2742377" indent="0">
               <a:buNone/>
               <a:defRPr sz="1000"/>
             </a:lvl7pPr>
-            <a:lvl8pPr marL="3200400" indent="0">
+            <a:lvl8pPr marL="3199440" indent="0">
               <a:buNone/>
               <a:defRPr sz="1000"/>
             </a:lvl8pPr>
-            <a:lvl9pPr marL="3657600" indent="0">
+            <a:lvl9pPr marL="3656503" indent="0">
               <a:buNone/>
               <a:defRPr sz="1000"/>
             </a:lvl9pPr>
@@ -2354,13 +4304,7 @@
       </p:sp>
       <p:sp>
         <p:nvSpPr>
-          <p:cNvPr id="5" name="Dátum helye 4">
-            <a:extLst>
-              <a:ext uri="{FF2B5EF4-FFF2-40B4-BE49-F238E27FC236}">
-                <a16:creationId xmlns:a16="http://schemas.microsoft.com/office/drawing/2014/main" id="{334E8AE1-1595-4CFA-B353-CC29D7DDE98E}"/>
-              </a:ext>
-            </a:extLst>
-          </p:cNvPr>
+          <p:cNvPr id="5" name="Date Placeholder 4"/>
           <p:cNvSpPr>
             <a:spLocks noGrp="1"/>
           </p:cNvSpPr>
@@ -2383,13 +4327,7 @@
       </p:sp>
       <p:sp>
         <p:nvSpPr>
-          <p:cNvPr id="6" name="Élőláb helye 5">
-            <a:extLst>
-              <a:ext uri="{FF2B5EF4-FFF2-40B4-BE49-F238E27FC236}">
-                <a16:creationId xmlns:a16="http://schemas.microsoft.com/office/drawing/2014/main" id="{5E6C4CD6-CECD-4650-8758-3C270F7F6E06}"/>
-              </a:ext>
-            </a:extLst>
-          </p:cNvPr>
+          <p:cNvPr id="6" name="Footer Placeholder 5"/>
           <p:cNvSpPr>
             <a:spLocks noGrp="1"/>
           </p:cNvSpPr>
@@ -2408,13 +4346,7 @@
       </p:sp>
       <p:sp>
         <p:nvSpPr>
-          <p:cNvPr id="7" name="Dia számának helye 6">
-            <a:extLst>
-              <a:ext uri="{FF2B5EF4-FFF2-40B4-BE49-F238E27FC236}">
-                <a16:creationId xmlns:a16="http://schemas.microsoft.com/office/drawing/2014/main" id="{F0EB83FA-E022-49A6-A71B-67A7EA7879FF}"/>
-              </a:ext>
-            </a:extLst>
-          </p:cNvPr>
+          <p:cNvPr id="7" name="Slide Number Placeholder 6"/>
           <p:cNvSpPr>
             <a:spLocks noGrp="1"/>
           </p:cNvSpPr>
@@ -2438,7 +4370,7 @@
     </p:spTree>
     <p:extLst>
       <p:ext uri="{BB962C8B-B14F-4D97-AF65-F5344CB8AC3E}">
-        <p14:creationId xmlns:p14="http://schemas.microsoft.com/office/powerpoint/2010/main" val="3230099449"/>
+        <p14:creationId xmlns:p14="http://schemas.microsoft.com/office/powerpoint/2010/main" val="210041989"/>
       </p:ext>
     </p:extLst>
   </p:cSld>
@@ -2467,13 +4399,7 @@
       </p:grpSpPr>
       <p:sp>
         <p:nvSpPr>
-          <p:cNvPr id="2" name="Cím 1">
-            <a:extLst>
-              <a:ext uri="{FF2B5EF4-FFF2-40B4-BE49-F238E27FC236}">
-                <a16:creationId xmlns:a16="http://schemas.microsoft.com/office/drawing/2014/main" id="{D835B422-EDEC-42DF-AB5D-70772931BC39}"/>
-              </a:ext>
-            </a:extLst>
-          </p:cNvPr>
+          <p:cNvPr id="2" name="Title 1"/>
           <p:cNvSpPr>
             <a:spLocks noGrp="1"/>
           </p:cNvSpPr>
@@ -2483,15 +4409,17 @@
         </p:nvSpPr>
         <p:spPr>
           <a:xfrm>
-            <a:off x="839788" y="457200"/>
-            <a:ext cx="3932237" cy="1600200"/>
+            <a:off x="677334" y="4800600"/>
+            <a:ext cx="8596667" cy="566738"/>
           </a:xfrm>
         </p:spPr>
         <p:txBody>
-          <a:bodyPr anchor="b"/>
+          <a:bodyPr anchor="b">
+            <a:normAutofit/>
+          </a:bodyPr>
           <a:lstStyle>
-            <a:lvl1pPr>
-              <a:defRPr sz="3200"/>
+            <a:lvl1pPr algn="l">
+              <a:defRPr sz="2400" b="0"/>
             </a:lvl1pPr>
           </a:lstStyle>
           <a:p>
@@ -2499,20 +4427,15 @@
               <a:rPr lang="hu-HU"/>
               <a:t>Mintacím szerkesztése</a:t>
             </a:r>
-          </a:p>
-        </p:txBody>
-      </p:sp>
-      <p:sp>
-        <p:nvSpPr>
-          <p:cNvPr id="3" name="Kép helye 2">
-            <a:extLst>
-              <a:ext uri="{FF2B5EF4-FFF2-40B4-BE49-F238E27FC236}">
-                <a16:creationId xmlns:a16="http://schemas.microsoft.com/office/drawing/2014/main" id="{B745C48B-03FE-45F7-8BBD-2FFD40448742}"/>
-              </a:ext>
-            </a:extLst>
-          </p:cNvPr>
-          <p:cNvSpPr>
-            <a:spLocks noGrp="1"/>
+            <a:endParaRPr lang="en-US" dirty="0"/>
+          </a:p>
+        </p:txBody>
+      </p:sp>
+      <p:sp>
+        <p:nvSpPr>
+          <p:cNvPr id="3" name="Picture Placeholder 2"/>
+          <p:cNvSpPr>
+            <a:spLocks noGrp="1" noChangeAspect="1"/>
           </p:cNvSpPr>
           <p:nvPr>
             <p:ph type="pic" idx="1"/>
@@ -2520,118 +4443,120 @@
         </p:nvSpPr>
         <p:spPr>
           <a:xfrm>
-            <a:off x="5183188" y="987425"/>
-            <a:ext cx="6172200" cy="4873625"/>
+            <a:off x="677334" y="609600"/>
+            <a:ext cx="8596668" cy="3845718"/>
           </a:xfrm>
         </p:spPr>
         <p:txBody>
-          <a:bodyPr/>
+          <a:bodyPr anchor="t">
+            <a:normAutofit/>
+          </a:bodyPr>
           <a:lstStyle>
-            <a:lvl1pPr marL="0" indent="0">
-              <a:buNone/>
-              <a:defRPr sz="3200"/>
-            </a:lvl1pPr>
-            <a:lvl2pPr marL="457200" indent="0">
-              <a:buNone/>
-              <a:defRPr sz="2800"/>
-            </a:lvl2pPr>
-            <a:lvl3pPr marL="914400" indent="0">
-              <a:buNone/>
-              <a:defRPr sz="2400"/>
-            </a:lvl3pPr>
-            <a:lvl4pPr marL="1371600" indent="0">
-              <a:buNone/>
-              <a:defRPr sz="2000"/>
-            </a:lvl4pPr>
-            <a:lvl5pPr marL="1828800" indent="0">
-              <a:buNone/>
-              <a:defRPr sz="2000"/>
-            </a:lvl5pPr>
-            <a:lvl6pPr marL="2286000" indent="0">
-              <a:buNone/>
-              <a:defRPr sz="2000"/>
-            </a:lvl6pPr>
-            <a:lvl7pPr marL="2743200" indent="0">
-              <a:buNone/>
-              <a:defRPr sz="2000"/>
-            </a:lvl7pPr>
-            <a:lvl8pPr marL="3200400" indent="0">
-              <a:buNone/>
-              <a:defRPr sz="2000"/>
-            </a:lvl8pPr>
-            <a:lvl9pPr marL="3657600" indent="0">
-              <a:buNone/>
-              <a:defRPr sz="2000"/>
-            </a:lvl9pPr>
-          </a:lstStyle>
-          <a:p>
-            <a:endParaRPr lang="hu-HU"/>
-          </a:p>
-        </p:txBody>
-      </p:sp>
-      <p:sp>
-        <p:nvSpPr>
-          <p:cNvPr id="4" name="Szöveg helye 3">
-            <a:extLst>
-              <a:ext uri="{FF2B5EF4-FFF2-40B4-BE49-F238E27FC236}">
-                <a16:creationId xmlns:a16="http://schemas.microsoft.com/office/drawing/2014/main" id="{257A6DF6-E2E4-4004-82B5-6B373DEDB4BE}"/>
-              </a:ext>
-            </a:extLst>
-          </p:cNvPr>
-          <p:cNvSpPr>
-            <a:spLocks noGrp="1"/>
-          </p:cNvSpPr>
-          <p:nvPr>
-            <p:ph type="body" sz="half" idx="2"/>
-          </p:nvPr>
-        </p:nvSpPr>
-        <p:spPr>
-          <a:xfrm>
-            <a:off x="839788" y="2057400"/>
-            <a:ext cx="3932237" cy="3811588"/>
-          </a:xfrm>
-        </p:spPr>
-        <p:txBody>
-          <a:bodyPr/>
-          <a:lstStyle>
-            <a:lvl1pPr marL="0" indent="0">
+            <a:lvl1pPr marL="0" indent="0" algn="ctr">
               <a:buNone/>
               <a:defRPr sz="1600"/>
             </a:lvl1pPr>
             <a:lvl2pPr marL="457200" indent="0">
               <a:buNone/>
-              <a:defRPr sz="1400"/>
+              <a:defRPr sz="1600"/>
             </a:lvl2pPr>
             <a:lvl3pPr marL="914400" indent="0">
               <a:buNone/>
-              <a:defRPr sz="1200"/>
+              <a:defRPr sz="1600"/>
             </a:lvl3pPr>
             <a:lvl4pPr marL="1371600" indent="0">
               <a:buNone/>
-              <a:defRPr sz="1000"/>
+              <a:defRPr sz="1600"/>
             </a:lvl4pPr>
             <a:lvl5pPr marL="1828800" indent="0">
               <a:buNone/>
-              <a:defRPr sz="1000"/>
+              <a:defRPr sz="1600"/>
             </a:lvl5pPr>
             <a:lvl6pPr marL="2286000" indent="0">
               <a:buNone/>
-              <a:defRPr sz="1000"/>
+              <a:defRPr sz="1600"/>
             </a:lvl6pPr>
             <a:lvl7pPr marL="2743200" indent="0">
               <a:buNone/>
-              <a:defRPr sz="1000"/>
+              <a:defRPr sz="1600"/>
             </a:lvl7pPr>
             <a:lvl8pPr marL="3200400" indent="0">
               <a:buNone/>
-              <a:defRPr sz="1000"/>
+              <a:defRPr sz="1600"/>
             </a:lvl8pPr>
             <a:lvl9pPr marL="3657600" indent="0">
               <a:buNone/>
-              <a:defRPr sz="1000"/>
+              <a:defRPr sz="1600"/>
             </a:lvl9pPr>
           </a:lstStyle>
           <a:p>
+            <a:r>
+              <a:rPr lang="hu-HU"/>
+              <a:t>Kép beszúrásához kattintson az ikonra</a:t>
+            </a:r>
+            <a:endParaRPr lang="en-US" dirty="0"/>
+          </a:p>
+        </p:txBody>
+      </p:sp>
+      <p:sp>
+        <p:nvSpPr>
+          <p:cNvPr id="4" name="Text Placeholder 3"/>
+          <p:cNvSpPr>
+            <a:spLocks noGrp="1"/>
+          </p:cNvSpPr>
+          <p:nvPr>
+            <p:ph type="body" sz="half" idx="2"/>
+          </p:nvPr>
+        </p:nvSpPr>
+        <p:spPr>
+          <a:xfrm>
+            <a:off x="677334" y="5367338"/>
+            <a:ext cx="8596667" cy="674024"/>
+          </a:xfrm>
+        </p:spPr>
+        <p:txBody>
+          <a:bodyPr>
+            <a:normAutofit/>
+          </a:bodyPr>
+          <a:lstStyle>
+            <a:lvl1pPr marL="0" indent="0">
+              <a:buNone/>
+              <a:defRPr sz="1200"/>
+            </a:lvl1pPr>
+            <a:lvl2pPr marL="457200" indent="0">
+              <a:buNone/>
+              <a:defRPr sz="1200"/>
+            </a:lvl2pPr>
+            <a:lvl3pPr marL="914400" indent="0">
+              <a:buNone/>
+              <a:defRPr sz="1000"/>
+            </a:lvl3pPr>
+            <a:lvl4pPr marL="1371600" indent="0">
+              <a:buNone/>
+              <a:defRPr sz="900"/>
+            </a:lvl4pPr>
+            <a:lvl5pPr marL="1828800" indent="0">
+              <a:buNone/>
+              <a:defRPr sz="900"/>
+            </a:lvl5pPr>
+            <a:lvl6pPr marL="2286000" indent="0">
+              <a:buNone/>
+              <a:defRPr sz="900"/>
+            </a:lvl6pPr>
+            <a:lvl7pPr marL="2743200" indent="0">
+              <a:buNone/>
+              <a:defRPr sz="900"/>
+            </a:lvl7pPr>
+            <a:lvl8pPr marL="3200400" indent="0">
+              <a:buNone/>
+              <a:defRPr sz="900"/>
+            </a:lvl8pPr>
+            <a:lvl9pPr marL="3657600" indent="0">
+              <a:buNone/>
+              <a:defRPr sz="900"/>
+            </a:lvl9pPr>
+          </a:lstStyle>
+          <a:p>
             <a:pPr lvl="0"/>
             <a:r>
               <a:rPr lang="hu-HU"/>
@@ -2642,13 +4567,49 @@
       </p:sp>
       <p:sp>
         <p:nvSpPr>
-          <p:cNvPr id="5" name="Dátum helye 4">
-            <a:extLst>
-              <a:ext uri="{FF2B5EF4-FFF2-40B4-BE49-F238E27FC236}">
-                <a16:creationId xmlns:a16="http://schemas.microsoft.com/office/drawing/2014/main" id="{52B5451A-B5CF-412B-9E18-883A241156F7}"/>
-              </a:ext>
-            </a:extLst>
-          </p:cNvPr>
+          <p:cNvPr id="6" name="Footer Placeholder 5"/>
+          <p:cNvSpPr>
+            <a:spLocks noGrp="1"/>
+          </p:cNvSpPr>
+          <p:nvPr>
+            <p:ph type="ftr" sz="quarter" idx="11"/>
+          </p:nvPr>
+        </p:nvSpPr>
+        <p:spPr/>
+        <p:txBody>
+          <a:bodyPr/>
+          <a:lstStyle/>
+          <a:p>
+            <a:endParaRPr lang="hu-HU"/>
+          </a:p>
+        </p:txBody>
+      </p:sp>
+      <p:sp>
+        <p:nvSpPr>
+          <p:cNvPr id="7" name="Slide Number Placeholder 6"/>
+          <p:cNvSpPr>
+            <a:spLocks noGrp="1"/>
+          </p:cNvSpPr>
+          <p:nvPr>
+            <p:ph type="sldNum" sz="quarter" idx="12"/>
+          </p:nvPr>
+        </p:nvSpPr>
+        <p:spPr/>
+        <p:txBody>
+          <a:bodyPr/>
+          <a:lstStyle/>
+          <a:p>
+            <a:fld id="{E4E5DBAC-207E-4CEC-B5F4-1A1479CD7BF1}" type="slidenum">
+              <a:rPr lang="hu-HU" smtClean="0"/>
+              <a:t>‹#›</a:t>
+            </a:fld>
+            <a:endParaRPr lang="hu-HU"/>
+          </a:p>
+        </p:txBody>
+      </p:sp>
+      <p:sp>
+        <p:nvSpPr>
+          <p:cNvPr id="5" name="Date Placeholder 4"/>
           <p:cNvSpPr>
             <a:spLocks noGrp="1"/>
           </p:cNvSpPr>
@@ -2669,64 +4630,10 @@
           </a:p>
         </p:txBody>
       </p:sp>
-      <p:sp>
-        <p:nvSpPr>
-          <p:cNvPr id="6" name="Élőláb helye 5">
-            <a:extLst>
-              <a:ext uri="{FF2B5EF4-FFF2-40B4-BE49-F238E27FC236}">
-                <a16:creationId xmlns:a16="http://schemas.microsoft.com/office/drawing/2014/main" id="{0C5A25BB-8AB0-4D46-A8A8-41194E68398A}"/>
-              </a:ext>
-            </a:extLst>
-          </p:cNvPr>
-          <p:cNvSpPr>
-            <a:spLocks noGrp="1"/>
-          </p:cNvSpPr>
-          <p:nvPr>
-            <p:ph type="ftr" sz="quarter" idx="11"/>
-          </p:nvPr>
-        </p:nvSpPr>
-        <p:spPr/>
-        <p:txBody>
-          <a:bodyPr/>
-          <a:lstStyle/>
-          <a:p>
-            <a:endParaRPr lang="hu-HU"/>
-          </a:p>
-        </p:txBody>
-      </p:sp>
-      <p:sp>
-        <p:nvSpPr>
-          <p:cNvPr id="7" name="Dia számának helye 6">
-            <a:extLst>
-              <a:ext uri="{FF2B5EF4-FFF2-40B4-BE49-F238E27FC236}">
-                <a16:creationId xmlns:a16="http://schemas.microsoft.com/office/drawing/2014/main" id="{C32FBDB6-8073-45EA-B666-9DDE17DA7D85}"/>
-              </a:ext>
-            </a:extLst>
-          </p:cNvPr>
-          <p:cNvSpPr>
-            <a:spLocks noGrp="1"/>
-          </p:cNvSpPr>
-          <p:nvPr>
-            <p:ph type="sldNum" sz="quarter" idx="12"/>
-          </p:nvPr>
-        </p:nvSpPr>
-        <p:spPr/>
-        <p:txBody>
-          <a:bodyPr/>
-          <a:lstStyle/>
-          <a:p>
-            <a:fld id="{E4E5DBAC-207E-4CEC-B5F4-1A1479CD7BF1}" type="slidenum">
-              <a:rPr lang="hu-HU" smtClean="0"/>
-              <a:t>‹#›</a:t>
-            </a:fld>
-            <a:endParaRPr lang="hu-HU"/>
-          </a:p>
-        </p:txBody>
-      </p:sp>
     </p:spTree>
     <p:extLst>
       <p:ext uri="{BB962C8B-B14F-4D97-AF65-F5344CB8AC3E}">
-        <p14:creationId xmlns:p14="http://schemas.microsoft.com/office/powerpoint/2010/main" val="883158496"/>
+        <p14:creationId xmlns:p14="http://schemas.microsoft.com/office/powerpoint/2010/main" val="52426104"/>
       </p:ext>
     </p:extLst>
   </p:cSld>
@@ -2758,15 +4665,540 @@
           <a:chExt cx="0" cy="0"/>
         </a:xfrm>
       </p:grpSpPr>
-      <p:sp>
-        <p:nvSpPr>
-          <p:cNvPr id="2" name="Cím helye 1">
-            <a:extLst>
-              <a:ext uri="{FF2B5EF4-FFF2-40B4-BE49-F238E27FC236}">
-                <a16:creationId xmlns:a16="http://schemas.microsoft.com/office/drawing/2014/main" id="{D178CA77-E2DA-4FEC-BE88-785A314DC868}"/>
-              </a:ext>
-            </a:extLst>
-          </p:cNvPr>
+      <p:grpSp>
+        <p:nvGrpSpPr>
+          <p:cNvPr id="44" name="Group 43"/>
+          <p:cNvGrpSpPr/>
+          <p:nvPr/>
+        </p:nvGrpSpPr>
+        <p:grpSpPr>
+          <a:xfrm>
+            <a:off x="0" y="-8467"/>
+            <a:ext cx="12192000" cy="6866467"/>
+            <a:chOff x="0" y="-8467"/>
+            <a:chExt cx="12192000" cy="6866467"/>
+          </a:xfrm>
+        </p:grpSpPr>
+        <p:cxnSp>
+          <p:nvCxnSpPr>
+            <p:cNvPr id="20" name="Straight Connector 19"/>
+            <p:cNvCxnSpPr/>
+            <p:nvPr/>
+          </p:nvCxnSpPr>
+          <p:spPr>
+            <a:xfrm>
+              <a:off x="9371012" y="0"/>
+              <a:ext cx="1219200" cy="6858000"/>
+            </a:xfrm>
+            <a:prstGeom prst="line">
+              <a:avLst/>
+            </a:prstGeom>
+            <a:ln w="9525">
+              <a:solidFill>
+                <a:schemeClr val="accent1">
+                  <a:alpha val="70000"/>
+                </a:schemeClr>
+              </a:solidFill>
+            </a:ln>
+          </p:spPr>
+          <p:style>
+            <a:lnRef idx="2">
+              <a:schemeClr val="accent1"/>
+            </a:lnRef>
+            <a:fillRef idx="0">
+              <a:schemeClr val="accent1"/>
+            </a:fillRef>
+            <a:effectRef idx="1">
+              <a:schemeClr val="accent1"/>
+            </a:effectRef>
+            <a:fontRef idx="minor">
+              <a:schemeClr val="tx1"/>
+            </a:fontRef>
+          </p:style>
+        </p:cxnSp>
+        <p:cxnSp>
+          <p:nvCxnSpPr>
+            <p:cNvPr id="21" name="Straight Connector 20"/>
+            <p:cNvCxnSpPr/>
+            <p:nvPr/>
+          </p:nvCxnSpPr>
+          <p:spPr>
+            <a:xfrm flipH="1">
+              <a:off x="7425267" y="3681413"/>
+              <a:ext cx="4763558" cy="3176587"/>
+            </a:xfrm>
+            <a:prstGeom prst="line">
+              <a:avLst/>
+            </a:prstGeom>
+            <a:ln w="9525">
+              <a:solidFill>
+                <a:schemeClr val="accent1">
+                  <a:alpha val="70000"/>
+                </a:schemeClr>
+              </a:solidFill>
+            </a:ln>
+          </p:spPr>
+          <p:style>
+            <a:lnRef idx="2">
+              <a:schemeClr val="accent1"/>
+            </a:lnRef>
+            <a:fillRef idx="0">
+              <a:schemeClr val="accent1"/>
+            </a:fillRef>
+            <a:effectRef idx="1">
+              <a:schemeClr val="accent1"/>
+            </a:effectRef>
+            <a:fontRef idx="minor">
+              <a:schemeClr val="tx1"/>
+            </a:fontRef>
+          </p:style>
+        </p:cxnSp>
+        <p:sp>
+          <p:nvSpPr>
+            <p:cNvPr id="22" name="Rectangle 23"/>
+            <p:cNvSpPr/>
+            <p:nvPr/>
+          </p:nvSpPr>
+          <p:spPr>
+            <a:xfrm>
+              <a:off x="9181476" y="-8467"/>
+              <a:ext cx="3007349" cy="6866467"/>
+            </a:xfrm>
+            <a:custGeom>
+              <a:avLst/>
+              <a:gdLst/>
+              <a:ahLst/>
+              <a:cxnLst/>
+              <a:rect l="l" t="t" r="r" b="b"/>
+              <a:pathLst>
+                <a:path w="3007349" h="6866467">
+                  <a:moveTo>
+                    <a:pt x="2045532" y="0"/>
+                  </a:moveTo>
+                  <a:lnTo>
+                    <a:pt x="3007349" y="0"/>
+                  </a:lnTo>
+                  <a:lnTo>
+                    <a:pt x="3007349" y="6866467"/>
+                  </a:lnTo>
+                  <a:lnTo>
+                    <a:pt x="0" y="6866467"/>
+                  </a:lnTo>
+                  <a:lnTo>
+                    <a:pt x="2045532" y="0"/>
+                  </a:lnTo>
+                  <a:close/>
+                </a:path>
+              </a:pathLst>
+            </a:custGeom>
+            <a:solidFill>
+              <a:schemeClr val="accent1">
+                <a:alpha val="36000"/>
+              </a:schemeClr>
+            </a:solidFill>
+            <a:ln>
+              <a:noFill/>
+            </a:ln>
+            <a:effectLst/>
+          </p:spPr>
+          <p:style>
+            <a:lnRef idx="1">
+              <a:schemeClr val="accent1"/>
+            </a:lnRef>
+            <a:fillRef idx="3">
+              <a:schemeClr val="accent1"/>
+            </a:fillRef>
+            <a:effectRef idx="2">
+              <a:schemeClr val="accent1"/>
+            </a:effectRef>
+            <a:fontRef idx="minor">
+              <a:schemeClr val="lt1"/>
+            </a:fontRef>
+          </p:style>
+        </p:sp>
+        <p:sp>
+          <p:nvSpPr>
+            <p:cNvPr id="23" name="Rectangle 25"/>
+            <p:cNvSpPr/>
+            <p:nvPr/>
+          </p:nvSpPr>
+          <p:spPr>
+            <a:xfrm>
+              <a:off x="9603442" y="-8467"/>
+              <a:ext cx="2588558" cy="6866467"/>
+            </a:xfrm>
+            <a:custGeom>
+              <a:avLst/>
+              <a:gdLst/>
+              <a:ahLst/>
+              <a:cxnLst/>
+              <a:rect l="l" t="t" r="r" b="b"/>
+              <a:pathLst>
+                <a:path w="2573311" h="6866467">
+                  <a:moveTo>
+                    <a:pt x="0" y="0"/>
+                  </a:moveTo>
+                  <a:lnTo>
+                    <a:pt x="2573311" y="0"/>
+                  </a:lnTo>
+                  <a:lnTo>
+                    <a:pt x="2573311" y="6866467"/>
+                  </a:lnTo>
+                  <a:lnTo>
+                    <a:pt x="1202336" y="6866467"/>
+                  </a:lnTo>
+                  <a:lnTo>
+                    <a:pt x="0" y="0"/>
+                  </a:lnTo>
+                  <a:close/>
+                </a:path>
+              </a:pathLst>
+            </a:custGeom>
+            <a:solidFill>
+              <a:schemeClr val="accent1">
+                <a:alpha val="20000"/>
+              </a:schemeClr>
+            </a:solidFill>
+            <a:ln>
+              <a:noFill/>
+            </a:ln>
+            <a:effectLst/>
+          </p:spPr>
+          <p:style>
+            <a:lnRef idx="1">
+              <a:schemeClr val="accent1"/>
+            </a:lnRef>
+            <a:fillRef idx="3">
+              <a:schemeClr val="accent1"/>
+            </a:fillRef>
+            <a:effectRef idx="2">
+              <a:schemeClr val="accent1"/>
+            </a:effectRef>
+            <a:fontRef idx="minor">
+              <a:schemeClr val="lt1"/>
+            </a:fontRef>
+          </p:style>
+        </p:sp>
+        <p:sp>
+          <p:nvSpPr>
+            <p:cNvPr id="24" name="Isosceles Triangle 23"/>
+            <p:cNvSpPr/>
+            <p:nvPr/>
+          </p:nvSpPr>
+          <p:spPr>
+            <a:xfrm>
+              <a:off x="8932333" y="3048000"/>
+              <a:ext cx="3259667" cy="3810000"/>
+            </a:xfrm>
+            <a:prstGeom prst="triangle">
+              <a:avLst>
+                <a:gd name="adj" fmla="val 100000"/>
+              </a:avLst>
+            </a:prstGeom>
+            <a:solidFill>
+              <a:schemeClr val="accent1">
+                <a:lumMod val="75000"/>
+                <a:alpha val="66000"/>
+              </a:schemeClr>
+            </a:solidFill>
+            <a:ln>
+              <a:noFill/>
+            </a:ln>
+            <a:effectLst/>
+          </p:spPr>
+          <p:style>
+            <a:lnRef idx="1">
+              <a:schemeClr val="accent1"/>
+            </a:lnRef>
+            <a:fillRef idx="3">
+              <a:schemeClr val="accent1"/>
+            </a:fillRef>
+            <a:effectRef idx="2">
+              <a:schemeClr val="accent1"/>
+            </a:effectRef>
+            <a:fontRef idx="minor">
+              <a:schemeClr val="lt1"/>
+            </a:fontRef>
+          </p:style>
+        </p:sp>
+        <p:sp>
+          <p:nvSpPr>
+            <p:cNvPr id="25" name="Rectangle 27"/>
+            <p:cNvSpPr/>
+            <p:nvPr/>
+          </p:nvSpPr>
+          <p:spPr>
+            <a:xfrm>
+              <a:off x="9334500" y="-8467"/>
+              <a:ext cx="2854326" cy="6866467"/>
+            </a:xfrm>
+            <a:custGeom>
+              <a:avLst/>
+              <a:gdLst/>
+              <a:ahLst/>
+              <a:cxnLst/>
+              <a:rect l="l" t="t" r="r" b="b"/>
+              <a:pathLst>
+                <a:path w="2858013" h="6866467">
+                  <a:moveTo>
+                    <a:pt x="0" y="0"/>
+                  </a:moveTo>
+                  <a:lnTo>
+                    <a:pt x="2858013" y="0"/>
+                  </a:lnTo>
+                  <a:lnTo>
+                    <a:pt x="2858013" y="6866467"/>
+                  </a:lnTo>
+                  <a:lnTo>
+                    <a:pt x="2473942" y="6866467"/>
+                  </a:lnTo>
+                  <a:lnTo>
+                    <a:pt x="0" y="0"/>
+                  </a:lnTo>
+                  <a:close/>
+                </a:path>
+              </a:pathLst>
+            </a:custGeom>
+            <a:solidFill>
+              <a:schemeClr val="accent1">
+                <a:lumMod val="75000"/>
+                <a:alpha val="50000"/>
+              </a:schemeClr>
+            </a:solidFill>
+            <a:ln>
+              <a:noFill/>
+            </a:ln>
+            <a:effectLst/>
+          </p:spPr>
+          <p:style>
+            <a:lnRef idx="1">
+              <a:schemeClr val="accent1"/>
+            </a:lnRef>
+            <a:fillRef idx="3">
+              <a:schemeClr val="accent1"/>
+            </a:fillRef>
+            <a:effectRef idx="2">
+              <a:schemeClr val="accent1"/>
+            </a:effectRef>
+            <a:fontRef idx="minor">
+              <a:schemeClr val="lt1"/>
+            </a:fontRef>
+          </p:style>
+        </p:sp>
+        <p:sp>
+          <p:nvSpPr>
+            <p:cNvPr id="26" name="Rectangle 28"/>
+            <p:cNvSpPr/>
+            <p:nvPr/>
+          </p:nvSpPr>
+          <p:spPr>
+            <a:xfrm>
+              <a:off x="10898730" y="-8467"/>
+              <a:ext cx="1290094" cy="6866467"/>
+            </a:xfrm>
+            <a:custGeom>
+              <a:avLst/>
+              <a:gdLst/>
+              <a:ahLst/>
+              <a:cxnLst/>
+              <a:rect l="l" t="t" r="r" b="b"/>
+              <a:pathLst>
+                <a:path w="1290094" h="6858000">
+                  <a:moveTo>
+                    <a:pt x="1019735" y="0"/>
+                  </a:moveTo>
+                  <a:lnTo>
+                    <a:pt x="1290094" y="0"/>
+                  </a:lnTo>
+                  <a:lnTo>
+                    <a:pt x="1290094" y="6858000"/>
+                  </a:lnTo>
+                  <a:lnTo>
+                    <a:pt x="0" y="6858000"/>
+                  </a:lnTo>
+                  <a:lnTo>
+                    <a:pt x="1019735" y="0"/>
+                  </a:lnTo>
+                  <a:close/>
+                </a:path>
+              </a:pathLst>
+            </a:custGeom>
+            <a:solidFill>
+              <a:schemeClr val="accent2">
+                <a:alpha val="70000"/>
+              </a:schemeClr>
+            </a:solidFill>
+            <a:ln>
+              <a:noFill/>
+            </a:ln>
+            <a:effectLst/>
+          </p:spPr>
+          <p:style>
+            <a:lnRef idx="1">
+              <a:schemeClr val="accent1"/>
+            </a:lnRef>
+            <a:fillRef idx="3">
+              <a:schemeClr val="accent1"/>
+            </a:fillRef>
+            <a:effectRef idx="2">
+              <a:schemeClr val="accent1"/>
+            </a:effectRef>
+            <a:fontRef idx="minor">
+              <a:schemeClr val="lt1"/>
+            </a:fontRef>
+          </p:style>
+        </p:sp>
+        <p:sp>
+          <p:nvSpPr>
+            <p:cNvPr id="27" name="Rectangle 29"/>
+            <p:cNvSpPr/>
+            <p:nvPr/>
+          </p:nvSpPr>
+          <p:spPr>
+            <a:xfrm>
+              <a:off x="10938999" y="-8467"/>
+              <a:ext cx="1249825" cy="6866467"/>
+            </a:xfrm>
+            <a:custGeom>
+              <a:avLst/>
+              <a:gdLst/>
+              <a:ahLst/>
+              <a:cxnLst/>
+              <a:rect l="l" t="t" r="r" b="b"/>
+              <a:pathLst>
+                <a:path w="1249825" h="6858000">
+                  <a:moveTo>
+                    <a:pt x="0" y="0"/>
+                  </a:moveTo>
+                  <a:lnTo>
+                    <a:pt x="1249825" y="0"/>
+                  </a:lnTo>
+                  <a:lnTo>
+                    <a:pt x="1249825" y="6858000"/>
+                  </a:lnTo>
+                  <a:lnTo>
+                    <a:pt x="1109382" y="6858000"/>
+                  </a:lnTo>
+                  <a:lnTo>
+                    <a:pt x="0" y="0"/>
+                  </a:lnTo>
+                  <a:close/>
+                </a:path>
+              </a:pathLst>
+            </a:custGeom>
+            <a:solidFill>
+              <a:schemeClr val="accent2">
+                <a:lumMod val="75000"/>
+                <a:alpha val="80000"/>
+              </a:schemeClr>
+            </a:solidFill>
+            <a:ln>
+              <a:noFill/>
+            </a:ln>
+            <a:effectLst/>
+          </p:spPr>
+          <p:style>
+            <a:lnRef idx="1">
+              <a:schemeClr val="accent1"/>
+            </a:lnRef>
+            <a:fillRef idx="3">
+              <a:schemeClr val="accent1"/>
+            </a:fillRef>
+            <a:effectRef idx="2">
+              <a:schemeClr val="accent1"/>
+            </a:effectRef>
+            <a:fontRef idx="minor">
+              <a:schemeClr val="lt1"/>
+            </a:fontRef>
+          </p:style>
+        </p:sp>
+        <p:sp>
+          <p:nvSpPr>
+            <p:cNvPr id="28" name="Isosceles Triangle 27"/>
+            <p:cNvSpPr/>
+            <p:nvPr/>
+          </p:nvSpPr>
+          <p:spPr>
+            <a:xfrm>
+              <a:off x="10371666" y="3589867"/>
+              <a:ext cx="1817159" cy="3268133"/>
+            </a:xfrm>
+            <a:prstGeom prst="triangle">
+              <a:avLst>
+                <a:gd name="adj" fmla="val 100000"/>
+              </a:avLst>
+            </a:prstGeom>
+            <a:solidFill>
+              <a:schemeClr val="accent1">
+                <a:lumMod val="75000"/>
+                <a:alpha val="66000"/>
+              </a:schemeClr>
+            </a:solidFill>
+            <a:ln>
+              <a:noFill/>
+            </a:ln>
+            <a:effectLst/>
+          </p:spPr>
+          <p:style>
+            <a:lnRef idx="1">
+              <a:schemeClr val="accent1"/>
+            </a:lnRef>
+            <a:fillRef idx="3">
+              <a:schemeClr val="accent1"/>
+            </a:fillRef>
+            <a:effectRef idx="2">
+              <a:schemeClr val="accent1"/>
+            </a:effectRef>
+            <a:fontRef idx="minor">
+              <a:schemeClr val="lt1"/>
+            </a:fontRef>
+          </p:style>
+        </p:sp>
+        <p:sp>
+          <p:nvSpPr>
+            <p:cNvPr id="19" name="Isosceles Triangle 18"/>
+            <p:cNvSpPr/>
+            <p:nvPr/>
+          </p:nvSpPr>
+          <p:spPr>
+            <a:xfrm>
+              <a:off x="0" y="4013200"/>
+              <a:ext cx="448733" cy="2844800"/>
+            </a:xfrm>
+            <a:prstGeom prst="triangle">
+              <a:avLst>
+                <a:gd name="adj" fmla="val 0"/>
+              </a:avLst>
+            </a:prstGeom>
+            <a:solidFill>
+              <a:schemeClr val="accent1">
+                <a:alpha val="70000"/>
+              </a:schemeClr>
+            </a:solidFill>
+            <a:ln>
+              <a:noFill/>
+            </a:ln>
+            <a:effectLst/>
+          </p:spPr>
+          <p:style>
+            <a:lnRef idx="1">
+              <a:schemeClr val="accent1"/>
+            </a:lnRef>
+            <a:fillRef idx="3">
+              <a:schemeClr val="accent1"/>
+            </a:fillRef>
+            <a:effectRef idx="2">
+              <a:schemeClr val="accent1"/>
+            </a:effectRef>
+            <a:fontRef idx="minor">
+              <a:schemeClr val="lt1"/>
+            </a:fontRef>
+          </p:style>
+        </p:sp>
+      </p:grpSp>
+      <p:sp>
+        <p:nvSpPr>
+          <p:cNvPr id="2" name="Title Placeholder 1"/>
           <p:cNvSpPr>
             <a:spLocks noGrp="1"/>
           </p:cNvSpPr>
@@ -2776,15 +5208,15 @@
         </p:nvSpPr>
         <p:spPr>
           <a:xfrm>
-            <a:off x="838200" y="365125"/>
-            <a:ext cx="10515600" cy="1325563"/>
+            <a:off x="677334" y="609600"/>
+            <a:ext cx="8596668" cy="1320800"/>
           </a:xfrm>
           <a:prstGeom prst="rect">
             <a:avLst/>
           </a:prstGeom>
         </p:spPr>
         <p:txBody>
-          <a:bodyPr vert="horz" lIns="91440" tIns="45720" rIns="91440" bIns="45720" rtlCol="0" anchor="ctr">
+          <a:bodyPr vert="horz" lIns="91440" tIns="45720" rIns="91440" bIns="45720" rtlCol="0" anchor="t">
             <a:normAutofit/>
           </a:bodyPr>
           <a:lstStyle/>
@@ -2793,18 +5225,13 @@
               <a:rPr lang="hu-HU"/>
               <a:t>Mintacím szerkesztése</a:t>
             </a:r>
-          </a:p>
-        </p:txBody>
-      </p:sp>
-      <p:sp>
-        <p:nvSpPr>
-          <p:cNvPr id="3" name="Szöveg helye 2">
-            <a:extLst>
-              <a:ext uri="{FF2B5EF4-FFF2-40B4-BE49-F238E27FC236}">
-                <a16:creationId xmlns:a16="http://schemas.microsoft.com/office/drawing/2014/main" id="{EBF51770-521F-44E3-9420-5E32A87B40A0}"/>
-              </a:ext>
-            </a:extLst>
-          </p:cNvPr>
+            <a:endParaRPr lang="en-US" dirty="0"/>
+          </a:p>
+        </p:txBody>
+      </p:sp>
+      <p:sp>
+        <p:nvSpPr>
+          <p:cNvPr id="3" name="Text Placeholder 2"/>
           <p:cNvSpPr>
             <a:spLocks noGrp="1"/>
           </p:cNvSpPr>
@@ -2814,8 +5241,8 @@
         </p:nvSpPr>
         <p:spPr>
           <a:xfrm>
-            <a:off x="838200" y="1825625"/>
-            <a:ext cx="10515600" cy="4351338"/>
+            <a:off x="677334" y="2160589"/>
+            <a:ext cx="8596668" cy="3880773"/>
           </a:xfrm>
           <a:prstGeom prst="rect">
             <a:avLst/>
@@ -2860,18 +5287,13 @@
               <a:rPr lang="hu-HU"/>
               <a:t>Ötödik szint</a:t>
             </a:r>
-          </a:p>
-        </p:txBody>
-      </p:sp>
-      <p:sp>
-        <p:nvSpPr>
-          <p:cNvPr id="4" name="Dátum helye 3">
-            <a:extLst>
-              <a:ext uri="{FF2B5EF4-FFF2-40B4-BE49-F238E27FC236}">
-                <a16:creationId xmlns:a16="http://schemas.microsoft.com/office/drawing/2014/main" id="{79D9C47A-736D-4A1E-ABE0-38F7FC4A8274}"/>
-              </a:ext>
-            </a:extLst>
-          </p:cNvPr>
+            <a:endParaRPr lang="en-US" dirty="0"/>
+          </a:p>
+        </p:txBody>
+      </p:sp>
+      <p:sp>
+        <p:nvSpPr>
+          <p:cNvPr id="4" name="Date Placeholder 3"/>
           <p:cNvSpPr>
             <a:spLocks noGrp="1"/>
           </p:cNvSpPr>
@@ -2881,8 +5303,8 @@
         </p:nvSpPr>
         <p:spPr>
           <a:xfrm>
-            <a:off x="838200" y="6356350"/>
-            <a:ext cx="2743200" cy="365125"/>
+            <a:off x="7205133" y="6041362"/>
+            <a:ext cx="911939" cy="365125"/>
           </a:xfrm>
           <a:prstGeom prst="rect">
             <a:avLst/>
@@ -2891,8 +5313,8 @@
         <p:txBody>
           <a:bodyPr vert="horz" lIns="91440" tIns="45720" rIns="91440" bIns="45720" rtlCol="0" anchor="ctr"/>
           <a:lstStyle>
-            <a:lvl1pPr algn="l">
-              <a:defRPr sz="1200">
+            <a:lvl1pPr algn="r">
+              <a:defRPr sz="900">
                 <a:solidFill>
                   <a:schemeClr val="tx1">
                     <a:tint val="75000"/>
@@ -2912,13 +5334,7 @@
       </p:sp>
       <p:sp>
         <p:nvSpPr>
-          <p:cNvPr id="5" name="Élőláb helye 4">
-            <a:extLst>
-              <a:ext uri="{FF2B5EF4-FFF2-40B4-BE49-F238E27FC236}">
-                <a16:creationId xmlns:a16="http://schemas.microsoft.com/office/drawing/2014/main" id="{C3996AB2-EDF2-4597-B4BD-DB0790B68838}"/>
-              </a:ext>
-            </a:extLst>
-          </p:cNvPr>
+          <p:cNvPr id="5" name="Footer Placeholder 4"/>
           <p:cNvSpPr>
             <a:spLocks noGrp="1"/>
           </p:cNvSpPr>
@@ -2928,8 +5344,8 @@
         </p:nvSpPr>
         <p:spPr>
           <a:xfrm>
-            <a:off x="4038600" y="6356350"/>
-            <a:ext cx="4114800" cy="365125"/>
+            <a:off x="677334" y="6041362"/>
+            <a:ext cx="6297612" cy="365125"/>
           </a:xfrm>
           <a:prstGeom prst="rect">
             <a:avLst/>
@@ -2938,8 +5354,8 @@
         <p:txBody>
           <a:bodyPr vert="horz" lIns="91440" tIns="45720" rIns="91440" bIns="45720" rtlCol="0" anchor="ctr"/>
           <a:lstStyle>
-            <a:lvl1pPr algn="ctr">
-              <a:defRPr sz="1200">
+            <a:lvl1pPr algn="l">
+              <a:defRPr sz="900">
                 <a:solidFill>
                   <a:schemeClr val="tx1">
                     <a:tint val="75000"/>
@@ -2955,13 +5371,7 @@
       </p:sp>
       <p:sp>
         <p:nvSpPr>
-          <p:cNvPr id="6" name="Dia számának helye 5">
-            <a:extLst>
-              <a:ext uri="{FF2B5EF4-FFF2-40B4-BE49-F238E27FC236}">
-                <a16:creationId xmlns:a16="http://schemas.microsoft.com/office/drawing/2014/main" id="{57656A02-9937-477F-A135-ED19FA10E165}"/>
-              </a:ext>
-            </a:extLst>
-          </p:cNvPr>
+          <p:cNvPr id="6" name="Slide Number Placeholder 5"/>
           <p:cNvSpPr>
             <a:spLocks noGrp="1"/>
           </p:cNvSpPr>
@@ -2971,8 +5381,8 @@
         </p:nvSpPr>
         <p:spPr>
           <a:xfrm>
-            <a:off x="8610600" y="6356350"/>
-            <a:ext cx="2743200" cy="365125"/>
+            <a:off x="8590663" y="6041362"/>
+            <a:ext cx="683339" cy="365125"/>
           </a:xfrm>
           <a:prstGeom prst="rect">
             <a:avLst/>
@@ -2982,11 +5392,9 @@
           <a:bodyPr vert="horz" lIns="91440" tIns="45720" rIns="91440" bIns="45720" rtlCol="0" anchor="ctr"/>
           <a:lstStyle>
             <a:lvl1pPr algn="r">
-              <a:defRPr sz="1200">
-                <a:solidFill>
-                  <a:schemeClr val="tx1">
-                    <a:tint val="75000"/>
-                  </a:schemeClr>
+              <a:defRPr sz="900">
+                <a:solidFill>
+                  <a:schemeClr val="accent1"/>
                 </a:solidFill>
               </a:defRPr>
             </a:lvl1pPr>
@@ -3003,55 +5411,335 @@
     </p:spTree>
     <p:extLst>
       <p:ext uri="{BB962C8B-B14F-4D97-AF65-F5344CB8AC3E}">
-        <p14:creationId xmlns:p14="http://schemas.microsoft.com/office/powerpoint/2010/main" val="98233438"/>
+        <p14:creationId xmlns:p14="http://schemas.microsoft.com/office/powerpoint/2010/main" val="4094186278"/>
       </p:ext>
     </p:extLst>
   </p:cSld>
   <p:clrMap bg1="lt1" tx1="dk1" bg2="lt2" tx2="dk2" accent1="accent1" accent2="accent2" accent3="accent3" accent4="accent4" accent5="accent5" accent6="accent6" hlink="hlink" folHlink="folHlink"/>
   <p:sldLayoutIdLst>
-    <p:sldLayoutId id="2147483649" r:id="rId1"/>
-    <p:sldLayoutId id="2147483650" r:id="rId2"/>
-    <p:sldLayoutId id="2147483651" r:id="rId3"/>
-    <p:sldLayoutId id="2147483652" r:id="rId4"/>
-    <p:sldLayoutId id="2147483653" r:id="rId5"/>
-    <p:sldLayoutId id="2147483654" r:id="rId6"/>
-    <p:sldLayoutId id="2147483655" r:id="rId7"/>
-    <p:sldLayoutId id="2147483656" r:id="rId8"/>
-    <p:sldLayoutId id="2147483657" r:id="rId9"/>
-    <p:sldLayoutId id="2147483658" r:id="rId10"/>
-    <p:sldLayoutId id="2147483659" r:id="rId11"/>
+    <p:sldLayoutId id="2147483712" r:id="rId1"/>
+    <p:sldLayoutId id="2147483713" r:id="rId2"/>
+    <p:sldLayoutId id="2147483714" r:id="rId3"/>
+    <p:sldLayoutId id="2147483715" r:id="rId4"/>
+    <p:sldLayoutId id="2147483716" r:id="rId5"/>
+    <p:sldLayoutId id="2147483717" r:id="rId6"/>
+    <p:sldLayoutId id="2147483718" r:id="rId7"/>
+    <p:sldLayoutId id="2147483719" r:id="rId8"/>
+    <p:sldLayoutId id="2147483720" r:id="rId9"/>
+    <p:sldLayoutId id="2147483721" r:id="rId10"/>
+    <p:sldLayoutId id="2147483722" r:id="rId11"/>
+    <p:sldLayoutId id="2147483723" r:id="rId12"/>
+    <p:sldLayoutId id="2147483724" r:id="rId13"/>
+    <p:sldLayoutId id="2147483725" r:id="rId14"/>
+    <p:sldLayoutId id="2147483726" r:id="rId15"/>
+    <p:sldLayoutId id="2147483727" r:id="rId16"/>
   </p:sldLayoutIdLst>
   <p:txStyles>
     <p:titleStyle>
-      <a:lvl1pPr algn="l" defTabSz="914400" rtl="0" eaLnBrk="1" latinLnBrk="0" hangingPunct="1">
-        <a:lnSpc>
-          <a:spcPct val="90000"/>
-        </a:lnSpc>
+      <a:lvl1pPr algn="l" defTabSz="457200" rtl="0" eaLnBrk="1" latinLnBrk="0" hangingPunct="1">
         <a:spcBef>
           <a:spcPct val="0"/>
         </a:spcBef>
         <a:buNone/>
-        <a:defRPr sz="4400" kern="1200">
+        <a:defRPr sz="3600" kern="1200">
           <a:solidFill>
-            <a:schemeClr val="tx1"/>
+            <a:schemeClr val="accent1"/>
           </a:solidFill>
           <a:latin typeface="+mj-lt"/>
           <a:ea typeface="+mj-ea"/>
           <a:cs typeface="+mj-cs"/>
         </a:defRPr>
       </a:lvl1pPr>
+      <a:lvl2pPr eaLnBrk="1" hangingPunct="1">
+        <a:defRPr>
+          <a:solidFill>
+            <a:schemeClr val="tx2"/>
+          </a:solidFill>
+        </a:defRPr>
+      </a:lvl2pPr>
+      <a:lvl3pPr eaLnBrk="1" hangingPunct="1">
+        <a:defRPr>
+          <a:solidFill>
+            <a:schemeClr val="tx2"/>
+          </a:solidFill>
+        </a:defRPr>
+      </a:lvl3pPr>
+      <a:lvl4pPr eaLnBrk="1" hangingPunct="1">
+        <a:defRPr>
+          <a:solidFill>
+            <a:schemeClr val="tx2"/>
+          </a:solidFill>
+        </a:defRPr>
+      </a:lvl4pPr>
+      <a:lvl5pPr eaLnBrk="1" hangingPunct="1">
+        <a:defRPr>
+          <a:solidFill>
+            <a:schemeClr val="tx2"/>
+          </a:solidFill>
+        </a:defRPr>
+      </a:lvl5pPr>
+      <a:lvl6pPr eaLnBrk="1" hangingPunct="1">
+        <a:defRPr>
+          <a:solidFill>
+            <a:schemeClr val="tx2"/>
+          </a:solidFill>
+        </a:defRPr>
+      </a:lvl6pPr>
+      <a:lvl7pPr eaLnBrk="1" hangingPunct="1">
+        <a:defRPr>
+          <a:solidFill>
+            <a:schemeClr val="tx2"/>
+          </a:solidFill>
+        </a:defRPr>
+      </a:lvl7pPr>
+      <a:lvl8pPr eaLnBrk="1" hangingPunct="1">
+        <a:defRPr>
+          <a:solidFill>
+            <a:schemeClr val="tx2"/>
+          </a:solidFill>
+        </a:defRPr>
+      </a:lvl8pPr>
+      <a:lvl9pPr eaLnBrk="1" hangingPunct="1">
+        <a:defRPr>
+          <a:solidFill>
+            <a:schemeClr val="tx2"/>
+          </a:solidFill>
+        </a:defRPr>
+      </a:lvl9pPr>
     </p:titleStyle>
     <p:bodyStyle>
-      <a:lvl1pPr marL="228600" indent="-228600" algn="l" defTabSz="914400" rtl="0" eaLnBrk="1" latinLnBrk="0" hangingPunct="1">
-        <a:lnSpc>
-          <a:spcPct val="90000"/>
-        </a:lnSpc>
+      <a:lvl1pPr marL="342900" indent="-342900" algn="l" defTabSz="457200" rtl="0" eaLnBrk="1" latinLnBrk="0" hangingPunct="1">
         <a:spcBef>
           <a:spcPts val="1000"/>
         </a:spcBef>
-        <a:buFont typeface="Arial" panose="020B0604020202020204" pitchFamily="34" charset="0"/>
-        <a:buChar char="•"/>
-        <a:defRPr sz="2800" kern="1200">
+        <a:spcAft>
+          <a:spcPts val="0"/>
+        </a:spcAft>
+        <a:buClr>
+          <a:schemeClr val="accent1"/>
+        </a:buClr>
+        <a:buSzPct val="80000"/>
+        <a:buFont typeface="Wingdings 3" charset="2"/>
+        <a:buChar char=""/>
+        <a:defRPr sz="1800" kern="1200">
+          <a:solidFill>
+            <a:schemeClr val="tx1">
+              <a:lumMod val="75000"/>
+              <a:lumOff val="25000"/>
+            </a:schemeClr>
+          </a:solidFill>
+          <a:latin typeface="+mn-lt"/>
+          <a:ea typeface="+mn-ea"/>
+          <a:cs typeface="+mn-cs"/>
+        </a:defRPr>
+      </a:lvl1pPr>
+      <a:lvl2pPr marL="742950" indent="-285750" algn="l" defTabSz="457200" rtl="0" eaLnBrk="1" latinLnBrk="0" hangingPunct="1">
+        <a:spcBef>
+          <a:spcPts val="1000"/>
+        </a:spcBef>
+        <a:spcAft>
+          <a:spcPts val="0"/>
+        </a:spcAft>
+        <a:buClr>
+          <a:schemeClr val="accent1"/>
+        </a:buClr>
+        <a:buSzPct val="80000"/>
+        <a:buFont typeface="Wingdings 3" charset="2"/>
+        <a:buChar char=""/>
+        <a:defRPr sz="1600" kern="1200">
+          <a:solidFill>
+            <a:schemeClr val="tx1">
+              <a:lumMod val="75000"/>
+              <a:lumOff val="25000"/>
+            </a:schemeClr>
+          </a:solidFill>
+          <a:latin typeface="+mn-lt"/>
+          <a:ea typeface="+mn-ea"/>
+          <a:cs typeface="+mn-cs"/>
+        </a:defRPr>
+      </a:lvl2pPr>
+      <a:lvl3pPr marL="1143000" indent="-228600" algn="l" defTabSz="457200" rtl="0" eaLnBrk="1" latinLnBrk="0" hangingPunct="1">
+        <a:spcBef>
+          <a:spcPts val="1000"/>
+        </a:spcBef>
+        <a:spcAft>
+          <a:spcPts val="0"/>
+        </a:spcAft>
+        <a:buClr>
+          <a:schemeClr val="accent1"/>
+        </a:buClr>
+        <a:buSzPct val="80000"/>
+        <a:buFont typeface="Wingdings 3" charset="2"/>
+        <a:buChar char=""/>
+        <a:defRPr sz="1400" kern="1200">
+          <a:solidFill>
+            <a:schemeClr val="tx1">
+              <a:lumMod val="75000"/>
+              <a:lumOff val="25000"/>
+            </a:schemeClr>
+          </a:solidFill>
+          <a:latin typeface="+mn-lt"/>
+          <a:ea typeface="+mn-ea"/>
+          <a:cs typeface="+mn-cs"/>
+        </a:defRPr>
+      </a:lvl3pPr>
+      <a:lvl4pPr marL="1600200" indent="-228600" algn="l" defTabSz="457200" rtl="0" eaLnBrk="1" latinLnBrk="0" hangingPunct="1">
+        <a:spcBef>
+          <a:spcPts val="1000"/>
+        </a:spcBef>
+        <a:spcAft>
+          <a:spcPts val="0"/>
+        </a:spcAft>
+        <a:buClr>
+          <a:schemeClr val="accent1"/>
+        </a:buClr>
+        <a:buSzPct val="80000"/>
+        <a:buFont typeface="Wingdings 3" charset="2"/>
+        <a:buChar char=""/>
+        <a:defRPr sz="1200" kern="1200">
+          <a:solidFill>
+            <a:schemeClr val="tx1">
+              <a:lumMod val="75000"/>
+              <a:lumOff val="25000"/>
+            </a:schemeClr>
+          </a:solidFill>
+          <a:latin typeface="+mn-lt"/>
+          <a:ea typeface="+mn-ea"/>
+          <a:cs typeface="+mn-cs"/>
+        </a:defRPr>
+      </a:lvl4pPr>
+      <a:lvl5pPr marL="2057400" indent="-228600" algn="l" defTabSz="457200" rtl="0" eaLnBrk="1" latinLnBrk="0" hangingPunct="1">
+        <a:spcBef>
+          <a:spcPts val="1000"/>
+        </a:spcBef>
+        <a:spcAft>
+          <a:spcPts val="0"/>
+        </a:spcAft>
+        <a:buClr>
+          <a:schemeClr val="accent1"/>
+        </a:buClr>
+        <a:buSzPct val="80000"/>
+        <a:buFont typeface="Wingdings 3" charset="2"/>
+        <a:buChar char=""/>
+        <a:defRPr sz="1200" kern="1200">
+          <a:solidFill>
+            <a:schemeClr val="tx1">
+              <a:lumMod val="75000"/>
+              <a:lumOff val="25000"/>
+            </a:schemeClr>
+          </a:solidFill>
+          <a:latin typeface="+mn-lt"/>
+          <a:ea typeface="+mn-ea"/>
+          <a:cs typeface="+mn-cs"/>
+        </a:defRPr>
+      </a:lvl5pPr>
+      <a:lvl6pPr marL="2514600" indent="-228600" algn="l" defTabSz="457200" rtl="0" eaLnBrk="1" latinLnBrk="0" hangingPunct="1">
+        <a:spcBef>
+          <a:spcPts val="1000"/>
+        </a:spcBef>
+        <a:spcAft>
+          <a:spcPts val="0"/>
+        </a:spcAft>
+        <a:buClr>
+          <a:schemeClr val="accent1"/>
+        </a:buClr>
+        <a:buSzPct val="80000"/>
+        <a:buFont typeface="Wingdings 3" charset="2"/>
+        <a:buChar char=""/>
+        <a:defRPr sz="1200" kern="1200">
+          <a:solidFill>
+            <a:schemeClr val="tx1">
+              <a:lumMod val="75000"/>
+              <a:lumOff val="25000"/>
+            </a:schemeClr>
+          </a:solidFill>
+          <a:latin typeface="+mn-lt"/>
+          <a:ea typeface="+mn-ea"/>
+          <a:cs typeface="+mn-cs"/>
+        </a:defRPr>
+      </a:lvl6pPr>
+      <a:lvl7pPr marL="2971800" indent="-228600" algn="l" defTabSz="457200" rtl="0" eaLnBrk="1" latinLnBrk="0" hangingPunct="1">
+        <a:spcBef>
+          <a:spcPts val="1000"/>
+        </a:spcBef>
+        <a:spcAft>
+          <a:spcPts val="0"/>
+        </a:spcAft>
+        <a:buClr>
+          <a:schemeClr val="accent1"/>
+        </a:buClr>
+        <a:buSzPct val="80000"/>
+        <a:buFont typeface="Wingdings 3" charset="2"/>
+        <a:buChar char=""/>
+        <a:defRPr sz="1200" kern="1200">
+          <a:solidFill>
+            <a:schemeClr val="tx1">
+              <a:lumMod val="75000"/>
+              <a:lumOff val="25000"/>
+            </a:schemeClr>
+          </a:solidFill>
+          <a:latin typeface="+mn-lt"/>
+          <a:ea typeface="+mn-ea"/>
+          <a:cs typeface="+mn-cs"/>
+        </a:defRPr>
+      </a:lvl7pPr>
+      <a:lvl8pPr marL="3429000" indent="-228600" algn="l" defTabSz="457200" rtl="0" eaLnBrk="1" latinLnBrk="0" hangingPunct="1">
+        <a:spcBef>
+          <a:spcPts val="1000"/>
+        </a:spcBef>
+        <a:spcAft>
+          <a:spcPts val="0"/>
+        </a:spcAft>
+        <a:buClr>
+          <a:schemeClr val="accent1"/>
+        </a:buClr>
+        <a:buSzPct val="80000"/>
+        <a:buFont typeface="Wingdings 3" charset="2"/>
+        <a:buChar char=""/>
+        <a:defRPr sz="1200" kern="1200">
+          <a:solidFill>
+            <a:schemeClr val="tx1">
+              <a:lumMod val="75000"/>
+              <a:lumOff val="25000"/>
+            </a:schemeClr>
+          </a:solidFill>
+          <a:latin typeface="+mn-lt"/>
+          <a:ea typeface="+mn-ea"/>
+          <a:cs typeface="+mn-cs"/>
+        </a:defRPr>
+      </a:lvl8pPr>
+      <a:lvl9pPr marL="3886200" indent="-228600" algn="l" defTabSz="457200" rtl="0" eaLnBrk="1" latinLnBrk="0" hangingPunct="1">
+        <a:spcBef>
+          <a:spcPts val="1000"/>
+        </a:spcBef>
+        <a:spcAft>
+          <a:spcPts val="0"/>
+        </a:spcAft>
+        <a:buClr>
+          <a:schemeClr val="accent1"/>
+        </a:buClr>
+        <a:buSzPct val="80000"/>
+        <a:buFont typeface="Wingdings 3" charset="2"/>
+        <a:buChar char=""/>
+        <a:defRPr sz="1200" kern="1200">
+          <a:solidFill>
+            <a:schemeClr val="tx1">
+              <a:lumMod val="75000"/>
+              <a:lumOff val="25000"/>
+            </a:schemeClr>
+          </a:solidFill>
+          <a:latin typeface="+mn-lt"/>
+          <a:ea typeface="+mn-ea"/>
+          <a:cs typeface="+mn-cs"/>
+        </a:defRPr>
+      </a:lvl9pPr>
+    </p:bodyStyle>
+    <p:otherStyle>
+      <a:defPPr>
+        <a:defRPr lang="en-US"/>
+      </a:defPPr>
+      <a:lvl1pPr marL="0" algn="l" defTabSz="457200" rtl="0" eaLnBrk="1" latinLnBrk="0" hangingPunct="1">
+        <a:defRPr sz="1800" kern="1200">
           <a:solidFill>
             <a:schemeClr val="tx1"/>
           </a:solidFill>
@@ -3060,16 +5748,8 @@
           <a:cs typeface="+mn-cs"/>
         </a:defRPr>
       </a:lvl1pPr>
-      <a:lvl2pPr marL="685800" indent="-228600" algn="l" defTabSz="914400" rtl="0" eaLnBrk="1" latinLnBrk="0" hangingPunct="1">
-        <a:lnSpc>
-          <a:spcPct val="90000"/>
-        </a:lnSpc>
-        <a:spcBef>
-          <a:spcPts val="500"/>
-        </a:spcBef>
-        <a:buFont typeface="Arial" panose="020B0604020202020204" pitchFamily="34" charset="0"/>
-        <a:buChar char="•"/>
-        <a:defRPr sz="2400" kern="1200">
+      <a:lvl2pPr marL="457200" algn="l" defTabSz="457200" rtl="0" eaLnBrk="1" latinLnBrk="0" hangingPunct="1">
+        <a:defRPr sz="1800" kern="1200">
           <a:solidFill>
             <a:schemeClr val="tx1"/>
           </a:solidFill>
@@ -3078,16 +5758,8 @@
           <a:cs typeface="+mn-cs"/>
         </a:defRPr>
       </a:lvl2pPr>
-      <a:lvl3pPr marL="1143000" indent="-228600" algn="l" defTabSz="914400" rtl="0" eaLnBrk="1" latinLnBrk="0" hangingPunct="1">
-        <a:lnSpc>
-          <a:spcPct val="90000"/>
-        </a:lnSpc>
-        <a:spcBef>
-          <a:spcPts val="500"/>
-        </a:spcBef>
-        <a:buFont typeface="Arial" panose="020B0604020202020204" pitchFamily="34" charset="0"/>
-        <a:buChar char="•"/>
-        <a:defRPr sz="2000" kern="1200">
+      <a:lvl3pPr marL="914400" algn="l" defTabSz="457200" rtl="0" eaLnBrk="1" latinLnBrk="0" hangingPunct="1">
+        <a:defRPr sz="1800" kern="1200">
           <a:solidFill>
             <a:schemeClr val="tx1"/>
           </a:solidFill>
@@ -3096,15 +5768,7 @@
           <a:cs typeface="+mn-cs"/>
         </a:defRPr>
       </a:lvl3pPr>
-      <a:lvl4pPr marL="1600200" indent="-228600" algn="l" defTabSz="914400" rtl="0" eaLnBrk="1" latinLnBrk="0" hangingPunct="1">
-        <a:lnSpc>
-          <a:spcPct val="90000"/>
-        </a:lnSpc>
-        <a:spcBef>
-          <a:spcPts val="500"/>
-        </a:spcBef>
-        <a:buFont typeface="Arial" panose="020B0604020202020204" pitchFamily="34" charset="0"/>
-        <a:buChar char="•"/>
+      <a:lvl4pPr marL="1371600" algn="l" defTabSz="457200" rtl="0" eaLnBrk="1" latinLnBrk="0" hangingPunct="1">
         <a:defRPr sz="1800" kern="1200">
           <a:solidFill>
             <a:schemeClr val="tx1"/>
@@ -3114,15 +5778,7 @@
           <a:cs typeface="+mn-cs"/>
         </a:defRPr>
       </a:lvl4pPr>
-      <a:lvl5pPr marL="2057400" indent="-228600" algn="l" defTabSz="914400" rtl="0" eaLnBrk="1" latinLnBrk="0" hangingPunct="1">
-        <a:lnSpc>
-          <a:spcPct val="90000"/>
-        </a:lnSpc>
-        <a:spcBef>
-          <a:spcPts val="500"/>
-        </a:spcBef>
-        <a:buFont typeface="Arial" panose="020B0604020202020204" pitchFamily="34" charset="0"/>
-        <a:buChar char="•"/>
+      <a:lvl5pPr marL="1828800" algn="l" defTabSz="457200" rtl="0" eaLnBrk="1" latinLnBrk="0" hangingPunct="1">
         <a:defRPr sz="1800" kern="1200">
           <a:solidFill>
             <a:schemeClr val="tx1"/>
@@ -3132,15 +5788,7 @@
           <a:cs typeface="+mn-cs"/>
         </a:defRPr>
       </a:lvl5pPr>
-      <a:lvl6pPr marL="2514600" indent="-228600" algn="l" defTabSz="914400" rtl="0" eaLnBrk="1" latinLnBrk="0" hangingPunct="1">
-        <a:lnSpc>
-          <a:spcPct val="90000"/>
-        </a:lnSpc>
-        <a:spcBef>
-          <a:spcPts val="500"/>
-        </a:spcBef>
-        <a:buFont typeface="Arial" panose="020B0604020202020204" pitchFamily="34" charset="0"/>
-        <a:buChar char="•"/>
+      <a:lvl6pPr marL="2286000" algn="l" defTabSz="457200" rtl="0" eaLnBrk="1" latinLnBrk="0" hangingPunct="1">
         <a:defRPr sz="1800" kern="1200">
           <a:solidFill>
             <a:schemeClr val="tx1"/>
@@ -3150,15 +5798,7 @@
           <a:cs typeface="+mn-cs"/>
         </a:defRPr>
       </a:lvl6pPr>
-      <a:lvl7pPr marL="2971800" indent="-228600" algn="l" defTabSz="914400" rtl="0" eaLnBrk="1" latinLnBrk="0" hangingPunct="1">
-        <a:lnSpc>
-          <a:spcPct val="90000"/>
-        </a:lnSpc>
-        <a:spcBef>
-          <a:spcPts val="500"/>
-        </a:spcBef>
-        <a:buFont typeface="Arial" panose="020B0604020202020204" pitchFamily="34" charset="0"/>
-        <a:buChar char="•"/>
+      <a:lvl7pPr marL="2743200" algn="l" defTabSz="457200" rtl="0" eaLnBrk="1" latinLnBrk="0" hangingPunct="1">
         <a:defRPr sz="1800" kern="1200">
           <a:solidFill>
             <a:schemeClr val="tx1"/>
@@ -3168,15 +5808,7 @@
           <a:cs typeface="+mn-cs"/>
         </a:defRPr>
       </a:lvl7pPr>
-      <a:lvl8pPr marL="3429000" indent="-228600" algn="l" defTabSz="914400" rtl="0" eaLnBrk="1" latinLnBrk="0" hangingPunct="1">
-        <a:lnSpc>
-          <a:spcPct val="90000"/>
-        </a:lnSpc>
-        <a:spcBef>
-          <a:spcPts val="500"/>
-        </a:spcBef>
-        <a:buFont typeface="Arial" panose="020B0604020202020204" pitchFamily="34" charset="0"/>
-        <a:buChar char="•"/>
+      <a:lvl8pPr marL="3200400" algn="l" defTabSz="457200" rtl="0" eaLnBrk="1" latinLnBrk="0" hangingPunct="1">
         <a:defRPr sz="1800" kern="1200">
           <a:solidFill>
             <a:schemeClr val="tx1"/>
@@ -3186,110 +5818,7 @@
           <a:cs typeface="+mn-cs"/>
         </a:defRPr>
       </a:lvl8pPr>
-      <a:lvl9pPr marL="3886200" indent="-228600" algn="l" defTabSz="914400" rtl="0" eaLnBrk="1" latinLnBrk="0" hangingPunct="1">
-        <a:lnSpc>
-          <a:spcPct val="90000"/>
-        </a:lnSpc>
-        <a:spcBef>
-          <a:spcPts val="500"/>
-        </a:spcBef>
-        <a:buFont typeface="Arial" panose="020B0604020202020204" pitchFamily="34" charset="0"/>
-        <a:buChar char="•"/>
-        <a:defRPr sz="1800" kern="1200">
-          <a:solidFill>
-            <a:schemeClr val="tx1"/>
-          </a:solidFill>
-          <a:latin typeface="+mn-lt"/>
-          <a:ea typeface="+mn-ea"/>
-          <a:cs typeface="+mn-cs"/>
-        </a:defRPr>
-      </a:lvl9pPr>
-    </p:bodyStyle>
-    <p:otherStyle>
-      <a:defPPr>
-        <a:defRPr lang="hu-HU"/>
-      </a:defPPr>
-      <a:lvl1pPr marL="0" algn="l" defTabSz="914400" rtl="0" eaLnBrk="1" latinLnBrk="0" hangingPunct="1">
-        <a:defRPr sz="1800" kern="1200">
-          <a:solidFill>
-            <a:schemeClr val="tx1"/>
-          </a:solidFill>
-          <a:latin typeface="+mn-lt"/>
-          <a:ea typeface="+mn-ea"/>
-          <a:cs typeface="+mn-cs"/>
-        </a:defRPr>
-      </a:lvl1pPr>
-      <a:lvl2pPr marL="457200" algn="l" defTabSz="914400" rtl="0" eaLnBrk="1" latinLnBrk="0" hangingPunct="1">
-        <a:defRPr sz="1800" kern="1200">
-          <a:solidFill>
-            <a:schemeClr val="tx1"/>
-          </a:solidFill>
-          <a:latin typeface="+mn-lt"/>
-          <a:ea typeface="+mn-ea"/>
-          <a:cs typeface="+mn-cs"/>
-        </a:defRPr>
-      </a:lvl2pPr>
-      <a:lvl3pPr marL="914400" algn="l" defTabSz="914400" rtl="0" eaLnBrk="1" latinLnBrk="0" hangingPunct="1">
-        <a:defRPr sz="1800" kern="1200">
-          <a:solidFill>
-            <a:schemeClr val="tx1"/>
-          </a:solidFill>
-          <a:latin typeface="+mn-lt"/>
-          <a:ea typeface="+mn-ea"/>
-          <a:cs typeface="+mn-cs"/>
-        </a:defRPr>
-      </a:lvl3pPr>
-      <a:lvl4pPr marL="1371600" algn="l" defTabSz="914400" rtl="0" eaLnBrk="1" latinLnBrk="0" hangingPunct="1">
-        <a:defRPr sz="1800" kern="1200">
-          <a:solidFill>
-            <a:schemeClr val="tx1"/>
-          </a:solidFill>
-          <a:latin typeface="+mn-lt"/>
-          <a:ea typeface="+mn-ea"/>
-          <a:cs typeface="+mn-cs"/>
-        </a:defRPr>
-      </a:lvl4pPr>
-      <a:lvl5pPr marL="1828800" algn="l" defTabSz="914400" rtl="0" eaLnBrk="1" latinLnBrk="0" hangingPunct="1">
-        <a:defRPr sz="1800" kern="1200">
-          <a:solidFill>
-            <a:schemeClr val="tx1"/>
-          </a:solidFill>
-          <a:latin typeface="+mn-lt"/>
-          <a:ea typeface="+mn-ea"/>
-          <a:cs typeface="+mn-cs"/>
-        </a:defRPr>
-      </a:lvl5pPr>
-      <a:lvl6pPr marL="2286000" algn="l" defTabSz="914400" rtl="0" eaLnBrk="1" latinLnBrk="0" hangingPunct="1">
-        <a:defRPr sz="1800" kern="1200">
-          <a:solidFill>
-            <a:schemeClr val="tx1"/>
-          </a:solidFill>
-          <a:latin typeface="+mn-lt"/>
-          <a:ea typeface="+mn-ea"/>
-          <a:cs typeface="+mn-cs"/>
-        </a:defRPr>
-      </a:lvl6pPr>
-      <a:lvl7pPr marL="2743200" algn="l" defTabSz="914400" rtl="0" eaLnBrk="1" latinLnBrk="0" hangingPunct="1">
-        <a:defRPr sz="1800" kern="1200">
-          <a:solidFill>
-            <a:schemeClr val="tx1"/>
-          </a:solidFill>
-          <a:latin typeface="+mn-lt"/>
-          <a:ea typeface="+mn-ea"/>
-          <a:cs typeface="+mn-cs"/>
-        </a:defRPr>
-      </a:lvl7pPr>
-      <a:lvl8pPr marL="3200400" algn="l" defTabSz="914400" rtl="0" eaLnBrk="1" latinLnBrk="0" hangingPunct="1">
-        <a:defRPr sz="1800" kern="1200">
-          <a:solidFill>
-            <a:schemeClr val="tx1"/>
-          </a:solidFill>
-          <a:latin typeface="+mn-lt"/>
-          <a:ea typeface="+mn-ea"/>
-          <a:cs typeface="+mn-cs"/>
-        </a:defRPr>
-      </a:lvl8pPr>
-      <a:lvl9pPr marL="3657600" algn="l" defTabSz="914400" rtl="0" eaLnBrk="1" latinLnBrk="0" hangingPunct="1">
+      <a:lvl9pPr marL="3657600" algn="l" defTabSz="457200" rtl="0" eaLnBrk="1" latinLnBrk="0" hangingPunct="1">
         <a:defRPr sz="1800" kern="1200">
           <a:solidFill>
             <a:schemeClr val="tx1"/>
@@ -3339,10 +5868,19 @@
         </p:nvSpPr>
         <p:spPr/>
         <p:txBody>
-          <a:bodyPr/>
-          <a:lstStyle/>
-          <a:p>
-            <a:endParaRPr lang="hu-HU"/>
+          <a:bodyPr>
+            <a:normAutofit/>
+          </a:bodyPr>
+          <a:lstStyle/>
+          <a:p>
+            <a:r>
+              <a:rPr lang="hu-HU" b="1" dirty="0" err="1"/>
+              <a:t>IMDb</a:t>
+            </a:r>
+            <a:r>
+              <a:rPr lang="hu-HU" b="1" dirty="0"/>
+              <a:t> koppintás</a:t>
+            </a:r>
           </a:p>
         </p:txBody>
       </p:sp>
@@ -3362,12 +5900,85 @@
             <p:ph type="subTitle" idx="1"/>
           </p:nvPr>
         </p:nvSpPr>
-        <p:spPr/>
+        <p:spPr>
+          <a:xfrm>
+            <a:off x="1198485" y="4050833"/>
+            <a:ext cx="8075518" cy="1096899"/>
+          </a:xfrm>
+        </p:spPr>
         <p:txBody>
           <a:bodyPr/>
           <a:lstStyle/>
           <a:p>
-            <a:endParaRPr lang="hu-HU"/>
+            <a:r>
+              <a:rPr lang="hu-HU" dirty="0"/>
+              <a:t>Szoftverfejlesztés .NET platformon – </a:t>
+            </a:r>
+            <a:r>
+              <a:rPr lang="hu-HU" dirty="0" err="1"/>
+              <a:t>Blazor</a:t>
+            </a:r>
+            <a:r>
+              <a:rPr lang="hu-HU" dirty="0"/>
+              <a:t>, </a:t>
+            </a:r>
+            <a:r>
+              <a:rPr lang="hu-HU" dirty="0" err="1"/>
+              <a:t>MudBlazor</a:t>
+            </a:r>
+            <a:r>
+              <a:rPr lang="hu-HU" dirty="0"/>
+              <a:t> komponens könyvtár</a:t>
+            </a:r>
+          </a:p>
+        </p:txBody>
+      </p:sp>
+      <p:sp>
+        <p:nvSpPr>
+          <p:cNvPr id="5" name="Szövegdoboz 4">
+            <a:extLst>
+              <a:ext uri="{FF2B5EF4-FFF2-40B4-BE49-F238E27FC236}">
+                <a16:creationId xmlns:a16="http://schemas.microsoft.com/office/drawing/2014/main" id="{E7616FA4-1180-4E90-BFD8-96DC9487579B}"/>
+              </a:ext>
+            </a:extLst>
+          </p:cNvPr>
+          <p:cNvSpPr txBox="1"/>
+          <p:nvPr/>
+        </p:nvSpPr>
+        <p:spPr>
+          <a:xfrm>
+            <a:off x="585927" y="5759411"/>
+            <a:ext cx="4918229" cy="646331"/>
+          </a:xfrm>
+          <a:prstGeom prst="rect">
+            <a:avLst/>
+          </a:prstGeom>
+          <a:noFill/>
+        </p:spPr>
+        <p:txBody>
+          <a:bodyPr wrap="square" rtlCol="0">
+            <a:spAutoFit/>
+          </a:bodyPr>
+          <a:lstStyle/>
+          <a:p>
+            <a:r>
+              <a:rPr lang="hu-HU" dirty="0">
+                <a:solidFill>
+                  <a:schemeClr val="accent2"/>
+                </a:solidFill>
+              </a:rPr>
+              <a:t>Készítette: Horváth Szabolcs</a:t>
+            </a:r>
+          </a:p>
+          <a:p>
+            <a:r>
+              <a:rPr lang="hu-HU" dirty="0">
+                <a:solidFill>
+                  <a:schemeClr val="accent2"/>
+                </a:solidFill>
+              </a:rPr>
+              <a:t>Konzulens: Simon Balázs</a:t>
+            </a:r>
           </a:p>
         </p:txBody>
       </p:sp>
@@ -3384,10 +5995,1487 @@
 </p:sld>
 </file>
 
+<file path=ppt/slides/slide10.xml><?xml version="1.0" encoding="utf-8"?>
+<p:sld xmlns:a="http://schemas.openxmlformats.org/drawingml/2006/main" xmlns:r="http://schemas.openxmlformats.org/officeDocument/2006/relationships" xmlns:p="http://schemas.openxmlformats.org/presentationml/2006/main">
+  <p:cSld>
+    <p:spTree>
+      <p:nvGrpSpPr>
+        <p:cNvPr id="1" name=""/>
+        <p:cNvGrpSpPr/>
+        <p:nvPr/>
+      </p:nvGrpSpPr>
+      <p:grpSpPr>
+        <a:xfrm>
+          <a:off x="0" y="0"/>
+          <a:ext cx="0" cy="0"/>
+          <a:chOff x="0" y="0"/>
+          <a:chExt cx="0" cy="0"/>
+        </a:xfrm>
+      </p:grpSpPr>
+      <p:sp>
+        <p:nvSpPr>
+          <p:cNvPr id="2" name="Cím 1">
+            <a:extLst>
+              <a:ext uri="{FF2B5EF4-FFF2-40B4-BE49-F238E27FC236}">
+                <a16:creationId xmlns:a16="http://schemas.microsoft.com/office/drawing/2014/main" id="{1E2D9735-C96C-45DA-9679-86E506A3C5D8}"/>
+              </a:ext>
+            </a:extLst>
+          </p:cNvPr>
+          <p:cNvSpPr>
+            <a:spLocks noGrp="1"/>
+          </p:cNvSpPr>
+          <p:nvPr>
+            <p:ph type="title"/>
+          </p:nvPr>
+        </p:nvSpPr>
+        <p:spPr/>
+        <p:txBody>
+          <a:bodyPr/>
+          <a:lstStyle/>
+          <a:p>
+            <a:r>
+              <a:rPr lang="hu-HU" dirty="0" err="1"/>
+              <a:t>Statistics</a:t>
+            </a:r>
+            <a:r>
+              <a:rPr lang="hu-HU" dirty="0"/>
+              <a:t> – Grafikon komponensek</a:t>
+            </a:r>
+          </a:p>
+        </p:txBody>
+      </p:sp>
+      <p:pic>
+        <p:nvPicPr>
+          <p:cNvPr id="5" name="Tartalom helye 4">
+            <a:extLst>
+              <a:ext uri="{FF2B5EF4-FFF2-40B4-BE49-F238E27FC236}">
+                <a16:creationId xmlns:a16="http://schemas.microsoft.com/office/drawing/2014/main" id="{3D1D0AF8-6040-4AED-BB32-7BAEA65514C1}"/>
+              </a:ext>
+            </a:extLst>
+          </p:cNvPr>
+          <p:cNvPicPr>
+            <a:picLocks noGrp="1" noChangeAspect="1"/>
+          </p:cNvPicPr>
+          <p:nvPr>
+            <p:ph idx="1"/>
+          </p:nvPr>
+        </p:nvPicPr>
+        <p:blipFill>
+          <a:blip r:embed="rId2"/>
+          <a:stretch>
+            <a:fillRect/>
+          </a:stretch>
+        </p:blipFill>
+        <p:spPr>
+          <a:xfrm>
+            <a:off x="601134" y="1800875"/>
+            <a:ext cx="10009716" cy="4403498"/>
+          </a:xfrm>
+        </p:spPr>
+      </p:pic>
+    </p:spTree>
+    <p:extLst>
+      <p:ext uri="{BB962C8B-B14F-4D97-AF65-F5344CB8AC3E}">
+        <p14:creationId xmlns:p14="http://schemas.microsoft.com/office/powerpoint/2010/main" val="777452214"/>
+      </p:ext>
+    </p:extLst>
+  </p:cSld>
+  <p:clrMapOvr>
+    <a:masterClrMapping/>
+  </p:clrMapOvr>
+</p:sld>
+</file>
+
+<file path=ppt/slides/slide11.xml><?xml version="1.0" encoding="utf-8"?>
+<p:sld xmlns:a="http://schemas.openxmlformats.org/drawingml/2006/main" xmlns:r="http://schemas.openxmlformats.org/officeDocument/2006/relationships" xmlns:p="http://schemas.openxmlformats.org/presentationml/2006/main">
+  <p:cSld>
+    <p:spTree>
+      <p:nvGrpSpPr>
+        <p:cNvPr id="1" name=""/>
+        <p:cNvGrpSpPr/>
+        <p:nvPr/>
+      </p:nvGrpSpPr>
+      <p:grpSpPr>
+        <a:xfrm>
+          <a:off x="0" y="0"/>
+          <a:ext cx="0" cy="0"/>
+          <a:chOff x="0" y="0"/>
+          <a:chExt cx="0" cy="0"/>
+        </a:xfrm>
+      </p:grpSpPr>
+      <p:sp>
+        <p:nvSpPr>
+          <p:cNvPr id="2" name="Cím 1">
+            <a:extLst>
+              <a:ext uri="{FF2B5EF4-FFF2-40B4-BE49-F238E27FC236}">
+                <a16:creationId xmlns:a16="http://schemas.microsoft.com/office/drawing/2014/main" id="{113E1294-0EF5-47DB-94CA-F8FE16F2D261}"/>
+              </a:ext>
+            </a:extLst>
+          </p:cNvPr>
+          <p:cNvSpPr>
+            <a:spLocks noGrp="1"/>
+          </p:cNvSpPr>
+          <p:nvPr>
+            <p:ph type="title"/>
+          </p:nvPr>
+        </p:nvSpPr>
+        <p:spPr/>
+        <p:txBody>
+          <a:bodyPr/>
+          <a:lstStyle/>
+          <a:p>
+            <a:r>
+              <a:rPr lang="hu-HU" dirty="0"/>
+              <a:t>További tervek/ lehetőségek</a:t>
+            </a:r>
+          </a:p>
+        </p:txBody>
+      </p:sp>
+      <p:sp>
+        <p:nvSpPr>
+          <p:cNvPr id="3" name="Tartalom helye 2">
+            <a:extLst>
+              <a:ext uri="{FF2B5EF4-FFF2-40B4-BE49-F238E27FC236}">
+                <a16:creationId xmlns:a16="http://schemas.microsoft.com/office/drawing/2014/main" id="{356B280C-372F-429B-9DF9-00D43D3A49CD}"/>
+              </a:ext>
+            </a:extLst>
+          </p:cNvPr>
+          <p:cNvSpPr>
+            <a:spLocks noGrp="1"/>
+          </p:cNvSpPr>
+          <p:nvPr>
+            <p:ph idx="1"/>
+          </p:nvPr>
+        </p:nvSpPr>
+        <p:spPr/>
+        <p:txBody>
+          <a:bodyPr>
+            <a:normAutofit/>
+          </a:bodyPr>
+          <a:lstStyle/>
+          <a:p>
+            <a:r>
+              <a:rPr lang="hu-HU" sz="2400" dirty="0" err="1"/>
+              <a:t>Authentikáció</a:t>
+            </a:r>
+            <a:endParaRPr lang="hu-HU" sz="2400" dirty="0"/>
+          </a:p>
+          <a:p>
+            <a:r>
+              <a:rPr lang="hu-HU" sz="2400" dirty="0"/>
+              <a:t>Poszterek, </a:t>
+            </a:r>
+            <a:r>
+              <a:rPr lang="hu-HU" sz="2400" dirty="0" err="1"/>
+              <a:t>trailerek</a:t>
+            </a:r>
+            <a:endParaRPr lang="hu-HU" sz="2400" dirty="0"/>
+          </a:p>
+          <a:p>
+            <a:r>
+              <a:rPr lang="hu-HU" sz="2400" dirty="0" err="1"/>
+              <a:t>Review</a:t>
+            </a:r>
+            <a:r>
+              <a:rPr lang="hu-HU" sz="2400" dirty="0"/>
+              <a:t> lehetőség</a:t>
+            </a:r>
+          </a:p>
+          <a:p>
+            <a:r>
+              <a:rPr lang="hu-HU" sz="2400" dirty="0"/>
+              <a:t>Filmajánlás</a:t>
+            </a:r>
+          </a:p>
+          <a:p>
+            <a:r>
+              <a:rPr lang="hu-HU" sz="2400" dirty="0"/>
+              <a:t>Tesztelés</a:t>
+            </a:r>
+          </a:p>
+          <a:p>
+            <a:r>
+              <a:rPr lang="hu-HU" sz="2400" dirty="0" err="1"/>
+              <a:t>MiniGames</a:t>
+            </a:r>
+            <a:r>
+              <a:rPr lang="hu-HU" sz="2400" dirty="0"/>
+              <a:t>, (pl. </a:t>
+            </a:r>
+            <a:r>
+              <a:rPr lang="hu-HU" sz="2400" dirty="0" err="1"/>
+              <a:t>Higher</a:t>
+            </a:r>
+            <a:r>
+              <a:rPr lang="hu-HU" sz="2400" dirty="0"/>
+              <a:t> </a:t>
+            </a:r>
+            <a:r>
+              <a:rPr lang="hu-HU" sz="2400" dirty="0" err="1"/>
+              <a:t>or</a:t>
+            </a:r>
+            <a:r>
+              <a:rPr lang="hu-HU" sz="2400" dirty="0"/>
+              <a:t> </a:t>
+            </a:r>
+            <a:r>
+              <a:rPr lang="hu-HU" sz="2400" dirty="0" err="1"/>
+              <a:t>Lower</a:t>
+            </a:r>
+            <a:r>
+              <a:rPr lang="hu-HU" sz="2400" dirty="0"/>
+              <a:t> </a:t>
+            </a:r>
+            <a:r>
+              <a:rPr lang="hu-HU" sz="2400" dirty="0" err="1"/>
+              <a:t>rating</a:t>
+            </a:r>
+            <a:r>
+              <a:rPr lang="hu-HU" sz="2400" dirty="0"/>
+              <a:t> alapján)</a:t>
+            </a:r>
+          </a:p>
+        </p:txBody>
+      </p:sp>
+    </p:spTree>
+    <p:extLst>
+      <p:ext uri="{BB962C8B-B14F-4D97-AF65-F5344CB8AC3E}">
+        <p14:creationId xmlns:p14="http://schemas.microsoft.com/office/powerpoint/2010/main" val="2364547284"/>
+      </p:ext>
+    </p:extLst>
+  </p:cSld>
+  <p:clrMapOvr>
+    <a:masterClrMapping/>
+  </p:clrMapOvr>
+</p:sld>
+</file>
+
+<file path=ppt/slides/slide12.xml><?xml version="1.0" encoding="utf-8"?>
+<p:sld xmlns:a="http://schemas.openxmlformats.org/drawingml/2006/main" xmlns:r="http://schemas.openxmlformats.org/officeDocument/2006/relationships" xmlns:p="http://schemas.openxmlformats.org/presentationml/2006/main">
+  <p:cSld>
+    <p:spTree>
+      <p:nvGrpSpPr>
+        <p:cNvPr id="1" name=""/>
+        <p:cNvGrpSpPr/>
+        <p:nvPr/>
+      </p:nvGrpSpPr>
+      <p:grpSpPr>
+        <a:xfrm>
+          <a:off x="0" y="0"/>
+          <a:ext cx="0" cy="0"/>
+          <a:chOff x="0" y="0"/>
+          <a:chExt cx="0" cy="0"/>
+        </a:xfrm>
+      </p:grpSpPr>
+      <p:sp>
+        <p:nvSpPr>
+          <p:cNvPr id="4" name="Cím 3">
+            <a:extLst>
+              <a:ext uri="{FF2B5EF4-FFF2-40B4-BE49-F238E27FC236}">
+                <a16:creationId xmlns:a16="http://schemas.microsoft.com/office/drawing/2014/main" id="{2409AB5F-989A-4503-AD19-135394690164}"/>
+              </a:ext>
+            </a:extLst>
+          </p:cNvPr>
+          <p:cNvSpPr>
+            <a:spLocks noGrp="1"/>
+          </p:cNvSpPr>
+          <p:nvPr>
+            <p:ph type="ctrTitle"/>
+          </p:nvPr>
+        </p:nvSpPr>
+        <p:spPr/>
+        <p:txBody>
+          <a:bodyPr/>
+          <a:lstStyle/>
+          <a:p>
+            <a:r>
+              <a:rPr lang="hu-HU" dirty="0"/>
+              <a:t>Köszönöm a figyelmet!</a:t>
+            </a:r>
+          </a:p>
+        </p:txBody>
+      </p:sp>
+    </p:spTree>
+    <p:extLst>
+      <p:ext uri="{BB962C8B-B14F-4D97-AF65-F5344CB8AC3E}">
+        <p14:creationId xmlns:p14="http://schemas.microsoft.com/office/powerpoint/2010/main" val="327853584"/>
+      </p:ext>
+    </p:extLst>
+  </p:cSld>
+  <p:clrMapOvr>
+    <a:masterClrMapping/>
+  </p:clrMapOvr>
+</p:sld>
+</file>
+
+<file path=ppt/slides/slide2.xml><?xml version="1.0" encoding="utf-8"?>
+<p:sld xmlns:a="http://schemas.openxmlformats.org/drawingml/2006/main" xmlns:r="http://schemas.openxmlformats.org/officeDocument/2006/relationships" xmlns:p="http://schemas.openxmlformats.org/presentationml/2006/main">
+  <p:cSld>
+    <p:bg>
+      <p:bgPr>
+        <a:solidFill>
+          <a:schemeClr val="bg1"/>
+        </a:solidFill>
+        <a:effectLst/>
+      </p:bgPr>
+    </p:bg>
+    <p:spTree>
+      <p:nvGrpSpPr>
+        <p:cNvPr id="1" name=""/>
+        <p:cNvGrpSpPr/>
+        <p:nvPr/>
+      </p:nvGrpSpPr>
+      <p:grpSpPr>
+        <a:xfrm>
+          <a:off x="0" y="0"/>
+          <a:ext cx="0" cy="0"/>
+          <a:chOff x="0" y="0"/>
+          <a:chExt cx="0" cy="0"/>
+        </a:xfrm>
+      </p:grpSpPr>
+      <p:sp>
+        <p:nvSpPr>
+          <p:cNvPr id="2" name="Cím 1">
+            <a:extLst>
+              <a:ext uri="{FF2B5EF4-FFF2-40B4-BE49-F238E27FC236}">
+                <a16:creationId xmlns:a16="http://schemas.microsoft.com/office/drawing/2014/main" id="{C1D8D133-6098-486C-B6AC-AE88F1F5A267}"/>
+              </a:ext>
+            </a:extLst>
+          </p:cNvPr>
+          <p:cNvSpPr>
+            <a:spLocks noGrp="1"/>
+          </p:cNvSpPr>
+          <p:nvPr>
+            <p:ph type="title"/>
+          </p:nvPr>
+        </p:nvSpPr>
+        <p:spPr>
+          <a:xfrm>
+            <a:off x="677334" y="609600"/>
+            <a:ext cx="8596668" cy="1320800"/>
+          </a:xfrm>
+        </p:spPr>
+        <p:txBody>
+          <a:bodyPr anchor="t">
+            <a:normAutofit/>
+          </a:bodyPr>
+          <a:lstStyle/>
+          <a:p>
+            <a:r>
+              <a:rPr lang="hu-HU" dirty="0"/>
+              <a:t>A backend</a:t>
+            </a:r>
+          </a:p>
+        </p:txBody>
+      </p:sp>
+      <p:pic>
+        <p:nvPicPr>
+          <p:cNvPr id="5" name="Tartalom helye 4">
+            <a:extLst>
+              <a:ext uri="{FF2B5EF4-FFF2-40B4-BE49-F238E27FC236}">
+                <a16:creationId xmlns:a16="http://schemas.microsoft.com/office/drawing/2014/main" id="{B6770EBD-0FA4-460A-9A8A-7F193538AD04}"/>
+              </a:ext>
+            </a:extLst>
+          </p:cNvPr>
+          <p:cNvPicPr>
+            <a:picLocks noChangeAspect="1"/>
+          </p:cNvPicPr>
+          <p:nvPr/>
+        </p:nvPicPr>
+        <p:blipFill>
+          <a:blip r:embed="rId2"/>
+          <a:stretch>
+            <a:fillRect/>
+          </a:stretch>
+        </p:blipFill>
+        <p:spPr>
+          <a:xfrm>
+            <a:off x="899936" y="2160589"/>
+            <a:ext cx="3175264" cy="3882362"/>
+          </a:xfrm>
+          <a:prstGeom prst="rect">
+            <a:avLst/>
+          </a:prstGeom>
+        </p:spPr>
+      </p:pic>
+      <p:sp>
+        <p:nvSpPr>
+          <p:cNvPr id="9" name="Content Placeholder 8">
+            <a:extLst>
+              <a:ext uri="{FF2B5EF4-FFF2-40B4-BE49-F238E27FC236}">
+                <a16:creationId xmlns:a16="http://schemas.microsoft.com/office/drawing/2014/main" id="{4F580E9E-2B42-E770-63DC-C6A04C1D28C9}"/>
+              </a:ext>
+            </a:extLst>
+          </p:cNvPr>
+          <p:cNvSpPr>
+            <a:spLocks noGrp="1"/>
+          </p:cNvSpPr>
+          <p:nvPr>
+            <p:ph idx="1"/>
+          </p:nvPr>
+        </p:nvSpPr>
+        <p:spPr>
+          <a:xfrm>
+            <a:off x="4419601" y="2160589"/>
+            <a:ext cx="4923624" cy="3880773"/>
+          </a:xfrm>
+        </p:spPr>
+        <p:txBody>
+          <a:bodyPr>
+            <a:normAutofit/>
+          </a:bodyPr>
+          <a:lstStyle/>
+          <a:p>
+            <a:r>
+              <a:rPr lang="hu-HU" sz="2400" dirty="0"/>
+              <a:t>MSSQL</a:t>
+            </a:r>
+          </a:p>
+          <a:p>
+            <a:r>
+              <a:rPr lang="hu-HU" sz="2400" dirty="0"/>
+              <a:t>TSQL </a:t>
+            </a:r>
+            <a:r>
+              <a:rPr lang="hu-HU" sz="2400" dirty="0" err="1"/>
+              <a:t>triggerek</a:t>
+            </a:r>
+            <a:endParaRPr lang="hu-HU" sz="2400" dirty="0"/>
+          </a:p>
+          <a:p>
+            <a:r>
+              <a:rPr lang="hu-HU" sz="2400" dirty="0"/>
+              <a:t>ASP.NET Web API</a:t>
+            </a:r>
+          </a:p>
+          <a:p>
+            <a:r>
+              <a:rPr lang="hu-HU" sz="2400" dirty="0" err="1"/>
+              <a:t>Dependency</a:t>
+            </a:r>
+            <a:r>
+              <a:rPr lang="hu-HU" sz="2400" dirty="0"/>
+              <a:t> </a:t>
+            </a:r>
+            <a:r>
+              <a:rPr lang="hu-HU" sz="2400" dirty="0" err="1"/>
+              <a:t>Injection</a:t>
+            </a:r>
+            <a:endParaRPr lang="hu-HU" sz="2400" dirty="0"/>
+          </a:p>
+          <a:p>
+            <a:r>
+              <a:rPr lang="hu-HU" sz="2400" dirty="0" err="1"/>
+              <a:t>Entitiy</a:t>
+            </a:r>
+            <a:r>
+              <a:rPr lang="hu-HU" sz="2400" dirty="0"/>
+              <a:t> Framework</a:t>
+            </a:r>
+          </a:p>
+          <a:p>
+            <a:r>
+              <a:rPr lang="hu-HU" sz="2400" dirty="0"/>
+              <a:t>API </a:t>
+            </a:r>
+            <a:r>
+              <a:rPr lang="hu-HU" sz="2400" dirty="0" err="1"/>
+              <a:t>endpointok</a:t>
+            </a:r>
+            <a:r>
+              <a:rPr lang="hu-HU" sz="2400" dirty="0"/>
+              <a:t> CRUD műveletekre</a:t>
+            </a:r>
+            <a:endParaRPr lang="en-US" sz="2400" dirty="0"/>
+          </a:p>
+        </p:txBody>
+      </p:sp>
+    </p:spTree>
+    <p:extLst>
+      <p:ext uri="{BB962C8B-B14F-4D97-AF65-F5344CB8AC3E}">
+        <p14:creationId xmlns:p14="http://schemas.microsoft.com/office/powerpoint/2010/main" val="89810337"/>
+      </p:ext>
+    </p:extLst>
+  </p:cSld>
+  <p:clrMapOvr>
+    <a:masterClrMapping/>
+  </p:clrMapOvr>
+</p:sld>
+</file>
+
+<file path=ppt/slides/slide3.xml><?xml version="1.0" encoding="utf-8"?>
+<p:sld xmlns:a="http://schemas.openxmlformats.org/drawingml/2006/main" xmlns:r="http://schemas.openxmlformats.org/officeDocument/2006/relationships" xmlns:p="http://schemas.openxmlformats.org/presentationml/2006/main">
+  <p:cSld>
+    <p:spTree>
+      <p:nvGrpSpPr>
+        <p:cNvPr id="1" name=""/>
+        <p:cNvGrpSpPr/>
+        <p:nvPr/>
+      </p:nvGrpSpPr>
+      <p:grpSpPr>
+        <a:xfrm>
+          <a:off x="0" y="0"/>
+          <a:ext cx="0" cy="0"/>
+          <a:chOff x="0" y="0"/>
+          <a:chExt cx="0" cy="0"/>
+        </a:xfrm>
+      </p:grpSpPr>
+      <p:sp>
+        <p:nvSpPr>
+          <p:cNvPr id="2" name="Cím 1">
+            <a:extLst>
+              <a:ext uri="{FF2B5EF4-FFF2-40B4-BE49-F238E27FC236}">
+                <a16:creationId xmlns:a16="http://schemas.microsoft.com/office/drawing/2014/main" id="{69325092-6E16-4A85-90BE-74E123CAEDA8}"/>
+              </a:ext>
+            </a:extLst>
+          </p:cNvPr>
+          <p:cNvSpPr>
+            <a:spLocks noGrp="1"/>
+          </p:cNvSpPr>
+          <p:nvPr>
+            <p:ph type="title"/>
+          </p:nvPr>
+        </p:nvSpPr>
+        <p:spPr/>
+        <p:txBody>
+          <a:bodyPr/>
+          <a:lstStyle/>
+          <a:p>
+            <a:r>
+              <a:rPr lang="hu-HU" dirty="0"/>
+              <a:t>A kezdőoldal - </a:t>
+            </a:r>
+            <a:r>
+              <a:rPr lang="hu-HU" dirty="0" err="1"/>
+              <a:t>Layout</a:t>
+            </a:r>
+            <a:endParaRPr lang="hu-HU" dirty="0"/>
+          </a:p>
+        </p:txBody>
+      </p:sp>
+      <p:pic>
+        <p:nvPicPr>
+          <p:cNvPr id="5" name="Tartalom helye 4">
+            <a:extLst>
+              <a:ext uri="{FF2B5EF4-FFF2-40B4-BE49-F238E27FC236}">
+                <a16:creationId xmlns:a16="http://schemas.microsoft.com/office/drawing/2014/main" id="{ACBA1557-22DA-4846-9458-C6750236270E}"/>
+              </a:ext>
+            </a:extLst>
+          </p:cNvPr>
+          <p:cNvPicPr>
+            <a:picLocks noGrp="1" noChangeAspect="1"/>
+          </p:cNvPicPr>
+          <p:nvPr>
+            <p:ph idx="1"/>
+          </p:nvPr>
+        </p:nvPicPr>
+        <p:blipFill>
+          <a:blip r:embed="rId2"/>
+          <a:stretch>
+            <a:fillRect/>
+          </a:stretch>
+        </p:blipFill>
+        <p:spPr>
+          <a:xfrm>
+            <a:off x="584719" y="1930400"/>
+            <a:ext cx="10830504" cy="3914775"/>
+          </a:xfrm>
+        </p:spPr>
+      </p:pic>
+    </p:spTree>
+    <p:extLst>
+      <p:ext uri="{BB962C8B-B14F-4D97-AF65-F5344CB8AC3E}">
+        <p14:creationId xmlns:p14="http://schemas.microsoft.com/office/powerpoint/2010/main" val="1998729134"/>
+      </p:ext>
+    </p:extLst>
+  </p:cSld>
+  <p:clrMapOvr>
+    <a:masterClrMapping/>
+  </p:clrMapOvr>
+</p:sld>
+</file>
+
+<file path=ppt/slides/slide4.xml><?xml version="1.0" encoding="utf-8"?>
+<p:sld xmlns:a="http://schemas.openxmlformats.org/drawingml/2006/main" xmlns:r="http://schemas.openxmlformats.org/officeDocument/2006/relationships" xmlns:p="http://schemas.openxmlformats.org/presentationml/2006/main">
+  <p:cSld>
+    <p:spTree>
+      <p:nvGrpSpPr>
+        <p:cNvPr id="1" name=""/>
+        <p:cNvGrpSpPr/>
+        <p:nvPr/>
+      </p:nvGrpSpPr>
+      <p:grpSpPr>
+        <a:xfrm>
+          <a:off x="0" y="0"/>
+          <a:ext cx="0" cy="0"/>
+          <a:chOff x="0" y="0"/>
+          <a:chExt cx="0" cy="0"/>
+        </a:xfrm>
+      </p:grpSpPr>
+      <p:sp>
+        <p:nvSpPr>
+          <p:cNvPr id="2" name="Cím 1">
+            <a:extLst>
+              <a:ext uri="{FF2B5EF4-FFF2-40B4-BE49-F238E27FC236}">
+                <a16:creationId xmlns:a16="http://schemas.microsoft.com/office/drawing/2014/main" id="{65652140-52F7-43AC-A439-C86FC6D65C42}"/>
+              </a:ext>
+            </a:extLst>
+          </p:cNvPr>
+          <p:cNvSpPr>
+            <a:spLocks noGrp="1"/>
+          </p:cNvSpPr>
+          <p:nvPr>
+            <p:ph type="title"/>
+          </p:nvPr>
+        </p:nvSpPr>
+        <p:spPr/>
+        <p:txBody>
+          <a:bodyPr/>
+          <a:lstStyle/>
+          <a:p>
+            <a:r>
+              <a:rPr lang="hu-HU" dirty="0"/>
+              <a:t>Keresés – Lista komponens</a:t>
+            </a:r>
+          </a:p>
+        </p:txBody>
+      </p:sp>
+      <p:pic>
+        <p:nvPicPr>
+          <p:cNvPr id="5" name="Tartalom helye 4">
+            <a:extLst>
+              <a:ext uri="{FF2B5EF4-FFF2-40B4-BE49-F238E27FC236}">
+                <a16:creationId xmlns:a16="http://schemas.microsoft.com/office/drawing/2014/main" id="{EA3041DA-2C44-4076-8956-5265257D034B}"/>
+              </a:ext>
+            </a:extLst>
+          </p:cNvPr>
+          <p:cNvPicPr>
+            <a:picLocks noGrp="1" noChangeAspect="1"/>
+          </p:cNvPicPr>
+          <p:nvPr>
+            <p:ph idx="1"/>
+          </p:nvPr>
+        </p:nvPicPr>
+        <p:blipFill>
+          <a:blip r:embed="rId2"/>
+          <a:stretch>
+            <a:fillRect/>
+          </a:stretch>
+        </p:blipFill>
+        <p:spPr>
+          <a:xfrm>
+            <a:off x="677333" y="1613112"/>
+            <a:ext cx="10189818" cy="2115509"/>
+          </a:xfrm>
+          <a:ln w="19050">
+            <a:solidFill>
+              <a:schemeClr val="accent2"/>
+            </a:solidFill>
+          </a:ln>
+        </p:spPr>
+      </p:pic>
+      <p:sp>
+        <p:nvSpPr>
+          <p:cNvPr id="6" name="Szövegdoboz 5">
+            <a:extLst>
+              <a:ext uri="{FF2B5EF4-FFF2-40B4-BE49-F238E27FC236}">
+                <a16:creationId xmlns:a16="http://schemas.microsoft.com/office/drawing/2014/main" id="{24278F8F-6AE6-4946-990F-F6A48FFF0FBF}"/>
+              </a:ext>
+            </a:extLst>
+          </p:cNvPr>
+          <p:cNvSpPr txBox="1"/>
+          <p:nvPr/>
+        </p:nvSpPr>
+        <p:spPr>
+          <a:xfrm>
+            <a:off x="677333" y="4163627"/>
+            <a:ext cx="8475545" cy="1200329"/>
+          </a:xfrm>
+          <a:prstGeom prst="rect">
+            <a:avLst/>
+          </a:prstGeom>
+          <a:noFill/>
+        </p:spPr>
+        <p:txBody>
+          <a:bodyPr wrap="square" rtlCol="0">
+            <a:spAutoFit/>
+          </a:bodyPr>
+          <a:lstStyle/>
+          <a:p>
+            <a:r>
+              <a:rPr lang="hu-HU" dirty="0">
+                <a:solidFill>
+                  <a:schemeClr val="tx1">
+                    <a:lumMod val="75000"/>
+                    <a:lumOff val="25000"/>
+                  </a:schemeClr>
+                </a:solidFill>
+              </a:rPr>
+              <a:t>Filmeket, </a:t>
+            </a:r>
+            <a:r>
+              <a:rPr lang="hu-HU" dirty="0" err="1">
+                <a:solidFill>
+                  <a:schemeClr val="tx1">
+                    <a:lumMod val="75000"/>
+                    <a:lumOff val="25000"/>
+                  </a:schemeClr>
+                </a:solidFill>
+              </a:rPr>
+              <a:t>sorozatokat</a:t>
+            </a:r>
+            <a:r>
+              <a:rPr lang="hu-HU" dirty="0">
+                <a:solidFill>
+                  <a:schemeClr val="tx1">
+                    <a:lumMod val="75000"/>
+                    <a:lumOff val="25000"/>
+                  </a:schemeClr>
+                </a:solidFill>
+              </a:rPr>
+              <a:t>, személyeket lehet keresni.</a:t>
+            </a:r>
+          </a:p>
+          <a:p>
+            <a:endParaRPr lang="hu-HU" dirty="0">
+              <a:solidFill>
+                <a:schemeClr val="tx1">
+                  <a:lumMod val="75000"/>
+                  <a:lumOff val="25000"/>
+                </a:schemeClr>
+              </a:solidFill>
+            </a:endParaRPr>
+          </a:p>
+          <a:p>
+            <a:r>
+              <a:rPr lang="hu-HU" dirty="0">
+                <a:solidFill>
+                  <a:schemeClr val="tx1">
+                    <a:lumMod val="75000"/>
+                    <a:lumOff val="25000"/>
+                  </a:schemeClr>
+                </a:solidFill>
+              </a:rPr>
+              <a:t>Amíg várunk, hogy megérkezzenek a keresés eredményei, egy </a:t>
+            </a:r>
+            <a:r>
+              <a:rPr lang="hu-HU" dirty="0" err="1">
+                <a:solidFill>
+                  <a:schemeClr val="tx1">
+                    <a:lumMod val="75000"/>
+                    <a:lumOff val="25000"/>
+                  </a:schemeClr>
+                </a:solidFill>
+              </a:rPr>
+              <a:t>progress</a:t>
+            </a:r>
+            <a:r>
+              <a:rPr lang="hu-HU" dirty="0">
+                <a:solidFill>
+                  <a:schemeClr val="tx1">
+                    <a:lumMod val="75000"/>
+                    <a:lumOff val="25000"/>
+                  </a:schemeClr>
+                </a:solidFill>
+              </a:rPr>
+              <a:t> bar jelzi, hogy háttérbeli folyamatra várunk.</a:t>
+            </a:r>
+          </a:p>
+        </p:txBody>
+      </p:sp>
+    </p:spTree>
+    <p:extLst>
+      <p:ext uri="{BB962C8B-B14F-4D97-AF65-F5344CB8AC3E}">
+        <p14:creationId xmlns:p14="http://schemas.microsoft.com/office/powerpoint/2010/main" val="3150345161"/>
+      </p:ext>
+    </p:extLst>
+  </p:cSld>
+  <p:clrMapOvr>
+    <a:masterClrMapping/>
+  </p:clrMapOvr>
+</p:sld>
+</file>
+
+<file path=ppt/slides/slide5.xml><?xml version="1.0" encoding="utf-8"?>
+<p:sld xmlns:a="http://schemas.openxmlformats.org/drawingml/2006/main" xmlns:r="http://schemas.openxmlformats.org/officeDocument/2006/relationships" xmlns:p="http://schemas.openxmlformats.org/presentationml/2006/main">
+  <p:cSld>
+    <p:spTree>
+      <p:nvGrpSpPr>
+        <p:cNvPr id="1" name=""/>
+        <p:cNvGrpSpPr/>
+        <p:nvPr/>
+      </p:nvGrpSpPr>
+      <p:grpSpPr>
+        <a:xfrm>
+          <a:off x="0" y="0"/>
+          <a:ext cx="0" cy="0"/>
+          <a:chOff x="0" y="0"/>
+          <a:chExt cx="0" cy="0"/>
+        </a:xfrm>
+      </p:grpSpPr>
+      <p:sp>
+        <p:nvSpPr>
+          <p:cNvPr id="2" name="Cím 1">
+            <a:extLst>
+              <a:ext uri="{FF2B5EF4-FFF2-40B4-BE49-F238E27FC236}">
+                <a16:creationId xmlns:a16="http://schemas.microsoft.com/office/drawing/2014/main" id="{FF2CE597-9814-45AF-964A-F458762D5069}"/>
+              </a:ext>
+            </a:extLst>
+          </p:cNvPr>
+          <p:cNvSpPr>
+            <a:spLocks noGrp="1"/>
+          </p:cNvSpPr>
+          <p:nvPr>
+            <p:ph type="title"/>
+          </p:nvPr>
+        </p:nvSpPr>
+        <p:spPr/>
+        <p:txBody>
+          <a:bodyPr/>
+          <a:lstStyle/>
+          <a:p>
+            <a:r>
+              <a:rPr lang="hu-HU" dirty="0" err="1"/>
+              <a:t>Movies</a:t>
+            </a:r>
+            <a:r>
+              <a:rPr lang="hu-HU" dirty="0"/>
+              <a:t> and Shows – Táblázat komponens</a:t>
+            </a:r>
+          </a:p>
+        </p:txBody>
+      </p:sp>
+      <p:pic>
+        <p:nvPicPr>
+          <p:cNvPr id="7" name="Tartalom helye 6">
+            <a:extLst>
+              <a:ext uri="{FF2B5EF4-FFF2-40B4-BE49-F238E27FC236}">
+                <a16:creationId xmlns:a16="http://schemas.microsoft.com/office/drawing/2014/main" id="{EEAFD303-7B42-449F-8E33-3D611B12A20D}"/>
+              </a:ext>
+            </a:extLst>
+          </p:cNvPr>
+          <p:cNvPicPr>
+            <a:picLocks noGrp="1" noChangeAspect="1"/>
+          </p:cNvPicPr>
+          <p:nvPr>
+            <p:ph idx="1"/>
+          </p:nvPr>
+        </p:nvPicPr>
+        <p:blipFill>
+          <a:blip r:embed="rId2"/>
+          <a:stretch>
+            <a:fillRect/>
+          </a:stretch>
+        </p:blipFill>
+        <p:spPr>
+          <a:xfrm>
+            <a:off x="677334" y="1619966"/>
+            <a:ext cx="9104346" cy="4628434"/>
+          </a:xfrm>
+        </p:spPr>
+      </p:pic>
+    </p:spTree>
+    <p:extLst>
+      <p:ext uri="{BB962C8B-B14F-4D97-AF65-F5344CB8AC3E}">
+        <p14:creationId xmlns:p14="http://schemas.microsoft.com/office/powerpoint/2010/main" val="2892505305"/>
+      </p:ext>
+    </p:extLst>
+  </p:cSld>
+  <p:clrMapOvr>
+    <a:masterClrMapping/>
+  </p:clrMapOvr>
+</p:sld>
+</file>
+
+<file path=ppt/slides/slide6.xml><?xml version="1.0" encoding="utf-8"?>
+<p:sld xmlns:a="http://schemas.openxmlformats.org/drawingml/2006/main" xmlns:r="http://schemas.openxmlformats.org/officeDocument/2006/relationships" xmlns:p="http://schemas.openxmlformats.org/presentationml/2006/main">
+  <p:cSld>
+    <p:spTree>
+      <p:nvGrpSpPr>
+        <p:cNvPr id="1" name=""/>
+        <p:cNvGrpSpPr/>
+        <p:nvPr/>
+      </p:nvGrpSpPr>
+      <p:grpSpPr>
+        <a:xfrm>
+          <a:off x="0" y="0"/>
+          <a:ext cx="0" cy="0"/>
+          <a:chOff x="0" y="0"/>
+          <a:chExt cx="0" cy="0"/>
+        </a:xfrm>
+      </p:grpSpPr>
+      <p:sp>
+        <p:nvSpPr>
+          <p:cNvPr id="2" name="Cím 1">
+            <a:extLst>
+              <a:ext uri="{FF2B5EF4-FFF2-40B4-BE49-F238E27FC236}">
+                <a16:creationId xmlns:a16="http://schemas.microsoft.com/office/drawing/2014/main" id="{E70A1430-9A64-4BAB-AA22-83787A615137}"/>
+              </a:ext>
+            </a:extLst>
+          </p:cNvPr>
+          <p:cNvSpPr>
+            <a:spLocks noGrp="1"/>
+          </p:cNvSpPr>
+          <p:nvPr>
+            <p:ph type="title"/>
+          </p:nvPr>
+        </p:nvSpPr>
+        <p:spPr/>
+        <p:txBody>
+          <a:bodyPr/>
+          <a:lstStyle/>
+          <a:p>
+            <a:r>
+              <a:rPr lang="hu-HU" dirty="0" err="1"/>
+              <a:t>Autocomplete</a:t>
+            </a:r>
+            <a:r>
+              <a:rPr lang="hu-HU" dirty="0"/>
+              <a:t> komponens</a:t>
+            </a:r>
+          </a:p>
+        </p:txBody>
+      </p:sp>
+      <p:pic>
+        <p:nvPicPr>
+          <p:cNvPr id="5" name="Tartalom helye 4">
+            <a:extLst>
+              <a:ext uri="{FF2B5EF4-FFF2-40B4-BE49-F238E27FC236}">
+                <a16:creationId xmlns:a16="http://schemas.microsoft.com/office/drawing/2014/main" id="{B77E20EB-0E1C-45B8-AAD3-F3AB35BC76E6}"/>
+              </a:ext>
+            </a:extLst>
+          </p:cNvPr>
+          <p:cNvPicPr>
+            <a:picLocks noGrp="1" noChangeAspect="1"/>
+          </p:cNvPicPr>
+          <p:nvPr>
+            <p:ph idx="1"/>
+          </p:nvPr>
+        </p:nvPicPr>
+        <p:blipFill>
+          <a:blip r:embed="rId2"/>
+          <a:stretch>
+            <a:fillRect/>
+          </a:stretch>
+        </p:blipFill>
+        <p:spPr>
+          <a:xfrm>
+            <a:off x="1456710" y="1578113"/>
+            <a:ext cx="7037916" cy="3544458"/>
+          </a:xfrm>
+          <a:ln w="25400">
+            <a:solidFill>
+              <a:schemeClr val="accent2"/>
+            </a:solidFill>
+          </a:ln>
+        </p:spPr>
+      </p:pic>
+      <p:sp>
+        <p:nvSpPr>
+          <p:cNvPr id="6" name="Szövegdoboz 5">
+            <a:extLst>
+              <a:ext uri="{FF2B5EF4-FFF2-40B4-BE49-F238E27FC236}">
+                <a16:creationId xmlns:a16="http://schemas.microsoft.com/office/drawing/2014/main" id="{C0929BA6-A61E-4F86-9BE8-6C647180153C}"/>
+              </a:ext>
+            </a:extLst>
+          </p:cNvPr>
+          <p:cNvSpPr txBox="1"/>
+          <p:nvPr/>
+        </p:nvSpPr>
+        <p:spPr>
+          <a:xfrm>
+            <a:off x="677334" y="5474858"/>
+            <a:ext cx="7817292" cy="646331"/>
+          </a:xfrm>
+          <a:prstGeom prst="rect">
+            <a:avLst/>
+          </a:prstGeom>
+          <a:noFill/>
+        </p:spPr>
+        <p:txBody>
+          <a:bodyPr wrap="square" rtlCol="0">
+            <a:spAutoFit/>
+          </a:bodyPr>
+          <a:lstStyle/>
+          <a:p>
+            <a:r>
+              <a:rPr lang="hu-HU" dirty="0"/>
+              <a:t>A dinamikusan betöltött filmek és sorozatok listájából lehet keresni az </a:t>
+            </a:r>
+            <a:r>
+              <a:rPr lang="hu-HU" dirty="0" err="1"/>
+              <a:t>autocomplete</a:t>
+            </a:r>
+            <a:r>
+              <a:rPr lang="hu-HU" dirty="0"/>
+              <a:t> segítségével.</a:t>
+            </a:r>
+          </a:p>
+        </p:txBody>
+      </p:sp>
+    </p:spTree>
+    <p:extLst>
+      <p:ext uri="{BB962C8B-B14F-4D97-AF65-F5344CB8AC3E}">
+        <p14:creationId xmlns:p14="http://schemas.microsoft.com/office/powerpoint/2010/main" val="541204934"/>
+      </p:ext>
+    </p:extLst>
+  </p:cSld>
+  <p:clrMapOvr>
+    <a:masterClrMapping/>
+  </p:clrMapOvr>
+</p:sld>
+</file>
+
+<file path=ppt/slides/slide7.xml><?xml version="1.0" encoding="utf-8"?>
+<p:sld xmlns:a="http://schemas.openxmlformats.org/drawingml/2006/main" xmlns:r="http://schemas.openxmlformats.org/officeDocument/2006/relationships" xmlns:p="http://schemas.openxmlformats.org/presentationml/2006/main">
+  <p:cSld>
+    <p:spTree>
+      <p:nvGrpSpPr>
+        <p:cNvPr id="1" name=""/>
+        <p:cNvGrpSpPr/>
+        <p:nvPr/>
+      </p:nvGrpSpPr>
+      <p:grpSpPr>
+        <a:xfrm>
+          <a:off x="0" y="0"/>
+          <a:ext cx="0" cy="0"/>
+          <a:chOff x="0" y="0"/>
+          <a:chExt cx="0" cy="0"/>
+        </a:xfrm>
+      </p:grpSpPr>
+      <p:sp>
+        <p:nvSpPr>
+          <p:cNvPr id="2" name="Cím 1">
+            <a:extLst>
+              <a:ext uri="{FF2B5EF4-FFF2-40B4-BE49-F238E27FC236}">
+                <a16:creationId xmlns:a16="http://schemas.microsoft.com/office/drawing/2014/main" id="{672E580A-5CCE-4598-8A07-376CC207796F}"/>
+              </a:ext>
+            </a:extLst>
+          </p:cNvPr>
+          <p:cNvSpPr>
+            <a:spLocks noGrp="1"/>
+          </p:cNvSpPr>
+          <p:nvPr>
+            <p:ph type="title"/>
+          </p:nvPr>
+        </p:nvSpPr>
+        <p:spPr/>
+        <p:txBody>
+          <a:bodyPr/>
+          <a:lstStyle/>
+          <a:p>
+            <a:r>
+              <a:rPr lang="hu-HU" dirty="0" err="1"/>
+              <a:t>Movie</a:t>
+            </a:r>
+            <a:r>
+              <a:rPr lang="hu-HU" dirty="0"/>
+              <a:t> </a:t>
+            </a:r>
+            <a:r>
+              <a:rPr lang="hu-HU" dirty="0" err="1"/>
+              <a:t>Details</a:t>
+            </a:r>
+            <a:r>
+              <a:rPr lang="hu-HU" dirty="0"/>
+              <a:t> – Ikonok, dialógus ablak </a:t>
+            </a:r>
+          </a:p>
+        </p:txBody>
+      </p:sp>
+      <p:pic>
+        <p:nvPicPr>
+          <p:cNvPr id="5" name="Tartalom helye 4">
+            <a:extLst>
+              <a:ext uri="{FF2B5EF4-FFF2-40B4-BE49-F238E27FC236}">
+                <a16:creationId xmlns:a16="http://schemas.microsoft.com/office/drawing/2014/main" id="{B3162AA3-E9F6-43EB-A439-D7DF87D672C6}"/>
+              </a:ext>
+            </a:extLst>
+          </p:cNvPr>
+          <p:cNvPicPr>
+            <a:picLocks noGrp="1" noChangeAspect="1"/>
+          </p:cNvPicPr>
+          <p:nvPr>
+            <p:ph idx="1"/>
+          </p:nvPr>
+        </p:nvPicPr>
+        <p:blipFill>
+          <a:blip r:embed="rId2"/>
+          <a:stretch>
+            <a:fillRect/>
+          </a:stretch>
+        </p:blipFill>
+        <p:spPr>
+          <a:xfrm>
+            <a:off x="677334" y="1416749"/>
+            <a:ext cx="8596312" cy="2959841"/>
+          </a:xfrm>
+        </p:spPr>
+      </p:pic>
+      <p:pic>
+        <p:nvPicPr>
+          <p:cNvPr id="7" name="Kép 6">
+            <a:extLst>
+              <a:ext uri="{FF2B5EF4-FFF2-40B4-BE49-F238E27FC236}">
+                <a16:creationId xmlns:a16="http://schemas.microsoft.com/office/drawing/2014/main" id="{EB6850A1-3FBF-4131-90B6-AE4F0CE9516A}"/>
+              </a:ext>
+            </a:extLst>
+          </p:cNvPr>
+          <p:cNvPicPr>
+            <a:picLocks noChangeAspect="1"/>
+          </p:cNvPicPr>
+          <p:nvPr/>
+        </p:nvPicPr>
+        <p:blipFill>
+          <a:blip r:embed="rId3"/>
+          <a:stretch>
+            <a:fillRect/>
+          </a:stretch>
+        </p:blipFill>
+        <p:spPr>
+          <a:xfrm>
+            <a:off x="5156170" y="1771649"/>
+            <a:ext cx="6826280" cy="317501"/>
+          </a:xfrm>
+          <a:prstGeom prst="rect">
+            <a:avLst/>
+          </a:prstGeom>
+        </p:spPr>
+      </p:pic>
+      <p:pic>
+        <p:nvPicPr>
+          <p:cNvPr id="11" name="Kép 10">
+            <a:extLst>
+              <a:ext uri="{FF2B5EF4-FFF2-40B4-BE49-F238E27FC236}">
+                <a16:creationId xmlns:a16="http://schemas.microsoft.com/office/drawing/2014/main" id="{FD3DB1FD-CC07-4BAA-819F-F4D16A5D2426}"/>
+              </a:ext>
+            </a:extLst>
+          </p:cNvPr>
+          <p:cNvPicPr>
+            <a:picLocks noChangeAspect="1"/>
+          </p:cNvPicPr>
+          <p:nvPr/>
+        </p:nvPicPr>
+        <p:blipFill>
+          <a:blip r:embed="rId4"/>
+          <a:stretch>
+            <a:fillRect/>
+          </a:stretch>
+        </p:blipFill>
+        <p:spPr>
+          <a:xfrm>
+            <a:off x="2584381" y="4535340"/>
+            <a:ext cx="4782217" cy="2105319"/>
+          </a:xfrm>
+          <a:prstGeom prst="rect">
+            <a:avLst/>
+          </a:prstGeom>
+        </p:spPr>
+      </p:pic>
+    </p:spTree>
+    <p:extLst>
+      <p:ext uri="{BB962C8B-B14F-4D97-AF65-F5344CB8AC3E}">
+        <p14:creationId xmlns:p14="http://schemas.microsoft.com/office/powerpoint/2010/main" val="188332845"/>
+      </p:ext>
+    </p:extLst>
+  </p:cSld>
+  <p:clrMapOvr>
+    <a:masterClrMapping/>
+  </p:clrMapOvr>
+</p:sld>
+</file>
+
+<file path=ppt/slides/slide8.xml><?xml version="1.0" encoding="utf-8"?>
+<p:sld xmlns:a="http://schemas.openxmlformats.org/drawingml/2006/main" xmlns:r="http://schemas.openxmlformats.org/officeDocument/2006/relationships" xmlns:p="http://schemas.openxmlformats.org/presentationml/2006/main">
+  <p:cSld>
+    <p:spTree>
+      <p:nvGrpSpPr>
+        <p:cNvPr id="1" name=""/>
+        <p:cNvGrpSpPr/>
+        <p:nvPr/>
+      </p:nvGrpSpPr>
+      <p:grpSpPr>
+        <a:xfrm>
+          <a:off x="0" y="0"/>
+          <a:ext cx="0" cy="0"/>
+          <a:chOff x="0" y="0"/>
+          <a:chExt cx="0" cy="0"/>
+        </a:xfrm>
+      </p:grpSpPr>
+      <p:sp>
+        <p:nvSpPr>
+          <p:cNvPr id="2" name="Cím 1">
+            <a:extLst>
+              <a:ext uri="{FF2B5EF4-FFF2-40B4-BE49-F238E27FC236}">
+                <a16:creationId xmlns:a16="http://schemas.microsoft.com/office/drawing/2014/main" id="{36F8F44C-53FF-4370-A3AB-EE89108EC1F6}"/>
+              </a:ext>
+            </a:extLst>
+          </p:cNvPr>
+          <p:cNvSpPr>
+            <a:spLocks noGrp="1"/>
+          </p:cNvSpPr>
+          <p:nvPr>
+            <p:ph type="title"/>
+          </p:nvPr>
+        </p:nvSpPr>
+        <p:spPr/>
+        <p:txBody>
+          <a:bodyPr/>
+          <a:lstStyle/>
+          <a:p>
+            <a:r>
+              <a:rPr lang="hu-HU" dirty="0"/>
+              <a:t>Új elem felvétele – </a:t>
+            </a:r>
+            <a:r>
+              <a:rPr lang="hu-HU" dirty="0" err="1"/>
+              <a:t>Form</a:t>
+            </a:r>
+            <a:r>
+              <a:rPr lang="hu-HU" dirty="0"/>
+              <a:t>, input komponensek, validáció</a:t>
+            </a:r>
+          </a:p>
+        </p:txBody>
+      </p:sp>
+      <p:pic>
+        <p:nvPicPr>
+          <p:cNvPr id="5" name="Tartalom helye 4">
+            <a:extLst>
+              <a:ext uri="{FF2B5EF4-FFF2-40B4-BE49-F238E27FC236}">
+                <a16:creationId xmlns:a16="http://schemas.microsoft.com/office/drawing/2014/main" id="{94583563-2375-42E4-A319-1CDF487B6053}"/>
+              </a:ext>
+            </a:extLst>
+          </p:cNvPr>
+          <p:cNvPicPr>
+            <a:picLocks noGrp="1" noChangeAspect="1"/>
+          </p:cNvPicPr>
+          <p:nvPr>
+            <p:ph idx="1"/>
+          </p:nvPr>
+        </p:nvPicPr>
+        <p:blipFill>
+          <a:blip r:embed="rId2"/>
+          <a:stretch>
+            <a:fillRect/>
+          </a:stretch>
+        </p:blipFill>
+        <p:spPr>
+          <a:xfrm>
+            <a:off x="677334" y="2011050"/>
+            <a:ext cx="9566421" cy="4237350"/>
+          </a:xfrm>
+        </p:spPr>
+      </p:pic>
+    </p:spTree>
+    <p:extLst>
+      <p:ext uri="{BB962C8B-B14F-4D97-AF65-F5344CB8AC3E}">
+        <p14:creationId xmlns:p14="http://schemas.microsoft.com/office/powerpoint/2010/main" val="32741225"/>
+      </p:ext>
+    </p:extLst>
+  </p:cSld>
+  <p:clrMapOvr>
+    <a:masterClrMapping/>
+  </p:clrMapOvr>
+</p:sld>
+</file>
+
+<file path=ppt/slides/slide9.xml><?xml version="1.0" encoding="utf-8"?>
+<p:sld xmlns:a="http://schemas.openxmlformats.org/drawingml/2006/main" xmlns:r="http://schemas.openxmlformats.org/officeDocument/2006/relationships" xmlns:p="http://schemas.openxmlformats.org/presentationml/2006/main">
+  <p:cSld>
+    <p:spTree>
+      <p:nvGrpSpPr>
+        <p:cNvPr id="1" name=""/>
+        <p:cNvGrpSpPr/>
+        <p:nvPr/>
+      </p:nvGrpSpPr>
+      <p:grpSpPr>
+        <a:xfrm>
+          <a:off x="0" y="0"/>
+          <a:ext cx="0" cy="0"/>
+          <a:chOff x="0" y="0"/>
+          <a:chExt cx="0" cy="0"/>
+        </a:xfrm>
+      </p:grpSpPr>
+      <p:sp>
+        <p:nvSpPr>
+          <p:cNvPr id="2" name="Cím 1">
+            <a:extLst>
+              <a:ext uri="{FF2B5EF4-FFF2-40B4-BE49-F238E27FC236}">
+                <a16:creationId xmlns:a16="http://schemas.microsoft.com/office/drawing/2014/main" id="{1245A91E-74FC-4378-B5AE-22D954339117}"/>
+              </a:ext>
+            </a:extLst>
+          </p:cNvPr>
+          <p:cNvSpPr>
+            <a:spLocks noGrp="1"/>
+          </p:cNvSpPr>
+          <p:nvPr>
+            <p:ph type="title"/>
+          </p:nvPr>
+        </p:nvSpPr>
+        <p:spPr/>
+        <p:txBody>
+          <a:bodyPr/>
+          <a:lstStyle/>
+          <a:p>
+            <a:r>
+              <a:rPr lang="hu-HU" dirty="0"/>
+              <a:t>Snackbarok, </a:t>
+            </a:r>
+            <a:r>
+              <a:rPr lang="hu-HU" dirty="0" err="1"/>
+              <a:t>Tooltipek</a:t>
+            </a:r>
+            <a:endParaRPr lang="hu-HU" dirty="0"/>
+          </a:p>
+        </p:txBody>
+      </p:sp>
+      <p:pic>
+        <p:nvPicPr>
+          <p:cNvPr id="5" name="Tartalom helye 4">
+            <a:extLst>
+              <a:ext uri="{FF2B5EF4-FFF2-40B4-BE49-F238E27FC236}">
+                <a16:creationId xmlns:a16="http://schemas.microsoft.com/office/drawing/2014/main" id="{64A0C62B-EFDB-4371-B6E3-7FDF065E526B}"/>
+              </a:ext>
+            </a:extLst>
+          </p:cNvPr>
+          <p:cNvPicPr>
+            <a:picLocks noGrp="1" noChangeAspect="1"/>
+          </p:cNvPicPr>
+          <p:nvPr>
+            <p:ph idx="1"/>
+          </p:nvPr>
+        </p:nvPicPr>
+        <p:blipFill>
+          <a:blip r:embed="rId2"/>
+          <a:stretch>
+            <a:fillRect/>
+          </a:stretch>
+        </p:blipFill>
+        <p:spPr>
+          <a:xfrm>
+            <a:off x="1171238" y="1695456"/>
+            <a:ext cx="4251490" cy="722398"/>
+          </a:xfrm>
+          <a:ln w="25400">
+            <a:solidFill>
+              <a:schemeClr val="tx1"/>
+            </a:solidFill>
+          </a:ln>
+        </p:spPr>
+      </p:pic>
+      <p:pic>
+        <p:nvPicPr>
+          <p:cNvPr id="7" name="Kép 6">
+            <a:extLst>
+              <a:ext uri="{FF2B5EF4-FFF2-40B4-BE49-F238E27FC236}">
+                <a16:creationId xmlns:a16="http://schemas.microsoft.com/office/drawing/2014/main" id="{5F502277-F633-4358-B697-659956437BCD}"/>
+              </a:ext>
+            </a:extLst>
+          </p:cNvPr>
+          <p:cNvPicPr>
+            <a:picLocks noChangeAspect="1"/>
+          </p:cNvPicPr>
+          <p:nvPr/>
+        </p:nvPicPr>
+        <p:blipFill>
+          <a:blip r:embed="rId3"/>
+          <a:stretch>
+            <a:fillRect/>
+          </a:stretch>
+        </p:blipFill>
+        <p:spPr>
+          <a:xfrm>
+            <a:off x="1171238" y="3586737"/>
+            <a:ext cx="3188711" cy="1658643"/>
+          </a:xfrm>
+          <a:prstGeom prst="rect">
+            <a:avLst/>
+          </a:prstGeom>
+          <a:ln w="25400">
+            <a:solidFill>
+              <a:schemeClr val="tx1"/>
+            </a:solidFill>
+          </a:ln>
+        </p:spPr>
+      </p:pic>
+      <p:pic>
+        <p:nvPicPr>
+          <p:cNvPr id="9" name="Kép 8">
+            <a:extLst>
+              <a:ext uri="{FF2B5EF4-FFF2-40B4-BE49-F238E27FC236}">
+                <a16:creationId xmlns:a16="http://schemas.microsoft.com/office/drawing/2014/main" id="{AC64A668-DF2D-444F-8BD9-1110FD58851E}"/>
+              </a:ext>
+            </a:extLst>
+          </p:cNvPr>
+          <p:cNvPicPr>
+            <a:picLocks noChangeAspect="1"/>
+          </p:cNvPicPr>
+          <p:nvPr/>
+        </p:nvPicPr>
+        <p:blipFill>
+          <a:blip r:embed="rId4"/>
+          <a:stretch>
+            <a:fillRect/>
+          </a:stretch>
+        </p:blipFill>
+        <p:spPr>
+          <a:xfrm>
+            <a:off x="792253" y="5668353"/>
+            <a:ext cx="11039161" cy="722399"/>
+          </a:xfrm>
+          <a:prstGeom prst="rect">
+            <a:avLst/>
+          </a:prstGeom>
+        </p:spPr>
+      </p:pic>
+      <p:pic>
+        <p:nvPicPr>
+          <p:cNvPr id="11" name="Kép 10">
+            <a:extLst>
+              <a:ext uri="{FF2B5EF4-FFF2-40B4-BE49-F238E27FC236}">
+                <a16:creationId xmlns:a16="http://schemas.microsoft.com/office/drawing/2014/main" id="{46CC994A-7A46-442D-BCFF-A5C9432CC625}"/>
+              </a:ext>
+            </a:extLst>
+          </p:cNvPr>
+          <p:cNvPicPr>
+            <a:picLocks noChangeAspect="1"/>
+          </p:cNvPicPr>
+          <p:nvPr/>
+        </p:nvPicPr>
+        <p:blipFill>
+          <a:blip r:embed="rId5"/>
+          <a:stretch>
+            <a:fillRect/>
+          </a:stretch>
+        </p:blipFill>
+        <p:spPr>
+          <a:xfrm>
+            <a:off x="792253" y="2779972"/>
+            <a:ext cx="9051090" cy="383792"/>
+          </a:xfrm>
+          <a:prstGeom prst="rect">
+            <a:avLst/>
+          </a:prstGeom>
+        </p:spPr>
+      </p:pic>
+    </p:spTree>
+    <p:extLst>
+      <p:ext uri="{BB962C8B-B14F-4D97-AF65-F5344CB8AC3E}">
+        <p14:creationId xmlns:p14="http://schemas.microsoft.com/office/powerpoint/2010/main" val="1902345858"/>
+      </p:ext>
+    </p:extLst>
+  </p:cSld>
+  <p:clrMapOvr>
+    <a:masterClrMapping/>
+  </p:clrMapOvr>
+</p:sld>
+</file>
+
 <file path=ppt/theme/theme1.xml><?xml version="1.0" encoding="utf-8"?>
-<a:theme xmlns:a="http://schemas.openxmlformats.org/drawingml/2006/main" name="Office-téma">
+<a:theme xmlns:a="http://schemas.openxmlformats.org/drawingml/2006/main" name="Dimenzió">
   <a:themeElements>
-    <a:clrScheme name="Office">
+    <a:clrScheme name="Dimenzió">
       <a:dk1>
         <a:sysClr val="windowText" lastClr="000000"/>
       </a:dk1>
@@ -3395,52 +7483,52 @@
         <a:sysClr val="window" lastClr="FFFFFF"/>
       </a:lt1>
       <a:dk2>
-        <a:srgbClr val="44546A"/>
+        <a:srgbClr val="2C3C43"/>
       </a:dk2>
       <a:lt2>
-        <a:srgbClr val="E7E6E6"/>
+        <a:srgbClr val="EBEBEB"/>
       </a:lt2>
       <a:accent1>
-        <a:srgbClr val="4472C4"/>
+        <a:srgbClr val="5FCBEF"/>
       </a:accent1>
       <a:accent2>
-        <a:srgbClr val="ED7D31"/>
+        <a:srgbClr val="2E83C3"/>
       </a:accent2>
       <a:accent3>
-        <a:srgbClr val="A5A5A5"/>
+        <a:srgbClr val="42D0A2"/>
       </a:accent3>
       <a:accent4>
-        <a:srgbClr val="FFC000"/>
+        <a:srgbClr val="2E946B"/>
       </a:accent4>
       <a:accent5>
-        <a:srgbClr val="5B9BD5"/>
+        <a:srgbClr val="42B051"/>
       </a:accent5>
       <a:accent6>
-        <a:srgbClr val="70AD47"/>
+        <a:srgbClr val="96D141"/>
       </a:accent6>
       <a:hlink>
-        <a:srgbClr val="0563C1"/>
+        <a:srgbClr val="3FCDE7"/>
       </a:hlink>
       <a:folHlink>
-        <a:srgbClr val="954F72"/>
+        <a:srgbClr val="A9D3E1"/>
       </a:folHlink>
     </a:clrScheme>
-    <a:fontScheme name="Office">
+    <a:fontScheme name="Dimenzió">
       <a:majorFont>
-        <a:latin typeface="Calibri Light" panose="020F0302020204030204"/>
+        <a:latin typeface="Trebuchet MS" panose="020B0603020202020204"/>
         <a:ea typeface=""/>
         <a:cs typeface=""/>
-        <a:font script="Jpan" typeface="游ゴシック Light"/>
+        <a:font script="Jpan" typeface="メイリオ"/>
         <a:font script="Hang" typeface="맑은 고딕"/>
-        <a:font script="Hans" typeface="等线 Light"/>
-        <a:font script="Hant" typeface="新細明體"/>
-        <a:font script="Arab" typeface="Times New Roman"/>
-        <a:font script="Hebr" typeface="Times New Roman"/>
-        <a:font script="Thai" typeface="Angsana New"/>
+        <a:font script="Hans" typeface="方正姚体"/>
+        <a:font script="Hant" typeface="微軟正黑體"/>
+        <a:font script="Arab" typeface="Tahoma"/>
+        <a:font script="Hebr" typeface="Arial"/>
+        <a:font script="Thai" typeface="Cordia New"/>
         <a:font script="Ethi" typeface="Nyala"/>
         <a:font script="Beng" typeface="Vrinda"/>
         <a:font script="Gujr" typeface="Shruti"/>
-        <a:font script="Khmr" typeface="MoolBoran"/>
+        <a:font script="Khmr" typeface="DaunPenh"/>
         <a:font script="Knda" typeface="Tunga"/>
         <a:font script="Guru" typeface="Raavi"/>
         <a:font script="Cans" typeface="Euphemia"/>
@@ -3457,38 +7545,21 @@
         <a:font script="Laoo" typeface="DokChampa"/>
         <a:font script="Sinh" typeface="Iskoola Pota"/>
         <a:font script="Mong" typeface="Mongolian Baiti"/>
-        <a:font script="Viet" typeface="Times New Roman"/>
+        <a:font script="Viet" typeface="Tahoma"/>
         <a:font script="Uigh" typeface="Microsoft Uighur"/>
         <a:font script="Geor" typeface="Sylfaen"/>
-        <a:font script="Armn" typeface="Arial"/>
-        <a:font script="Bugi" typeface="Leelawadee UI"/>
-        <a:font script="Bopo" typeface="Microsoft JhengHei"/>
-        <a:font script="Java" typeface="Javanese Text"/>
-        <a:font script="Lisu" typeface="Segoe UI"/>
-        <a:font script="Mymr" typeface="Myanmar Text"/>
-        <a:font script="Nkoo" typeface="Ebrima"/>
-        <a:font script="Olck" typeface="Nirmala UI"/>
-        <a:font script="Osma" typeface="Ebrima"/>
-        <a:font script="Phag" typeface="Phagspa"/>
-        <a:font script="Syrn" typeface="Estrangelo Edessa"/>
-        <a:font script="Syrj" typeface="Estrangelo Edessa"/>
-        <a:font script="Syre" typeface="Estrangelo Edessa"/>
-        <a:font script="Sora" typeface="Nirmala UI"/>
-        <a:font script="Tale" typeface="Microsoft Tai Le"/>
-        <a:font script="Talu" typeface="Microsoft New Tai Lue"/>
-        <a:font script="Tfng" typeface="Ebrima"/>
       </a:majorFont>
       <a:minorFont>
-        <a:latin typeface="Calibri" panose="020F0502020204030204"/>
+        <a:latin typeface="Trebuchet MS" panose="020B0603020202020204"/>
         <a:ea typeface=""/>
         <a:cs typeface=""/>
-        <a:font script="Jpan" typeface="游ゴシック"/>
-        <a:font script="Hang" typeface="맑은 고딕"/>
-        <a:font script="Hans" typeface="等线"/>
-        <a:font script="Hant" typeface="新細明體"/>
-        <a:font script="Arab" typeface="Arial"/>
-        <a:font script="Hebr" typeface="Arial"/>
-        <a:font script="Thai" typeface="Cordia New"/>
+        <a:font script="Jpan" typeface="メイリオ"/>
+        <a:font script="Hang" typeface="HY그래픽M"/>
+        <a:font script="Hans" typeface="华文新魏"/>
+        <a:font script="Hant" typeface="微軟正黑體"/>
+        <a:font script="Arab" typeface="Tahoma"/>
+        <a:font script="Hebr" typeface="Gisha"/>
+        <a:font script="Thai" typeface="IrisUPC"/>
         <a:font script="Ethi" typeface="Nyala"/>
         <a:font script="Beng" typeface="Vrinda"/>
         <a:font script="Gujr" typeface="Shruti"/>
@@ -3512,26 +7583,9 @@
         <a:font script="Viet" typeface="Arial"/>
         <a:font script="Uigh" typeface="Microsoft Uighur"/>
         <a:font script="Geor" typeface="Sylfaen"/>
-        <a:font script="Armn" typeface="Arial"/>
-        <a:font script="Bugi" typeface="Leelawadee UI"/>
-        <a:font script="Bopo" typeface="Microsoft JhengHei"/>
-        <a:font script="Java" typeface="Javanese Text"/>
-        <a:font script="Lisu" typeface="Segoe UI"/>
-        <a:font script="Mymr" typeface="Myanmar Text"/>
-        <a:font script="Nkoo" typeface="Ebrima"/>
-        <a:font script="Olck" typeface="Nirmala UI"/>
-        <a:font script="Osma" typeface="Ebrima"/>
-        <a:font script="Phag" typeface="Phagspa"/>
-        <a:font script="Syrn" typeface="Estrangelo Edessa"/>
-        <a:font script="Syrj" typeface="Estrangelo Edessa"/>
-        <a:font script="Syre" typeface="Estrangelo Edessa"/>
-        <a:font script="Sora" typeface="Nirmala UI"/>
-        <a:font script="Tale" typeface="Microsoft Tai Le"/>
-        <a:font script="Talu" typeface="Microsoft New Tai Lue"/>
-        <a:font script="Tfng" typeface="Ebrima"/>
       </a:minorFont>
     </a:fontScheme>
-    <a:fmtScheme name="Office">
+    <a:fmtScheme name="Dimenzió">
       <a:fillStyleLst>
         <a:solidFill>
           <a:schemeClr val="phClr"/>
@@ -3540,23 +7594,13 @@
           <a:gsLst>
             <a:gs pos="0">
               <a:schemeClr val="phClr">
+                <a:tint val="65000"/>
                 <a:lumMod val="110000"/>
-                <a:satMod val="105000"/>
-                <a:tint val="67000"/>
               </a:schemeClr>
             </a:gs>
-            <a:gs pos="50000">
+            <a:gs pos="88000">
               <a:schemeClr val="phClr">
-                <a:lumMod val="105000"/>
-                <a:satMod val="103000"/>
-                <a:tint val="73000"/>
-              </a:schemeClr>
-            </a:gs>
-            <a:gs pos="100000">
-              <a:schemeClr val="phClr">
-                <a:lumMod val="105000"/>
-                <a:satMod val="109000"/>
-                <a:tint val="81000"/>
+                <a:tint val="90000"/>
               </a:schemeClr>
             </a:gs>
           </a:gsLst>
@@ -3566,23 +7610,14 @@
           <a:gsLst>
             <a:gs pos="0">
               <a:schemeClr val="phClr">
-                <a:satMod val="103000"/>
-                <a:lumMod val="102000"/>
-                <a:tint val="94000"/>
+                <a:tint val="96000"/>
+                <a:lumMod val="100000"/>
               </a:schemeClr>
             </a:gs>
-            <a:gs pos="50000">
+            <a:gs pos="78000">
               <a:schemeClr val="phClr">
-                <a:satMod val="110000"/>
-                <a:lumMod val="100000"/>
-                <a:shade val="100000"/>
-              </a:schemeClr>
-            </a:gs>
-            <a:gs pos="100000">
-              <a:schemeClr val="phClr">
-                <a:lumMod val="99000"/>
-                <a:satMod val="120000"/>
-                <a:shade val="78000"/>
+                <a:shade val="94000"/>
+                <a:lumMod val="94000"/>
               </a:schemeClr>
             </a:gs>
           </a:gsLst>
@@ -3590,26 +7625,23 @@
         </a:gradFill>
       </a:fillStyleLst>
       <a:lnStyleLst>
-        <a:ln w="6350" cap="flat" cmpd="sng" algn="ctr">
+        <a:ln w="12700" cap="rnd" cmpd="sng" algn="ctr">
           <a:solidFill>
             <a:schemeClr val="phClr"/>
           </a:solidFill>
           <a:prstDash val="solid"/>
-          <a:miter lim="800000"/>
         </a:ln>
-        <a:ln w="12700" cap="flat" cmpd="sng" algn="ctr">
+        <a:ln w="19050" cap="rnd" cmpd="sng" algn="ctr">
           <a:solidFill>
             <a:schemeClr val="phClr"/>
           </a:solidFill>
           <a:prstDash val="solid"/>
-          <a:miter lim="800000"/>
         </a:ln>
-        <a:ln w="19050" cap="flat" cmpd="sng" algn="ctr">
+        <a:ln w="25400" cap="rnd" cmpd="sng" algn="ctr">
           <a:solidFill>
             <a:schemeClr val="phClr"/>
           </a:solidFill>
           <a:prstDash val="solid"/>
-          <a:miter lim="800000"/>
         </a:ln>
       </a:lnStyleLst>
       <a:effectStyleLst>
@@ -3617,54 +7649,72 @@
           <a:effectLst/>
         </a:effectStyle>
         <a:effectStyle>
-          <a:effectLst/>
+          <a:effectLst>
+            <a:outerShdw blurRad="38100" dist="25400" dir="5400000" rotWithShape="0">
+              <a:srgbClr val="000000">
+                <a:alpha val="35000"/>
+              </a:srgbClr>
+            </a:outerShdw>
+          </a:effectLst>
         </a:effectStyle>
         <a:effectStyle>
           <a:effectLst>
-            <a:outerShdw blurRad="57150" dist="19050" dir="5400000" algn="ctr" rotWithShape="0">
+            <a:outerShdw blurRad="50800" dist="38100" dir="5400000" rotWithShape="0">
               <a:srgbClr val="000000">
-                <a:alpha val="63000"/>
+                <a:alpha val="35000"/>
               </a:srgbClr>
             </a:outerShdw>
           </a:effectLst>
+          <a:scene3d>
+            <a:camera prst="orthographicFront">
+              <a:rot lat="0" lon="0" rev="0"/>
+            </a:camera>
+            <a:lightRig rig="threePt" dir="tl"/>
+          </a:scene3d>
+          <a:sp3d prstMaterial="plastic">
+            <a:bevelT w="0" h="0"/>
+          </a:sp3d>
         </a:effectStyle>
       </a:effectStyleLst>
       <a:bgFillStyleLst>
         <a:solidFill>
           <a:schemeClr val="phClr"/>
         </a:solidFill>
-        <a:solidFill>
-          <a:schemeClr val="phClr">
-            <a:tint val="95000"/>
-            <a:satMod val="170000"/>
-          </a:schemeClr>
-        </a:solidFill>
         <a:gradFill rotWithShape="1">
           <a:gsLst>
             <a:gs pos="0">
               <a:schemeClr val="phClr">
-                <a:tint val="93000"/>
-                <a:satMod val="150000"/>
-                <a:shade val="98000"/>
-                <a:lumMod val="102000"/>
+                <a:tint val="90000"/>
+                <a:lumMod val="104000"/>
               </a:schemeClr>
             </a:gs>
-            <a:gs pos="50000">
+            <a:gs pos="94000">
               <a:schemeClr val="phClr">
-                <a:tint val="98000"/>
-                <a:satMod val="130000"/>
-                <a:shade val="90000"/>
-                <a:lumMod val="103000"/>
+                <a:shade val="96000"/>
+                <a:lumMod val="82000"/>
+              </a:schemeClr>
+            </a:gs>
+          </a:gsLst>
+          <a:lin ang="5400000" scaled="0"/>
+        </a:gradFill>
+        <a:gradFill rotWithShape="1">
+          <a:gsLst>
+            <a:gs pos="0">
+              <a:schemeClr val="phClr">
+                <a:tint val="90000"/>
+                <a:lumMod val="110000"/>
               </a:schemeClr>
             </a:gs>
             <a:gs pos="100000">
               <a:schemeClr val="phClr">
-                <a:shade val="63000"/>
-                <a:satMod val="120000"/>
+                <a:shade val="94000"/>
+                <a:lumMod val="96000"/>
               </a:schemeClr>
             </a:gs>
           </a:gsLst>
-          <a:lin ang="5400000" scaled="0"/>
+          <a:path path="circle">
+            <a:fillToRect l="50000" t="50000" r="100000" b="100000"/>
+          </a:path>
         </a:gradFill>
       </a:bgFillStyleLst>
     </a:fmtScheme>
@@ -3673,7 +7723,7 @@
   <a:extraClrSchemeLst/>
   <a:extLst>
     <a:ext uri="{05A4C25C-085E-4340-85A3-A5531E510DB2}">
-      <thm15:themeFamily xmlns:thm15="http://schemas.microsoft.com/office/thememl/2012/main" name="Office Theme" id="{62F939B6-93AF-4DB8-9C6B-D6C7DFDC589F}" vid="{4A3C46E8-61CC-4603-A589-7422A47A8E4A}"/>
+      <thm15:themeFamily xmlns:thm15="http://schemas.microsoft.com/office/thememl/2012/main" name="Facet" id="{C0C680CD-088A-49FC-A102-D699147F32B2}" vid="{0B5AB586-D108-4FC1-8368-649FE654B894}"/>
     </a:ext>
   </a:extLst>
 </a:theme>
